--- a/journalClub/MLOPT_Vol1/Summary of a comparison of machine learning methods.pptx
+++ b/journalClub/MLOPT_Vol1/Summary of a comparison of machine learning methods.pptx
@@ -5,22 +5,21 @@
     <p:sldMasterId id="2147483888" r:id="rId1"/>
   </p:sldMasterIdLst>
   <p:notesMasterIdLst>
-    <p:notesMasterId r:id="rId15"/>
+    <p:notesMasterId r:id="rId14"/>
   </p:notesMasterIdLst>
   <p:sldIdLst>
     <p:sldId id="256" r:id="rId2"/>
     <p:sldId id="257" r:id="rId3"/>
     <p:sldId id="269" r:id="rId4"/>
-    <p:sldId id="270" r:id="rId5"/>
-    <p:sldId id="258" r:id="rId6"/>
-    <p:sldId id="259" r:id="rId7"/>
-    <p:sldId id="262" r:id="rId8"/>
-    <p:sldId id="261" r:id="rId9"/>
-    <p:sldId id="263" r:id="rId10"/>
-    <p:sldId id="264" r:id="rId11"/>
-    <p:sldId id="265" r:id="rId12"/>
-    <p:sldId id="267" r:id="rId13"/>
-    <p:sldId id="271" r:id="rId14"/>
+    <p:sldId id="272" r:id="rId5"/>
+    <p:sldId id="259" r:id="rId6"/>
+    <p:sldId id="262" r:id="rId7"/>
+    <p:sldId id="261" r:id="rId8"/>
+    <p:sldId id="263" r:id="rId9"/>
+    <p:sldId id="264" r:id="rId10"/>
+    <p:sldId id="265" r:id="rId11"/>
+    <p:sldId id="267" r:id="rId12"/>
+    <p:sldId id="271" r:id="rId13"/>
   </p:sldIdLst>
   <p:sldSz cx="12192000" cy="6858000"/>
   <p:notesSz cx="6858000" cy="9144000"/>
@@ -874,7 +873,1214 @@
 </dgm:colorsDef>
 </file>
 
+<file path=ppt/diagrams/colors2.xml><?xml version="1.0" encoding="utf-8"?>
+<dgm:colorsDef xmlns:dgm="http://schemas.openxmlformats.org/drawingml/2006/diagram" xmlns:a="http://schemas.openxmlformats.org/drawingml/2006/main" uniqueId="urn:microsoft.com/office/officeart/2005/8/colors/accent1_2">
+  <dgm:title val=""/>
+  <dgm:desc val=""/>
+  <dgm:catLst>
+    <dgm:cat type="accent1" pri="11200"/>
+  </dgm:catLst>
+  <dgm:styleLbl name="node0">
+    <dgm:fillClrLst meth="repeat">
+      <a:schemeClr val="accent1"/>
+    </dgm:fillClrLst>
+    <dgm:linClrLst meth="repeat">
+      <a:schemeClr val="lt1"/>
+    </dgm:linClrLst>
+    <dgm:effectClrLst/>
+    <dgm:txLinClrLst/>
+    <dgm:txFillClrLst/>
+    <dgm:txEffectClrLst/>
+  </dgm:styleLbl>
+  <dgm:styleLbl name="alignNode1">
+    <dgm:fillClrLst meth="repeat">
+      <a:schemeClr val="accent1"/>
+    </dgm:fillClrLst>
+    <dgm:linClrLst meth="repeat">
+      <a:schemeClr val="accent1"/>
+    </dgm:linClrLst>
+    <dgm:effectClrLst/>
+    <dgm:txLinClrLst/>
+    <dgm:txFillClrLst/>
+    <dgm:txEffectClrLst/>
+  </dgm:styleLbl>
+  <dgm:styleLbl name="node1">
+    <dgm:fillClrLst meth="repeat">
+      <a:schemeClr val="accent1"/>
+    </dgm:fillClrLst>
+    <dgm:linClrLst meth="repeat">
+      <a:schemeClr val="lt1"/>
+    </dgm:linClrLst>
+    <dgm:effectClrLst/>
+    <dgm:txLinClrLst/>
+    <dgm:txFillClrLst/>
+    <dgm:txEffectClrLst/>
+  </dgm:styleLbl>
+  <dgm:styleLbl name="lnNode1">
+    <dgm:fillClrLst meth="repeat">
+      <a:schemeClr val="accent1"/>
+    </dgm:fillClrLst>
+    <dgm:linClrLst meth="repeat">
+      <a:schemeClr val="lt1"/>
+    </dgm:linClrLst>
+    <dgm:effectClrLst/>
+    <dgm:txLinClrLst/>
+    <dgm:txFillClrLst/>
+    <dgm:txEffectClrLst/>
+  </dgm:styleLbl>
+  <dgm:styleLbl name="vennNode1">
+    <dgm:fillClrLst meth="repeat">
+      <a:schemeClr val="accent1">
+        <a:alpha val="50000"/>
+      </a:schemeClr>
+    </dgm:fillClrLst>
+    <dgm:linClrLst meth="repeat">
+      <a:schemeClr val="lt1"/>
+    </dgm:linClrLst>
+    <dgm:effectClrLst/>
+    <dgm:txLinClrLst/>
+    <dgm:txFillClrLst/>
+    <dgm:txEffectClrLst/>
+  </dgm:styleLbl>
+  <dgm:styleLbl name="node2">
+    <dgm:fillClrLst meth="repeat">
+      <a:schemeClr val="accent1"/>
+    </dgm:fillClrLst>
+    <dgm:linClrLst meth="repeat">
+      <a:schemeClr val="lt1"/>
+    </dgm:linClrLst>
+    <dgm:effectClrLst/>
+    <dgm:txLinClrLst/>
+    <dgm:txFillClrLst/>
+    <dgm:txEffectClrLst/>
+  </dgm:styleLbl>
+  <dgm:styleLbl name="node3">
+    <dgm:fillClrLst meth="repeat">
+      <a:schemeClr val="accent1"/>
+    </dgm:fillClrLst>
+    <dgm:linClrLst meth="repeat">
+      <a:schemeClr val="lt1"/>
+    </dgm:linClrLst>
+    <dgm:effectClrLst/>
+    <dgm:txLinClrLst/>
+    <dgm:txFillClrLst/>
+    <dgm:txEffectClrLst/>
+  </dgm:styleLbl>
+  <dgm:styleLbl name="node4">
+    <dgm:fillClrLst meth="repeat">
+      <a:schemeClr val="accent1"/>
+    </dgm:fillClrLst>
+    <dgm:linClrLst meth="repeat">
+      <a:schemeClr val="lt1"/>
+    </dgm:linClrLst>
+    <dgm:effectClrLst/>
+    <dgm:txLinClrLst/>
+    <dgm:txFillClrLst/>
+    <dgm:txEffectClrLst/>
+  </dgm:styleLbl>
+  <dgm:styleLbl name="fgImgPlace1">
+    <dgm:fillClrLst meth="repeat">
+      <a:schemeClr val="accent1">
+        <a:tint val="50000"/>
+      </a:schemeClr>
+    </dgm:fillClrLst>
+    <dgm:linClrLst meth="repeat">
+      <a:schemeClr val="lt1"/>
+    </dgm:linClrLst>
+    <dgm:effectClrLst/>
+    <dgm:txLinClrLst/>
+    <dgm:txFillClrLst meth="repeat">
+      <a:schemeClr val="lt1"/>
+    </dgm:txFillClrLst>
+    <dgm:txEffectClrLst/>
+  </dgm:styleLbl>
+  <dgm:styleLbl name="alignImgPlace1">
+    <dgm:fillClrLst meth="repeat">
+      <a:schemeClr val="accent1">
+        <a:tint val="50000"/>
+      </a:schemeClr>
+    </dgm:fillClrLst>
+    <dgm:linClrLst meth="repeat">
+      <a:schemeClr val="lt1"/>
+    </dgm:linClrLst>
+    <dgm:effectClrLst/>
+    <dgm:txLinClrLst/>
+    <dgm:txFillClrLst meth="repeat">
+      <a:schemeClr val="lt1"/>
+    </dgm:txFillClrLst>
+    <dgm:txEffectClrLst/>
+  </dgm:styleLbl>
+  <dgm:styleLbl name="bgImgPlace1">
+    <dgm:fillClrLst meth="repeat">
+      <a:schemeClr val="accent1">
+        <a:tint val="50000"/>
+      </a:schemeClr>
+    </dgm:fillClrLst>
+    <dgm:linClrLst meth="repeat">
+      <a:schemeClr val="lt1"/>
+    </dgm:linClrLst>
+    <dgm:effectClrLst/>
+    <dgm:txLinClrLst/>
+    <dgm:txFillClrLst meth="repeat">
+      <a:schemeClr val="lt1"/>
+    </dgm:txFillClrLst>
+    <dgm:txEffectClrLst/>
+  </dgm:styleLbl>
+  <dgm:styleLbl name="sibTrans2D1">
+    <dgm:fillClrLst meth="repeat">
+      <a:schemeClr val="accent1">
+        <a:tint val="60000"/>
+      </a:schemeClr>
+    </dgm:fillClrLst>
+    <dgm:linClrLst meth="repeat">
+      <a:schemeClr val="accent1">
+        <a:tint val="60000"/>
+      </a:schemeClr>
+    </dgm:linClrLst>
+    <dgm:effectClrLst/>
+    <dgm:txLinClrLst/>
+    <dgm:txFillClrLst/>
+    <dgm:txEffectClrLst/>
+  </dgm:styleLbl>
+  <dgm:styleLbl name="fgSibTrans2D1">
+    <dgm:fillClrLst meth="repeat">
+      <a:schemeClr val="accent1">
+        <a:tint val="60000"/>
+      </a:schemeClr>
+    </dgm:fillClrLst>
+    <dgm:linClrLst meth="repeat">
+      <a:schemeClr val="accent1">
+        <a:tint val="60000"/>
+      </a:schemeClr>
+    </dgm:linClrLst>
+    <dgm:effectClrLst/>
+    <dgm:txLinClrLst/>
+    <dgm:txFillClrLst/>
+    <dgm:txEffectClrLst/>
+  </dgm:styleLbl>
+  <dgm:styleLbl name="bgSibTrans2D1">
+    <dgm:fillClrLst meth="repeat">
+      <a:schemeClr val="accent1">
+        <a:tint val="60000"/>
+      </a:schemeClr>
+    </dgm:fillClrLst>
+    <dgm:linClrLst meth="repeat">
+      <a:schemeClr val="accent1">
+        <a:tint val="60000"/>
+      </a:schemeClr>
+    </dgm:linClrLst>
+    <dgm:effectClrLst/>
+    <dgm:txLinClrLst/>
+    <dgm:txFillClrLst/>
+    <dgm:txEffectClrLst/>
+  </dgm:styleLbl>
+  <dgm:styleLbl name="sibTrans1D1">
+    <dgm:fillClrLst meth="repeat">
+      <a:schemeClr val="accent1"/>
+    </dgm:fillClrLst>
+    <dgm:linClrLst meth="repeat">
+      <a:schemeClr val="accent1"/>
+    </dgm:linClrLst>
+    <dgm:effectClrLst/>
+    <dgm:txLinClrLst/>
+    <dgm:txFillClrLst meth="repeat">
+      <a:schemeClr val="tx1"/>
+    </dgm:txFillClrLst>
+    <dgm:txEffectClrLst/>
+  </dgm:styleLbl>
+  <dgm:styleLbl name="callout">
+    <dgm:fillClrLst meth="repeat">
+      <a:schemeClr val="accent1"/>
+    </dgm:fillClrLst>
+    <dgm:linClrLst meth="repeat">
+      <a:schemeClr val="accent1">
+        <a:tint val="50000"/>
+      </a:schemeClr>
+    </dgm:linClrLst>
+    <dgm:effectClrLst/>
+    <dgm:txLinClrLst/>
+    <dgm:txFillClrLst meth="repeat">
+      <a:schemeClr val="tx1"/>
+    </dgm:txFillClrLst>
+    <dgm:txEffectClrLst/>
+  </dgm:styleLbl>
+  <dgm:styleLbl name="asst0">
+    <dgm:fillClrLst meth="repeat">
+      <a:schemeClr val="accent1"/>
+    </dgm:fillClrLst>
+    <dgm:linClrLst meth="repeat">
+      <a:schemeClr val="lt1"/>
+    </dgm:linClrLst>
+    <dgm:effectClrLst/>
+    <dgm:txLinClrLst/>
+    <dgm:txFillClrLst/>
+    <dgm:txEffectClrLst/>
+  </dgm:styleLbl>
+  <dgm:styleLbl name="asst1">
+    <dgm:fillClrLst meth="repeat">
+      <a:schemeClr val="accent1"/>
+    </dgm:fillClrLst>
+    <dgm:linClrLst meth="repeat">
+      <a:schemeClr val="lt1"/>
+    </dgm:linClrLst>
+    <dgm:effectClrLst/>
+    <dgm:txLinClrLst/>
+    <dgm:txFillClrLst/>
+    <dgm:txEffectClrLst/>
+  </dgm:styleLbl>
+  <dgm:styleLbl name="asst2">
+    <dgm:fillClrLst meth="repeat">
+      <a:schemeClr val="accent1"/>
+    </dgm:fillClrLst>
+    <dgm:linClrLst meth="repeat">
+      <a:schemeClr val="lt1"/>
+    </dgm:linClrLst>
+    <dgm:effectClrLst/>
+    <dgm:txLinClrLst/>
+    <dgm:txFillClrLst/>
+    <dgm:txEffectClrLst/>
+  </dgm:styleLbl>
+  <dgm:styleLbl name="asst3">
+    <dgm:fillClrLst meth="repeat">
+      <a:schemeClr val="accent1"/>
+    </dgm:fillClrLst>
+    <dgm:linClrLst meth="repeat">
+      <a:schemeClr val="lt1"/>
+    </dgm:linClrLst>
+    <dgm:effectClrLst/>
+    <dgm:txLinClrLst/>
+    <dgm:txFillClrLst/>
+    <dgm:txEffectClrLst/>
+  </dgm:styleLbl>
+  <dgm:styleLbl name="asst4">
+    <dgm:fillClrLst meth="repeat">
+      <a:schemeClr val="accent1"/>
+    </dgm:fillClrLst>
+    <dgm:linClrLst meth="repeat">
+      <a:schemeClr val="lt1"/>
+    </dgm:linClrLst>
+    <dgm:effectClrLst/>
+    <dgm:txLinClrLst/>
+    <dgm:txFillClrLst/>
+    <dgm:txEffectClrLst/>
+  </dgm:styleLbl>
+  <dgm:styleLbl name="parChTrans2D1">
+    <dgm:fillClrLst meth="repeat">
+      <a:schemeClr val="accent1">
+        <a:tint val="60000"/>
+      </a:schemeClr>
+    </dgm:fillClrLst>
+    <dgm:linClrLst meth="repeat">
+      <a:schemeClr val="accent1">
+        <a:tint val="60000"/>
+      </a:schemeClr>
+    </dgm:linClrLst>
+    <dgm:effectClrLst/>
+    <dgm:txLinClrLst/>
+    <dgm:txFillClrLst meth="repeat">
+      <a:schemeClr val="lt1"/>
+    </dgm:txFillClrLst>
+    <dgm:txEffectClrLst/>
+  </dgm:styleLbl>
+  <dgm:styleLbl name="parChTrans2D2">
+    <dgm:fillClrLst meth="repeat">
+      <a:schemeClr val="accent1"/>
+    </dgm:fillClrLst>
+    <dgm:linClrLst meth="repeat">
+      <a:schemeClr val="accent1"/>
+    </dgm:linClrLst>
+    <dgm:effectClrLst/>
+    <dgm:txLinClrLst/>
+    <dgm:txFillClrLst meth="repeat">
+      <a:schemeClr val="lt1"/>
+    </dgm:txFillClrLst>
+    <dgm:txEffectClrLst/>
+  </dgm:styleLbl>
+  <dgm:styleLbl name="parChTrans2D3">
+    <dgm:fillClrLst meth="repeat">
+      <a:schemeClr val="accent1"/>
+    </dgm:fillClrLst>
+    <dgm:linClrLst meth="repeat">
+      <a:schemeClr val="accent1"/>
+    </dgm:linClrLst>
+    <dgm:effectClrLst/>
+    <dgm:txLinClrLst/>
+    <dgm:txFillClrLst meth="repeat">
+      <a:schemeClr val="lt1"/>
+    </dgm:txFillClrLst>
+    <dgm:txEffectClrLst/>
+  </dgm:styleLbl>
+  <dgm:styleLbl name="parChTrans2D4">
+    <dgm:fillClrLst meth="repeat">
+      <a:schemeClr val="accent1"/>
+    </dgm:fillClrLst>
+    <dgm:linClrLst meth="repeat">
+      <a:schemeClr val="accent1"/>
+    </dgm:linClrLst>
+    <dgm:effectClrLst/>
+    <dgm:txLinClrLst/>
+    <dgm:txFillClrLst meth="repeat">
+      <a:schemeClr val="lt1"/>
+    </dgm:txFillClrLst>
+    <dgm:txEffectClrLst/>
+  </dgm:styleLbl>
+  <dgm:styleLbl name="parChTrans1D1">
+    <dgm:fillClrLst meth="repeat">
+      <a:schemeClr val="accent1"/>
+    </dgm:fillClrLst>
+    <dgm:linClrLst meth="repeat">
+      <a:schemeClr val="accent1">
+        <a:shade val="60000"/>
+      </a:schemeClr>
+    </dgm:linClrLst>
+    <dgm:effectClrLst/>
+    <dgm:txLinClrLst/>
+    <dgm:txFillClrLst meth="repeat">
+      <a:schemeClr val="tx1"/>
+    </dgm:txFillClrLst>
+    <dgm:txEffectClrLst/>
+  </dgm:styleLbl>
+  <dgm:styleLbl name="parChTrans1D2">
+    <dgm:fillClrLst meth="repeat">
+      <a:schemeClr val="accent1"/>
+    </dgm:fillClrLst>
+    <dgm:linClrLst meth="repeat">
+      <a:schemeClr val="accent1">
+        <a:shade val="60000"/>
+      </a:schemeClr>
+    </dgm:linClrLst>
+    <dgm:effectClrLst/>
+    <dgm:txLinClrLst/>
+    <dgm:txFillClrLst meth="repeat">
+      <a:schemeClr val="tx1"/>
+    </dgm:txFillClrLst>
+    <dgm:txEffectClrLst/>
+  </dgm:styleLbl>
+  <dgm:styleLbl name="parChTrans1D3">
+    <dgm:fillClrLst meth="repeat">
+      <a:schemeClr val="accent1"/>
+    </dgm:fillClrLst>
+    <dgm:linClrLst meth="repeat">
+      <a:schemeClr val="accent1">
+        <a:shade val="80000"/>
+      </a:schemeClr>
+    </dgm:linClrLst>
+    <dgm:effectClrLst/>
+    <dgm:txLinClrLst/>
+    <dgm:txFillClrLst meth="repeat">
+      <a:schemeClr val="tx1"/>
+    </dgm:txFillClrLst>
+    <dgm:txEffectClrLst/>
+  </dgm:styleLbl>
+  <dgm:styleLbl name="parChTrans1D4">
+    <dgm:fillClrLst meth="repeat">
+      <a:schemeClr val="accent1"/>
+    </dgm:fillClrLst>
+    <dgm:linClrLst meth="repeat">
+      <a:schemeClr val="accent1">
+        <a:shade val="80000"/>
+      </a:schemeClr>
+    </dgm:linClrLst>
+    <dgm:effectClrLst/>
+    <dgm:txLinClrLst/>
+    <dgm:txFillClrLst meth="repeat">
+      <a:schemeClr val="tx1"/>
+    </dgm:txFillClrLst>
+    <dgm:txEffectClrLst/>
+  </dgm:styleLbl>
+  <dgm:styleLbl name="fgAcc1">
+    <dgm:fillClrLst meth="repeat">
+      <a:schemeClr val="lt1">
+        <a:alpha val="90000"/>
+      </a:schemeClr>
+    </dgm:fillClrLst>
+    <dgm:linClrLst meth="repeat">
+      <a:schemeClr val="accent1"/>
+    </dgm:linClrLst>
+    <dgm:effectClrLst/>
+    <dgm:txLinClrLst/>
+    <dgm:txFillClrLst meth="repeat">
+      <a:schemeClr val="dk1"/>
+    </dgm:txFillClrLst>
+    <dgm:txEffectClrLst/>
+  </dgm:styleLbl>
+  <dgm:styleLbl name="conFgAcc1">
+    <dgm:fillClrLst meth="repeat">
+      <a:schemeClr val="lt1">
+        <a:alpha val="90000"/>
+      </a:schemeClr>
+    </dgm:fillClrLst>
+    <dgm:linClrLst meth="repeat">
+      <a:schemeClr val="accent1"/>
+    </dgm:linClrLst>
+    <dgm:effectClrLst/>
+    <dgm:txLinClrLst/>
+    <dgm:txFillClrLst meth="repeat">
+      <a:schemeClr val="dk1"/>
+    </dgm:txFillClrLst>
+    <dgm:txEffectClrLst/>
+  </dgm:styleLbl>
+  <dgm:styleLbl name="alignAcc1">
+    <dgm:fillClrLst meth="repeat">
+      <a:schemeClr val="lt1">
+        <a:alpha val="90000"/>
+      </a:schemeClr>
+    </dgm:fillClrLst>
+    <dgm:linClrLst meth="repeat">
+      <a:schemeClr val="accent1"/>
+    </dgm:linClrLst>
+    <dgm:effectClrLst/>
+    <dgm:txLinClrLst/>
+    <dgm:txFillClrLst meth="repeat">
+      <a:schemeClr val="dk1"/>
+    </dgm:txFillClrLst>
+    <dgm:txEffectClrLst/>
+  </dgm:styleLbl>
+  <dgm:styleLbl name="trAlignAcc1">
+    <dgm:fillClrLst meth="repeat">
+      <a:schemeClr val="lt1">
+        <a:alpha val="40000"/>
+      </a:schemeClr>
+    </dgm:fillClrLst>
+    <dgm:linClrLst meth="repeat">
+      <a:schemeClr val="accent1"/>
+    </dgm:linClrLst>
+    <dgm:effectClrLst/>
+    <dgm:txLinClrLst/>
+    <dgm:txFillClrLst meth="repeat">
+      <a:schemeClr val="dk1"/>
+    </dgm:txFillClrLst>
+    <dgm:txEffectClrLst/>
+  </dgm:styleLbl>
+  <dgm:styleLbl name="bgAcc1">
+    <dgm:fillClrLst meth="repeat">
+      <a:schemeClr val="lt1">
+        <a:alpha val="90000"/>
+      </a:schemeClr>
+    </dgm:fillClrLst>
+    <dgm:linClrLst meth="repeat">
+      <a:schemeClr val="accent1"/>
+    </dgm:linClrLst>
+    <dgm:effectClrLst/>
+    <dgm:txLinClrLst/>
+    <dgm:txFillClrLst meth="repeat">
+      <a:schemeClr val="dk1"/>
+    </dgm:txFillClrLst>
+    <dgm:txEffectClrLst/>
+  </dgm:styleLbl>
+  <dgm:styleLbl name="solidFgAcc1">
+    <dgm:fillClrLst meth="repeat">
+      <a:schemeClr val="lt1"/>
+    </dgm:fillClrLst>
+    <dgm:linClrLst meth="repeat">
+      <a:schemeClr val="accent1"/>
+    </dgm:linClrLst>
+    <dgm:effectClrLst/>
+    <dgm:txLinClrLst/>
+    <dgm:txFillClrLst meth="repeat">
+      <a:schemeClr val="dk1"/>
+    </dgm:txFillClrLst>
+    <dgm:txEffectClrLst/>
+  </dgm:styleLbl>
+  <dgm:styleLbl name="solidAlignAcc1">
+    <dgm:fillClrLst meth="repeat">
+      <a:schemeClr val="lt1"/>
+    </dgm:fillClrLst>
+    <dgm:linClrLst meth="repeat">
+      <a:schemeClr val="accent1"/>
+    </dgm:linClrLst>
+    <dgm:effectClrLst/>
+    <dgm:txLinClrLst/>
+    <dgm:txFillClrLst meth="repeat">
+      <a:schemeClr val="dk1"/>
+    </dgm:txFillClrLst>
+    <dgm:txEffectClrLst/>
+  </dgm:styleLbl>
+  <dgm:styleLbl name="solidBgAcc1">
+    <dgm:fillClrLst meth="repeat">
+      <a:schemeClr val="lt1"/>
+    </dgm:fillClrLst>
+    <dgm:linClrLst meth="repeat">
+      <a:schemeClr val="accent1"/>
+    </dgm:linClrLst>
+    <dgm:effectClrLst/>
+    <dgm:txLinClrLst/>
+    <dgm:txFillClrLst meth="repeat">
+      <a:schemeClr val="dk1"/>
+    </dgm:txFillClrLst>
+    <dgm:txEffectClrLst/>
+  </dgm:styleLbl>
+  <dgm:styleLbl name="fgAccFollowNode1">
+    <dgm:fillClrLst meth="repeat">
+      <a:schemeClr val="accent1">
+        <a:alpha val="90000"/>
+        <a:tint val="40000"/>
+      </a:schemeClr>
+    </dgm:fillClrLst>
+    <dgm:linClrLst meth="repeat">
+      <a:schemeClr val="accent1">
+        <a:alpha val="90000"/>
+        <a:tint val="40000"/>
+      </a:schemeClr>
+    </dgm:linClrLst>
+    <dgm:effectClrLst/>
+    <dgm:txLinClrLst/>
+    <dgm:txFillClrLst meth="repeat">
+      <a:schemeClr val="dk1"/>
+    </dgm:txFillClrLst>
+    <dgm:txEffectClrLst/>
+  </dgm:styleLbl>
+  <dgm:styleLbl name="alignAccFollowNode1">
+    <dgm:fillClrLst meth="repeat">
+      <a:schemeClr val="accent1">
+        <a:alpha val="90000"/>
+        <a:tint val="40000"/>
+      </a:schemeClr>
+    </dgm:fillClrLst>
+    <dgm:linClrLst meth="repeat">
+      <a:schemeClr val="accent1">
+        <a:alpha val="90000"/>
+        <a:tint val="40000"/>
+      </a:schemeClr>
+    </dgm:linClrLst>
+    <dgm:effectClrLst/>
+    <dgm:txLinClrLst/>
+    <dgm:txFillClrLst meth="repeat">
+      <a:schemeClr val="dk1"/>
+    </dgm:txFillClrLst>
+    <dgm:txEffectClrLst/>
+  </dgm:styleLbl>
+  <dgm:styleLbl name="bgAccFollowNode1">
+    <dgm:fillClrLst meth="repeat">
+      <a:schemeClr val="accent1">
+        <a:alpha val="90000"/>
+        <a:tint val="40000"/>
+      </a:schemeClr>
+    </dgm:fillClrLst>
+    <dgm:linClrLst meth="repeat">
+      <a:schemeClr val="accent1">
+        <a:alpha val="90000"/>
+        <a:tint val="40000"/>
+      </a:schemeClr>
+    </dgm:linClrLst>
+    <dgm:effectClrLst/>
+    <dgm:txLinClrLst/>
+    <dgm:txFillClrLst meth="repeat">
+      <a:schemeClr val="dk1"/>
+    </dgm:txFillClrLst>
+    <dgm:txEffectClrLst/>
+  </dgm:styleLbl>
+  <dgm:styleLbl name="fgAcc0">
+    <dgm:fillClrLst meth="repeat">
+      <a:schemeClr val="lt1">
+        <a:alpha val="90000"/>
+      </a:schemeClr>
+    </dgm:fillClrLst>
+    <dgm:linClrLst meth="repeat">
+      <a:schemeClr val="accent1"/>
+    </dgm:linClrLst>
+    <dgm:effectClrLst/>
+    <dgm:txLinClrLst/>
+    <dgm:txFillClrLst meth="repeat">
+      <a:schemeClr val="dk1"/>
+    </dgm:txFillClrLst>
+    <dgm:txEffectClrLst/>
+  </dgm:styleLbl>
+  <dgm:styleLbl name="fgAcc2">
+    <dgm:fillClrLst meth="repeat">
+      <a:schemeClr val="lt1">
+        <a:alpha val="90000"/>
+      </a:schemeClr>
+    </dgm:fillClrLst>
+    <dgm:linClrLst meth="repeat">
+      <a:schemeClr val="accent1"/>
+    </dgm:linClrLst>
+    <dgm:effectClrLst/>
+    <dgm:txLinClrLst/>
+    <dgm:txFillClrLst meth="repeat">
+      <a:schemeClr val="dk1"/>
+    </dgm:txFillClrLst>
+    <dgm:txEffectClrLst/>
+  </dgm:styleLbl>
+  <dgm:styleLbl name="fgAcc3">
+    <dgm:fillClrLst meth="repeat">
+      <a:schemeClr val="lt1">
+        <a:alpha val="90000"/>
+      </a:schemeClr>
+    </dgm:fillClrLst>
+    <dgm:linClrLst meth="repeat">
+      <a:schemeClr val="accent1"/>
+    </dgm:linClrLst>
+    <dgm:effectClrLst/>
+    <dgm:txLinClrLst/>
+    <dgm:txFillClrLst meth="repeat">
+      <a:schemeClr val="dk1"/>
+    </dgm:txFillClrLst>
+    <dgm:txEffectClrLst/>
+  </dgm:styleLbl>
+  <dgm:styleLbl name="fgAcc4">
+    <dgm:fillClrLst meth="repeat">
+      <a:schemeClr val="lt1">
+        <a:alpha val="90000"/>
+      </a:schemeClr>
+    </dgm:fillClrLst>
+    <dgm:linClrLst meth="repeat">
+      <a:schemeClr val="accent1"/>
+    </dgm:linClrLst>
+    <dgm:effectClrLst/>
+    <dgm:txLinClrLst/>
+    <dgm:txFillClrLst meth="repeat">
+      <a:schemeClr val="dk1"/>
+    </dgm:txFillClrLst>
+    <dgm:txEffectClrLst/>
+  </dgm:styleLbl>
+  <dgm:styleLbl name="bgShp">
+    <dgm:fillClrLst meth="repeat">
+      <a:schemeClr val="accent1">
+        <a:tint val="40000"/>
+      </a:schemeClr>
+    </dgm:fillClrLst>
+    <dgm:linClrLst meth="repeat">
+      <a:schemeClr val="accent1"/>
+    </dgm:linClrLst>
+    <dgm:effectClrLst/>
+    <dgm:txLinClrLst/>
+    <dgm:txFillClrLst meth="repeat">
+      <a:schemeClr val="dk1"/>
+    </dgm:txFillClrLst>
+    <dgm:txEffectClrLst/>
+  </dgm:styleLbl>
+  <dgm:styleLbl name="dkBgShp">
+    <dgm:fillClrLst meth="repeat">
+      <a:schemeClr val="accent1">
+        <a:shade val="80000"/>
+      </a:schemeClr>
+    </dgm:fillClrLst>
+    <dgm:linClrLst meth="repeat">
+      <a:schemeClr val="accent1"/>
+    </dgm:linClrLst>
+    <dgm:effectClrLst/>
+    <dgm:txLinClrLst/>
+    <dgm:txFillClrLst meth="repeat">
+      <a:schemeClr val="lt1"/>
+    </dgm:txFillClrLst>
+    <dgm:txEffectClrLst/>
+  </dgm:styleLbl>
+  <dgm:styleLbl name="trBgShp">
+    <dgm:fillClrLst meth="repeat">
+      <a:schemeClr val="accent1">
+        <a:tint val="50000"/>
+        <a:alpha val="40000"/>
+      </a:schemeClr>
+    </dgm:fillClrLst>
+    <dgm:linClrLst meth="repeat">
+      <a:schemeClr val="accent1"/>
+    </dgm:linClrLst>
+    <dgm:effectClrLst/>
+    <dgm:txLinClrLst/>
+    <dgm:txFillClrLst meth="repeat">
+      <a:schemeClr val="lt1"/>
+    </dgm:txFillClrLst>
+    <dgm:txEffectClrLst/>
+  </dgm:styleLbl>
+  <dgm:styleLbl name="fgShp">
+    <dgm:fillClrLst meth="repeat">
+      <a:schemeClr val="accent1">
+        <a:tint val="60000"/>
+      </a:schemeClr>
+    </dgm:fillClrLst>
+    <dgm:linClrLst meth="repeat">
+      <a:schemeClr val="lt1"/>
+    </dgm:linClrLst>
+    <dgm:effectClrLst/>
+    <dgm:txLinClrLst/>
+    <dgm:txFillClrLst meth="repeat">
+      <a:schemeClr val="dk1"/>
+    </dgm:txFillClrLst>
+    <dgm:txEffectClrLst/>
+  </dgm:styleLbl>
+  <dgm:styleLbl name="revTx">
+    <dgm:fillClrLst meth="repeat">
+      <a:schemeClr val="lt1">
+        <a:alpha val="0"/>
+      </a:schemeClr>
+    </dgm:fillClrLst>
+    <dgm:linClrLst meth="repeat">
+      <a:schemeClr val="dk1">
+        <a:alpha val="0"/>
+      </a:schemeClr>
+    </dgm:linClrLst>
+    <dgm:effectClrLst/>
+    <dgm:txLinClrLst/>
+    <dgm:txFillClrLst meth="repeat">
+      <a:schemeClr val="tx1"/>
+    </dgm:txFillClrLst>
+    <dgm:txEffectClrLst/>
+  </dgm:styleLbl>
+</dgm:colorsDef>
+</file>
+
 <file path=ppt/diagrams/data1.xml><?xml version="1.0" encoding="utf-8"?>
+<dgm:dataModel xmlns:dgm="http://schemas.openxmlformats.org/drawingml/2006/diagram" xmlns:a="http://schemas.openxmlformats.org/drawingml/2006/main">
+  <dgm:ptLst>
+    <dgm:pt modelId="{5435BE01-F2EB-4AEB-A62B-8E6AA1C7610E}" type="doc">
+      <dgm:prSet loTypeId="urn:microsoft.com/office/officeart/2009/3/layout/StepUpProcess" loCatId="process" qsTypeId="urn:microsoft.com/office/officeart/2005/8/quickstyle/simple1" qsCatId="simple" csTypeId="urn:microsoft.com/office/officeart/2005/8/colors/accent1_2" csCatId="accent1" phldr="1"/>
+      <dgm:spPr/>
+      <dgm:t>
+        <a:bodyPr/>
+        <a:lstStyle/>
+        <a:p>
+          <a:endParaRPr lang="de-DE"/>
+        </a:p>
+      </dgm:t>
+    </dgm:pt>
+    <dgm:pt modelId="{A36E0056-7173-45BB-93BC-D7C7B6FD3519}">
+      <dgm:prSet phldrT="[Text]"/>
+      <dgm:spPr/>
+      <dgm:t>
+        <a:bodyPr/>
+        <a:lstStyle/>
+        <a:p>
+          <a:r>
+            <a:rPr lang="de-DE" dirty="0"/>
+            <a:t>Find + </a:t>
+          </a:r>
+          <a:r>
+            <a:rPr lang="de-DE" dirty="0" err="1"/>
+            <a:t>Generalize</a:t>
+          </a:r>
+          <a:r>
+            <a:rPr lang="de-DE" dirty="0"/>
+            <a:t> </a:t>
+          </a:r>
+          <a:r>
+            <a:rPr lang="de-DE" dirty="0" err="1"/>
+            <a:t>problems</a:t>
+          </a:r>
+          <a:r>
+            <a:rPr lang="de-DE" dirty="0"/>
+            <a:t> in </a:t>
+          </a:r>
+          <a:r>
+            <a:rPr lang="de-DE" dirty="0" err="1"/>
+            <a:t>recent</a:t>
+          </a:r>
+          <a:r>
+            <a:rPr lang="de-DE" dirty="0"/>
+            <a:t> </a:t>
+          </a:r>
+          <a:r>
+            <a:rPr lang="de-DE" dirty="0" err="1"/>
+            <a:t>literature</a:t>
+          </a:r>
+          <a:r>
+            <a:rPr lang="de-DE" dirty="0"/>
+            <a:t> </a:t>
+          </a:r>
+          <a:r>
+            <a:rPr lang="de-DE" dirty="0" err="1"/>
+            <a:t>about</a:t>
+          </a:r>
+          <a:r>
+            <a:rPr lang="de-DE" dirty="0"/>
+            <a:t> </a:t>
+          </a:r>
+          <a:r>
+            <a:rPr lang="de-DE" dirty="0" err="1"/>
+            <a:t>comparative</a:t>
+          </a:r>
+          <a:r>
+            <a:rPr lang="de-DE" dirty="0"/>
+            <a:t> ML </a:t>
+          </a:r>
+          <a:r>
+            <a:rPr lang="de-DE" dirty="0" err="1"/>
+            <a:t>method</a:t>
+          </a:r>
+          <a:r>
+            <a:rPr lang="de-DE" dirty="0"/>
+            <a:t> </a:t>
+          </a:r>
+          <a:r>
+            <a:rPr lang="de-DE" dirty="0" err="1"/>
+            <a:t>studies</a:t>
+          </a:r>
+          <a:r>
+            <a:rPr lang="de-DE" dirty="0"/>
+            <a:t> </a:t>
+          </a:r>
+        </a:p>
+      </dgm:t>
+    </dgm:pt>
+    <dgm:pt modelId="{4355D4C9-E213-4DD4-BB58-74DE77EA53A4}" type="parTrans" cxnId="{E2E36B0A-4EBA-402E-A820-A504453CBA8F}">
+      <dgm:prSet/>
+      <dgm:spPr/>
+      <dgm:t>
+        <a:bodyPr/>
+        <a:lstStyle/>
+        <a:p>
+          <a:endParaRPr lang="de-DE"/>
+        </a:p>
+      </dgm:t>
+    </dgm:pt>
+    <dgm:pt modelId="{F9F36ACC-8646-458F-8BC9-85D610A8BA7B}" type="sibTrans" cxnId="{E2E36B0A-4EBA-402E-A820-A504453CBA8F}">
+      <dgm:prSet/>
+      <dgm:spPr/>
+      <dgm:t>
+        <a:bodyPr/>
+        <a:lstStyle/>
+        <a:p>
+          <a:endParaRPr lang="de-DE"/>
+        </a:p>
+      </dgm:t>
+    </dgm:pt>
+    <dgm:pt modelId="{1B888D1A-F11B-45D0-85FA-AB8EE280A19D}">
+      <dgm:prSet phldrT="[Text]"/>
+      <dgm:spPr/>
+      <dgm:t>
+        <a:bodyPr/>
+        <a:lstStyle/>
+        <a:p>
+          <a:r>
+            <a:rPr lang="de-DE" dirty="0" err="1"/>
+            <a:t>Choose</a:t>
+          </a:r>
+          <a:r>
+            <a:rPr lang="de-DE" dirty="0"/>
+            <a:t> </a:t>
+          </a:r>
+          <a:r>
+            <a:rPr lang="de-DE" dirty="0" err="1"/>
+            <a:t>methods</a:t>
+          </a:r>
+          <a:r>
+            <a:rPr lang="de-DE" dirty="0"/>
+            <a:t> to </a:t>
+          </a:r>
+          <a:r>
+            <a:rPr lang="de-DE" dirty="0" err="1"/>
+            <a:t>compare</a:t>
+          </a:r>
+          <a:r>
+            <a:rPr lang="de-DE" dirty="0"/>
+            <a:t>:</a:t>
+          </a:r>
+          <a:br>
+            <a:rPr lang="de-DE" dirty="0"/>
+          </a:br>
+          <a:r>
+            <a:rPr lang="en-GB" dirty="0"/>
+            <a:t>Linear Discriminant     Analysis (LDA), SVM,</a:t>
+          </a:r>
+          <a:br>
+            <a:rPr lang="en-GB" dirty="0"/>
+          </a:br>
+          <a:r>
+            <a:rPr lang="en-GB" dirty="0"/>
+            <a:t>Random Forest (RF), </a:t>
+          </a:r>
+          <a:r>
+            <a:rPr lang="en-GB" dirty="0" err="1"/>
+            <a:t>kNN</a:t>
+          </a:r>
+          <a:endParaRPr lang="de-DE" dirty="0"/>
+        </a:p>
+      </dgm:t>
+    </dgm:pt>
+    <dgm:pt modelId="{9FF9C3AC-676E-46F3-9069-832B73618DED}" type="parTrans" cxnId="{C3C39496-382F-4F37-8807-CA2C7DA30DAC}">
+      <dgm:prSet/>
+      <dgm:spPr/>
+      <dgm:t>
+        <a:bodyPr/>
+        <a:lstStyle/>
+        <a:p>
+          <a:endParaRPr lang="de-DE"/>
+        </a:p>
+      </dgm:t>
+    </dgm:pt>
+    <dgm:pt modelId="{1BB0A8E5-8346-4EC0-93AA-EB358D16DBF8}" type="sibTrans" cxnId="{C3C39496-382F-4F37-8807-CA2C7DA30DAC}">
+      <dgm:prSet/>
+      <dgm:spPr/>
+      <dgm:t>
+        <a:bodyPr/>
+        <a:lstStyle/>
+        <a:p>
+          <a:endParaRPr lang="de-DE"/>
+        </a:p>
+      </dgm:t>
+    </dgm:pt>
+    <dgm:pt modelId="{E1B9626C-A55F-4D8A-B014-4923F32469AA}">
+      <dgm:prSet phldrT="[Text]"/>
+      <dgm:spPr/>
+      <dgm:t>
+        <a:bodyPr/>
+        <a:lstStyle/>
+        <a:p>
+          <a:r>
+            <a:rPr lang="de-DE" dirty="0"/>
+            <a:t>Simulate </a:t>
+          </a:r>
+          <a:r>
+            <a:rPr lang="de-DE" dirty="0" err="1"/>
+            <a:t>microarray</a:t>
+          </a:r>
+          <a:r>
+            <a:rPr lang="de-DE" dirty="0"/>
+            <a:t> </a:t>
+          </a:r>
+          <a:r>
+            <a:rPr lang="de-DE" dirty="0" err="1"/>
+            <a:t>data</a:t>
+          </a:r>
+          <a:r>
+            <a:rPr lang="de-DE" dirty="0"/>
+            <a:t>  + </a:t>
+          </a:r>
+          <a:r>
+            <a:rPr lang="de-DE" dirty="0" err="1"/>
+            <a:t>first</a:t>
+          </a:r>
+          <a:r>
+            <a:rPr lang="de-DE" dirty="0"/>
+            <a:t> </a:t>
+          </a:r>
+          <a:r>
+            <a:rPr lang="de-DE" dirty="0" err="1"/>
+            <a:t>results</a:t>
+          </a:r>
+          <a:r>
+            <a:rPr lang="de-DE" dirty="0"/>
+            <a:t> + pattern </a:t>
+          </a:r>
+        </a:p>
+      </dgm:t>
+    </dgm:pt>
+    <dgm:pt modelId="{137BA16A-69F0-4C9F-945D-39B242BF3C3E}" type="parTrans" cxnId="{71B3CD09-5BC8-4AC1-BD5B-4177C0BE57BE}">
+      <dgm:prSet/>
+      <dgm:spPr/>
+      <dgm:t>
+        <a:bodyPr/>
+        <a:lstStyle/>
+        <a:p>
+          <a:endParaRPr lang="de-DE"/>
+        </a:p>
+      </dgm:t>
+    </dgm:pt>
+    <dgm:pt modelId="{5A351017-0FA1-49F9-BA10-A31439E172B3}" type="sibTrans" cxnId="{71B3CD09-5BC8-4AC1-BD5B-4177C0BE57BE}">
+      <dgm:prSet/>
+      <dgm:spPr/>
+      <dgm:t>
+        <a:bodyPr/>
+        <a:lstStyle/>
+        <a:p>
+          <a:endParaRPr lang="de-DE"/>
+        </a:p>
+      </dgm:t>
+    </dgm:pt>
+    <dgm:pt modelId="{B17BDF19-7290-478A-A450-552CD915FFE9}">
+      <dgm:prSet/>
+      <dgm:spPr/>
+      <dgm:t>
+        <a:bodyPr/>
+        <a:lstStyle/>
+        <a:p>
+          <a:endParaRPr lang="de-DE"/>
+        </a:p>
+      </dgm:t>
+    </dgm:pt>
+    <dgm:pt modelId="{17CC5810-E973-42AE-ADA4-214861BE38F0}" type="parTrans" cxnId="{D7CD905C-BC36-43CB-AB22-C6471E2BAB35}">
+      <dgm:prSet/>
+      <dgm:spPr/>
+      <dgm:t>
+        <a:bodyPr/>
+        <a:lstStyle/>
+        <a:p>
+          <a:endParaRPr lang="de-DE"/>
+        </a:p>
+      </dgm:t>
+    </dgm:pt>
+    <dgm:pt modelId="{FA8F6D64-867C-445D-A669-BF67729E82AD}" type="sibTrans" cxnId="{D7CD905C-BC36-43CB-AB22-C6471E2BAB35}">
+      <dgm:prSet/>
+      <dgm:spPr/>
+      <dgm:t>
+        <a:bodyPr/>
+        <a:lstStyle/>
+        <a:p>
+          <a:endParaRPr lang="de-DE"/>
+        </a:p>
+      </dgm:t>
+    </dgm:pt>
+    <dgm:pt modelId="{CE682B99-1397-4C62-B632-27A365728DB9}" type="pres">
+      <dgm:prSet presAssocID="{5435BE01-F2EB-4AEB-A62B-8E6AA1C7610E}" presName="rootnode" presStyleCnt="0">
+        <dgm:presLayoutVars>
+          <dgm:chMax/>
+          <dgm:chPref/>
+          <dgm:dir/>
+          <dgm:animLvl val="lvl"/>
+        </dgm:presLayoutVars>
+      </dgm:prSet>
+      <dgm:spPr/>
+    </dgm:pt>
+    <dgm:pt modelId="{E0829E62-BE1E-4977-B063-584EF58671CE}" type="pres">
+      <dgm:prSet presAssocID="{A36E0056-7173-45BB-93BC-D7C7B6FD3519}" presName="composite" presStyleCnt="0"/>
+      <dgm:spPr/>
+    </dgm:pt>
+    <dgm:pt modelId="{14A94384-FB22-4AF3-9821-739E8A9FED4E}" type="pres">
+      <dgm:prSet presAssocID="{A36E0056-7173-45BB-93BC-D7C7B6FD3519}" presName="LShape" presStyleLbl="alignNode1" presStyleIdx="0" presStyleCnt="7"/>
+      <dgm:spPr/>
+    </dgm:pt>
+    <dgm:pt modelId="{AE5553B6-2DDC-4CB0-A8B2-4FAAF5AD635B}" type="pres">
+      <dgm:prSet presAssocID="{A36E0056-7173-45BB-93BC-D7C7B6FD3519}" presName="ParentText" presStyleLbl="revTx" presStyleIdx="0" presStyleCnt="4">
+        <dgm:presLayoutVars>
+          <dgm:chMax val="0"/>
+          <dgm:chPref val="0"/>
+          <dgm:bulletEnabled val="1"/>
+        </dgm:presLayoutVars>
+      </dgm:prSet>
+      <dgm:spPr/>
+    </dgm:pt>
+    <dgm:pt modelId="{D27B5222-3F0D-4162-AB6F-FEA9155020FB}" type="pres">
+      <dgm:prSet presAssocID="{A36E0056-7173-45BB-93BC-D7C7B6FD3519}" presName="Triangle" presStyleLbl="alignNode1" presStyleIdx="1" presStyleCnt="7"/>
+      <dgm:spPr/>
+    </dgm:pt>
+    <dgm:pt modelId="{F55385AC-3EB5-4B62-90E0-1CE8AA2BFBCB}" type="pres">
+      <dgm:prSet presAssocID="{F9F36ACC-8646-458F-8BC9-85D610A8BA7B}" presName="sibTrans" presStyleCnt="0"/>
+      <dgm:spPr/>
+    </dgm:pt>
+    <dgm:pt modelId="{E91D0406-AE2B-463A-8076-2E0E4FFD7727}" type="pres">
+      <dgm:prSet presAssocID="{F9F36ACC-8646-458F-8BC9-85D610A8BA7B}" presName="space" presStyleCnt="0"/>
+      <dgm:spPr/>
+    </dgm:pt>
+    <dgm:pt modelId="{46ECF58C-3BE3-4AA8-AC0E-8418D3216C11}" type="pres">
+      <dgm:prSet presAssocID="{1B888D1A-F11B-45D0-85FA-AB8EE280A19D}" presName="composite" presStyleCnt="0"/>
+      <dgm:spPr/>
+    </dgm:pt>
+    <dgm:pt modelId="{4FA1E58A-AE4A-440F-9470-06671176BD1A}" type="pres">
+      <dgm:prSet presAssocID="{1B888D1A-F11B-45D0-85FA-AB8EE280A19D}" presName="LShape" presStyleLbl="alignNode1" presStyleIdx="2" presStyleCnt="7"/>
+      <dgm:spPr/>
+    </dgm:pt>
+    <dgm:pt modelId="{134A5358-B5F7-42F8-99CB-21436FC550AD}" type="pres">
+      <dgm:prSet presAssocID="{1B888D1A-F11B-45D0-85FA-AB8EE280A19D}" presName="ParentText" presStyleLbl="revTx" presStyleIdx="1" presStyleCnt="4">
+        <dgm:presLayoutVars>
+          <dgm:chMax val="0"/>
+          <dgm:chPref val="0"/>
+          <dgm:bulletEnabled val="1"/>
+        </dgm:presLayoutVars>
+      </dgm:prSet>
+      <dgm:spPr/>
+    </dgm:pt>
+    <dgm:pt modelId="{8277CD8D-C4BD-4BF4-8C23-45A4E3D85555}" type="pres">
+      <dgm:prSet presAssocID="{1B888D1A-F11B-45D0-85FA-AB8EE280A19D}" presName="Triangle" presStyleLbl="alignNode1" presStyleIdx="3" presStyleCnt="7"/>
+      <dgm:spPr/>
+    </dgm:pt>
+    <dgm:pt modelId="{E3BFE129-3C80-42A8-9C26-CC7F32473632}" type="pres">
+      <dgm:prSet presAssocID="{1BB0A8E5-8346-4EC0-93AA-EB358D16DBF8}" presName="sibTrans" presStyleCnt="0"/>
+      <dgm:spPr/>
+    </dgm:pt>
+    <dgm:pt modelId="{2C3EDB6A-DA4D-4E05-991F-0C95C1EF3032}" type="pres">
+      <dgm:prSet presAssocID="{1BB0A8E5-8346-4EC0-93AA-EB358D16DBF8}" presName="space" presStyleCnt="0"/>
+      <dgm:spPr/>
+    </dgm:pt>
+    <dgm:pt modelId="{00F211E0-A38C-4BD0-807B-B4B971EFC091}" type="pres">
+      <dgm:prSet presAssocID="{E1B9626C-A55F-4D8A-B014-4923F32469AA}" presName="composite" presStyleCnt="0"/>
+      <dgm:spPr/>
+    </dgm:pt>
+    <dgm:pt modelId="{9DB5071B-F0E7-4EA8-B492-39BDA3113D98}" type="pres">
+      <dgm:prSet presAssocID="{E1B9626C-A55F-4D8A-B014-4923F32469AA}" presName="LShape" presStyleLbl="alignNode1" presStyleIdx="4" presStyleCnt="7"/>
+      <dgm:spPr/>
+    </dgm:pt>
+    <dgm:pt modelId="{D1F4F8CE-43D2-4212-9830-9A38728FE161}" type="pres">
+      <dgm:prSet presAssocID="{E1B9626C-A55F-4D8A-B014-4923F32469AA}" presName="ParentText" presStyleLbl="revTx" presStyleIdx="2" presStyleCnt="4">
+        <dgm:presLayoutVars>
+          <dgm:chMax val="0"/>
+          <dgm:chPref val="0"/>
+          <dgm:bulletEnabled val="1"/>
+        </dgm:presLayoutVars>
+      </dgm:prSet>
+      <dgm:spPr>
+        <a:xfrm>
+          <a:off x="5669491" y="1526094"/>
+          <a:ext cx="2212632" cy="1939501"/>
+        </a:xfrm>
+        <a:prstGeom prst="rect">
+          <a:avLst/>
+        </a:prstGeom>
+      </dgm:spPr>
+    </dgm:pt>
+    <dgm:pt modelId="{65E06BC7-99ED-4D4A-90D0-2E63C2259B4F}" type="pres">
+      <dgm:prSet presAssocID="{E1B9626C-A55F-4D8A-B014-4923F32469AA}" presName="Triangle" presStyleLbl="alignNode1" presStyleIdx="5" presStyleCnt="7"/>
+      <dgm:spPr/>
+    </dgm:pt>
+    <dgm:pt modelId="{0F7109AB-22C6-4E26-A5A0-9EF993B8114D}" type="pres">
+      <dgm:prSet presAssocID="{5A351017-0FA1-49F9-BA10-A31439E172B3}" presName="sibTrans" presStyleCnt="0"/>
+      <dgm:spPr/>
+    </dgm:pt>
+    <dgm:pt modelId="{A9C3B2FA-1FE9-4CB9-B6A9-9772113ACF70}" type="pres">
+      <dgm:prSet presAssocID="{5A351017-0FA1-49F9-BA10-A31439E172B3}" presName="space" presStyleCnt="0"/>
+      <dgm:spPr/>
+    </dgm:pt>
+    <dgm:pt modelId="{8A542A88-DCA5-4192-A888-433555167810}" type="pres">
+      <dgm:prSet presAssocID="{B17BDF19-7290-478A-A450-552CD915FFE9}" presName="composite" presStyleCnt="0"/>
+      <dgm:spPr/>
+    </dgm:pt>
+    <dgm:pt modelId="{F4DB5733-1097-4B52-8DEC-C087689D37F0}" type="pres">
+      <dgm:prSet presAssocID="{B17BDF19-7290-478A-A450-552CD915FFE9}" presName="LShape" presStyleLbl="alignNode1" presStyleIdx="6" presStyleCnt="7"/>
+      <dgm:spPr/>
+    </dgm:pt>
+    <dgm:pt modelId="{E2E67480-C84E-409F-BE18-AAC30FA56E9C}" type="pres">
+      <dgm:prSet presAssocID="{B17BDF19-7290-478A-A450-552CD915FFE9}" presName="ParentText" presStyleLbl="revTx" presStyleIdx="3" presStyleCnt="4">
+        <dgm:presLayoutVars>
+          <dgm:chMax val="0"/>
+          <dgm:chPref val="0"/>
+          <dgm:bulletEnabled val="1"/>
+        </dgm:presLayoutVars>
+      </dgm:prSet>
+      <dgm:spPr/>
+    </dgm:pt>
+  </dgm:ptLst>
+  <dgm:cxnLst>
+    <dgm:cxn modelId="{71B3CD09-5BC8-4AC1-BD5B-4177C0BE57BE}" srcId="{5435BE01-F2EB-4AEB-A62B-8E6AA1C7610E}" destId="{E1B9626C-A55F-4D8A-B014-4923F32469AA}" srcOrd="2" destOrd="0" parTransId="{137BA16A-69F0-4C9F-945D-39B242BF3C3E}" sibTransId="{5A351017-0FA1-49F9-BA10-A31439E172B3}"/>
+    <dgm:cxn modelId="{E2E36B0A-4EBA-402E-A820-A504453CBA8F}" srcId="{5435BE01-F2EB-4AEB-A62B-8E6AA1C7610E}" destId="{A36E0056-7173-45BB-93BC-D7C7B6FD3519}" srcOrd="0" destOrd="0" parTransId="{4355D4C9-E213-4DD4-BB58-74DE77EA53A4}" sibTransId="{F9F36ACC-8646-458F-8BC9-85D610A8BA7B}"/>
+    <dgm:cxn modelId="{414ABF17-E58E-48AD-BB85-4A71E0DBE618}" type="presOf" srcId="{A36E0056-7173-45BB-93BC-D7C7B6FD3519}" destId="{AE5553B6-2DDC-4CB0-A8B2-4FAAF5AD635B}" srcOrd="0" destOrd="0" presId="urn:microsoft.com/office/officeart/2009/3/layout/StepUpProcess"/>
+    <dgm:cxn modelId="{BDA8612B-8187-4D59-8863-4F3467B02846}" type="presOf" srcId="{E1B9626C-A55F-4D8A-B014-4923F32469AA}" destId="{D1F4F8CE-43D2-4212-9830-9A38728FE161}" srcOrd="0" destOrd="0" presId="urn:microsoft.com/office/officeart/2009/3/layout/StepUpProcess"/>
+    <dgm:cxn modelId="{D7CD905C-BC36-43CB-AB22-C6471E2BAB35}" srcId="{5435BE01-F2EB-4AEB-A62B-8E6AA1C7610E}" destId="{B17BDF19-7290-478A-A450-552CD915FFE9}" srcOrd="3" destOrd="0" parTransId="{17CC5810-E973-42AE-ADA4-214861BE38F0}" sibTransId="{FA8F6D64-867C-445D-A669-BF67729E82AD}"/>
+    <dgm:cxn modelId="{C3C39496-382F-4F37-8807-CA2C7DA30DAC}" srcId="{5435BE01-F2EB-4AEB-A62B-8E6AA1C7610E}" destId="{1B888D1A-F11B-45D0-85FA-AB8EE280A19D}" srcOrd="1" destOrd="0" parTransId="{9FF9C3AC-676E-46F3-9069-832B73618DED}" sibTransId="{1BB0A8E5-8346-4EC0-93AA-EB358D16DBF8}"/>
+    <dgm:cxn modelId="{E74EA0C8-B8C0-4104-9D21-F8A2A1017540}" type="presOf" srcId="{B17BDF19-7290-478A-A450-552CD915FFE9}" destId="{E2E67480-C84E-409F-BE18-AAC30FA56E9C}" srcOrd="0" destOrd="0" presId="urn:microsoft.com/office/officeart/2009/3/layout/StepUpProcess"/>
+    <dgm:cxn modelId="{AFFBAFEB-5310-40AF-B990-378274AF03C5}" type="presOf" srcId="{1B888D1A-F11B-45D0-85FA-AB8EE280A19D}" destId="{134A5358-B5F7-42F8-99CB-21436FC550AD}" srcOrd="0" destOrd="0" presId="urn:microsoft.com/office/officeart/2009/3/layout/StepUpProcess"/>
+    <dgm:cxn modelId="{67ADEEEB-93C0-4B1B-B708-EB61AEEC686E}" type="presOf" srcId="{5435BE01-F2EB-4AEB-A62B-8E6AA1C7610E}" destId="{CE682B99-1397-4C62-B632-27A365728DB9}" srcOrd="0" destOrd="0" presId="urn:microsoft.com/office/officeart/2009/3/layout/StepUpProcess"/>
+    <dgm:cxn modelId="{8A528FC1-F3C4-4F19-A221-AA4C66C09D4B}" type="presParOf" srcId="{CE682B99-1397-4C62-B632-27A365728DB9}" destId="{E0829E62-BE1E-4977-B063-584EF58671CE}" srcOrd="0" destOrd="0" presId="urn:microsoft.com/office/officeart/2009/3/layout/StepUpProcess"/>
+    <dgm:cxn modelId="{3E97506A-CE70-48E9-945E-199E5540BEF1}" type="presParOf" srcId="{E0829E62-BE1E-4977-B063-584EF58671CE}" destId="{14A94384-FB22-4AF3-9821-739E8A9FED4E}" srcOrd="0" destOrd="0" presId="urn:microsoft.com/office/officeart/2009/3/layout/StepUpProcess"/>
+    <dgm:cxn modelId="{F3A1CCBF-35E0-4B93-96E2-BFD86C91C536}" type="presParOf" srcId="{E0829E62-BE1E-4977-B063-584EF58671CE}" destId="{AE5553B6-2DDC-4CB0-A8B2-4FAAF5AD635B}" srcOrd="1" destOrd="0" presId="urn:microsoft.com/office/officeart/2009/3/layout/StepUpProcess"/>
+    <dgm:cxn modelId="{E848BDE7-0F17-42B1-AC85-29D9E772C662}" type="presParOf" srcId="{E0829E62-BE1E-4977-B063-584EF58671CE}" destId="{D27B5222-3F0D-4162-AB6F-FEA9155020FB}" srcOrd="2" destOrd="0" presId="urn:microsoft.com/office/officeart/2009/3/layout/StepUpProcess"/>
+    <dgm:cxn modelId="{BC2B2F27-6D8B-4744-9BAE-E817DC37633D}" type="presParOf" srcId="{CE682B99-1397-4C62-B632-27A365728DB9}" destId="{F55385AC-3EB5-4B62-90E0-1CE8AA2BFBCB}" srcOrd="1" destOrd="0" presId="urn:microsoft.com/office/officeart/2009/3/layout/StepUpProcess"/>
+    <dgm:cxn modelId="{28B06E56-8A14-43A9-9D98-2D0F22412689}" type="presParOf" srcId="{F55385AC-3EB5-4B62-90E0-1CE8AA2BFBCB}" destId="{E91D0406-AE2B-463A-8076-2E0E4FFD7727}" srcOrd="0" destOrd="0" presId="urn:microsoft.com/office/officeart/2009/3/layout/StepUpProcess"/>
+    <dgm:cxn modelId="{E715A4CD-BF70-48E1-958A-8467ED5B6D22}" type="presParOf" srcId="{CE682B99-1397-4C62-B632-27A365728DB9}" destId="{46ECF58C-3BE3-4AA8-AC0E-8418D3216C11}" srcOrd="2" destOrd="0" presId="urn:microsoft.com/office/officeart/2009/3/layout/StepUpProcess"/>
+    <dgm:cxn modelId="{2604699C-DAA9-4D1B-B049-AEB907EED6AE}" type="presParOf" srcId="{46ECF58C-3BE3-4AA8-AC0E-8418D3216C11}" destId="{4FA1E58A-AE4A-440F-9470-06671176BD1A}" srcOrd="0" destOrd="0" presId="urn:microsoft.com/office/officeart/2009/3/layout/StepUpProcess"/>
+    <dgm:cxn modelId="{14ACDEFF-7B51-49F4-9387-ED17709B69AC}" type="presParOf" srcId="{46ECF58C-3BE3-4AA8-AC0E-8418D3216C11}" destId="{134A5358-B5F7-42F8-99CB-21436FC550AD}" srcOrd="1" destOrd="0" presId="urn:microsoft.com/office/officeart/2009/3/layout/StepUpProcess"/>
+    <dgm:cxn modelId="{599B1049-471A-4125-A5D2-A1D19712E596}" type="presParOf" srcId="{46ECF58C-3BE3-4AA8-AC0E-8418D3216C11}" destId="{8277CD8D-C4BD-4BF4-8C23-45A4E3D85555}" srcOrd="2" destOrd="0" presId="urn:microsoft.com/office/officeart/2009/3/layout/StepUpProcess"/>
+    <dgm:cxn modelId="{B93BA679-0F6D-4753-8F52-0FFEEB3F5399}" type="presParOf" srcId="{CE682B99-1397-4C62-B632-27A365728DB9}" destId="{E3BFE129-3C80-42A8-9C26-CC7F32473632}" srcOrd="3" destOrd="0" presId="urn:microsoft.com/office/officeart/2009/3/layout/StepUpProcess"/>
+    <dgm:cxn modelId="{AC7A07F4-4EEF-4D09-A0E3-6B53FFBF27DC}" type="presParOf" srcId="{E3BFE129-3C80-42A8-9C26-CC7F32473632}" destId="{2C3EDB6A-DA4D-4E05-991F-0C95C1EF3032}" srcOrd="0" destOrd="0" presId="urn:microsoft.com/office/officeart/2009/3/layout/StepUpProcess"/>
+    <dgm:cxn modelId="{0E6A579D-C6D9-4287-BC83-E734D6D59BB7}" type="presParOf" srcId="{CE682B99-1397-4C62-B632-27A365728DB9}" destId="{00F211E0-A38C-4BD0-807B-B4B971EFC091}" srcOrd="4" destOrd="0" presId="urn:microsoft.com/office/officeart/2009/3/layout/StepUpProcess"/>
+    <dgm:cxn modelId="{C45768A8-FA1A-4EE5-91AF-3D8B876E95F6}" type="presParOf" srcId="{00F211E0-A38C-4BD0-807B-B4B971EFC091}" destId="{9DB5071B-F0E7-4EA8-B492-39BDA3113D98}" srcOrd="0" destOrd="0" presId="urn:microsoft.com/office/officeart/2009/3/layout/StepUpProcess"/>
+    <dgm:cxn modelId="{327B8AFC-C503-453D-B6BA-0F62EAA5C21E}" type="presParOf" srcId="{00F211E0-A38C-4BD0-807B-B4B971EFC091}" destId="{D1F4F8CE-43D2-4212-9830-9A38728FE161}" srcOrd="1" destOrd="0" presId="urn:microsoft.com/office/officeart/2009/3/layout/StepUpProcess"/>
+    <dgm:cxn modelId="{9B6B795A-F3E4-427F-95B6-04083B0C2561}" type="presParOf" srcId="{00F211E0-A38C-4BD0-807B-B4B971EFC091}" destId="{65E06BC7-99ED-4D4A-90D0-2E63C2259B4F}" srcOrd="2" destOrd="0" presId="urn:microsoft.com/office/officeart/2009/3/layout/StepUpProcess"/>
+    <dgm:cxn modelId="{A8356162-B3FF-4E04-963E-33C57E8DFA19}" type="presParOf" srcId="{CE682B99-1397-4C62-B632-27A365728DB9}" destId="{0F7109AB-22C6-4E26-A5A0-9EF993B8114D}" srcOrd="5" destOrd="0" presId="urn:microsoft.com/office/officeart/2009/3/layout/StepUpProcess"/>
+    <dgm:cxn modelId="{F330F5FC-E0C9-4FE6-AFF8-D50DD1904E59}" type="presParOf" srcId="{0F7109AB-22C6-4E26-A5A0-9EF993B8114D}" destId="{A9C3B2FA-1FE9-4CB9-B6A9-9772113ACF70}" srcOrd="0" destOrd="0" presId="urn:microsoft.com/office/officeart/2009/3/layout/StepUpProcess"/>
+    <dgm:cxn modelId="{E3DB4E4F-5C5D-415B-A548-3CB70B5248E0}" type="presParOf" srcId="{CE682B99-1397-4C62-B632-27A365728DB9}" destId="{8A542A88-DCA5-4192-A888-433555167810}" srcOrd="6" destOrd="0" presId="urn:microsoft.com/office/officeart/2009/3/layout/StepUpProcess"/>
+    <dgm:cxn modelId="{EFE39DBE-D551-421B-AC7F-C81207A3E532}" type="presParOf" srcId="{8A542A88-DCA5-4192-A888-433555167810}" destId="{F4DB5733-1097-4B52-8DEC-C087689D37F0}" srcOrd="0" destOrd="0" presId="urn:microsoft.com/office/officeart/2009/3/layout/StepUpProcess"/>
+    <dgm:cxn modelId="{68DFF0DD-3CF1-4034-8710-0A3A1C5E98B5}" type="presParOf" srcId="{8A542A88-DCA5-4192-A888-433555167810}" destId="{E2E67480-C84E-409F-BE18-AAC30FA56E9C}" srcOrd="1" destOrd="0" presId="urn:microsoft.com/office/officeart/2009/3/layout/StepUpProcess"/>
+  </dgm:cxnLst>
+  <dgm:bg/>
+  <dgm:whole/>
+  <dgm:extLst>
+    <a:ext uri="http://schemas.microsoft.com/office/drawing/2008/diagram">
+      <dsp:dataModelExt xmlns:dsp="http://schemas.microsoft.com/office/drawing/2008/diagram" relId="rId7" minVer="http://schemas.openxmlformats.org/drawingml/2006/diagram"/>
+    </a:ext>
+  </dgm:extLst>
+</dgm:dataModel>
+</file>
+
+<file path=ppt/diagrams/data2.xml><?xml version="1.0" encoding="utf-8"?>
 <dgm:dataModel xmlns:dgm="http://schemas.openxmlformats.org/drawingml/2006/diagram" xmlns:a="http://schemas.openxmlformats.org/drawingml/2006/main">
   <dgm:ptLst>
     <dgm:pt modelId="{0FF691E0-4098-4939-811F-04BD2CB7B0D1}" type="doc">
@@ -2047,7 +3253,7 @@
 </dgm:dataModel>
 </file>
 
-<file path=ppt/diagrams/data2.xml><?xml version="1.0" encoding="utf-8"?>
+<file path=ppt/diagrams/data20.xml><?xml version="1.0" encoding="utf-8"?>
 <dgm:dataModel xmlns:dgm="http://schemas.openxmlformats.org/drawingml/2006/diagram" xmlns:a="http://schemas.openxmlformats.org/drawingml/2006/main">
   <dgm:ptLst>
     <dgm:pt modelId="{0FF691E0-4098-4939-811F-04BD2CB7B0D1}" type="doc">
@@ -2759,6 +3965,751 @@
       <dsp:cNvGrpSpPr/>
     </dsp:nvGrpSpPr>
     <dsp:grpSpPr/>
+    <dsp:sp modelId="{14A94384-FB22-4AF3-9821-739E8A9FED4E}">
+      <dsp:nvSpPr>
+        <dsp:cNvPr id="0" name=""/>
+        <dsp:cNvSpPr/>
+      </dsp:nvSpPr>
+      <dsp:spPr>
+        <a:xfrm rot="5400000">
+          <a:off x="497964" y="2134359"/>
+          <a:ext cx="1472880" cy="2450840"/>
+        </a:xfrm>
+        <a:prstGeom prst="corner">
+          <a:avLst>
+            <a:gd name="adj1" fmla="val 16120"/>
+            <a:gd name="adj2" fmla="val 16110"/>
+          </a:avLst>
+        </a:prstGeom>
+        <a:solidFill>
+          <a:schemeClr val="accent1">
+            <a:hueOff val="0"/>
+            <a:satOff val="0"/>
+            <a:lumOff val="0"/>
+            <a:alphaOff val="0"/>
+          </a:schemeClr>
+        </a:solidFill>
+        <a:ln w="15875" cap="flat" cmpd="sng" algn="ctr">
+          <a:solidFill>
+            <a:schemeClr val="accent1">
+              <a:hueOff val="0"/>
+              <a:satOff val="0"/>
+              <a:lumOff val="0"/>
+              <a:alphaOff val="0"/>
+            </a:schemeClr>
+          </a:solidFill>
+          <a:prstDash val="solid"/>
+        </a:ln>
+        <a:effectLst/>
+      </dsp:spPr>
+      <dsp:style>
+        <a:lnRef idx="2">
+          <a:scrgbClr r="0" g="0" b="0"/>
+        </a:lnRef>
+        <a:fillRef idx="1">
+          <a:scrgbClr r="0" g="0" b="0"/>
+        </a:fillRef>
+        <a:effectRef idx="0">
+          <a:scrgbClr r="0" g="0" b="0"/>
+        </a:effectRef>
+        <a:fontRef idx="minor">
+          <a:schemeClr val="lt1"/>
+        </a:fontRef>
+      </dsp:style>
+    </dsp:sp>
+    <dsp:sp modelId="{AE5553B6-2DDC-4CB0-A8B2-4FAAF5AD635B}">
+      <dsp:nvSpPr>
+        <dsp:cNvPr id="0" name=""/>
+        <dsp:cNvSpPr/>
+      </dsp:nvSpPr>
+      <dsp:spPr>
+        <a:xfrm>
+          <a:off x="252103" y="2866632"/>
+          <a:ext cx="2212632" cy="1939501"/>
+        </a:xfrm>
+        <a:prstGeom prst="rect">
+          <a:avLst/>
+        </a:prstGeom>
+        <a:noFill/>
+        <a:ln>
+          <a:noFill/>
+        </a:ln>
+        <a:effectLst/>
+      </dsp:spPr>
+      <dsp:style>
+        <a:lnRef idx="0">
+          <a:scrgbClr r="0" g="0" b="0"/>
+        </a:lnRef>
+        <a:fillRef idx="0">
+          <a:scrgbClr r="0" g="0" b="0"/>
+        </a:fillRef>
+        <a:effectRef idx="0">
+          <a:scrgbClr r="0" g="0" b="0"/>
+        </a:effectRef>
+        <a:fontRef idx="minor"/>
+      </dsp:style>
+      <dsp:txBody>
+        <a:bodyPr spcFirstLastPara="0" vert="horz" wrap="square" lIns="72390" tIns="72390" rIns="72390" bIns="72390" numCol="1" spcCol="1270" anchor="t" anchorCtr="0">
+          <a:noAutofit/>
+        </a:bodyPr>
+        <a:lstStyle/>
+        <a:p>
+          <a:pPr marL="0" lvl="0" indent="0" algn="l" defTabSz="844550">
+            <a:lnSpc>
+              <a:spcPct val="90000"/>
+            </a:lnSpc>
+            <a:spcBef>
+              <a:spcPct val="0"/>
+            </a:spcBef>
+            <a:spcAft>
+              <a:spcPct val="35000"/>
+            </a:spcAft>
+            <a:buNone/>
+          </a:pPr>
+          <a:r>
+            <a:rPr lang="de-DE" sz="1900" kern="1200" dirty="0"/>
+            <a:t>Find + </a:t>
+          </a:r>
+          <a:r>
+            <a:rPr lang="de-DE" sz="1900" kern="1200" dirty="0" err="1"/>
+            <a:t>Generalize</a:t>
+          </a:r>
+          <a:r>
+            <a:rPr lang="de-DE" sz="1900" kern="1200" dirty="0"/>
+            <a:t> </a:t>
+          </a:r>
+          <a:r>
+            <a:rPr lang="de-DE" sz="1900" kern="1200" dirty="0" err="1"/>
+            <a:t>problems</a:t>
+          </a:r>
+          <a:r>
+            <a:rPr lang="de-DE" sz="1900" kern="1200" dirty="0"/>
+            <a:t> in </a:t>
+          </a:r>
+          <a:r>
+            <a:rPr lang="de-DE" sz="1900" kern="1200" dirty="0" err="1"/>
+            <a:t>recent</a:t>
+          </a:r>
+          <a:r>
+            <a:rPr lang="de-DE" sz="1900" kern="1200" dirty="0"/>
+            <a:t> </a:t>
+          </a:r>
+          <a:r>
+            <a:rPr lang="de-DE" sz="1900" kern="1200" dirty="0" err="1"/>
+            <a:t>literature</a:t>
+          </a:r>
+          <a:r>
+            <a:rPr lang="de-DE" sz="1900" kern="1200" dirty="0"/>
+            <a:t> </a:t>
+          </a:r>
+          <a:r>
+            <a:rPr lang="de-DE" sz="1900" kern="1200" dirty="0" err="1"/>
+            <a:t>about</a:t>
+          </a:r>
+          <a:r>
+            <a:rPr lang="de-DE" sz="1900" kern="1200" dirty="0"/>
+            <a:t> </a:t>
+          </a:r>
+          <a:r>
+            <a:rPr lang="de-DE" sz="1900" kern="1200" dirty="0" err="1"/>
+            <a:t>comparative</a:t>
+          </a:r>
+          <a:r>
+            <a:rPr lang="de-DE" sz="1900" kern="1200" dirty="0"/>
+            <a:t> ML </a:t>
+          </a:r>
+          <a:r>
+            <a:rPr lang="de-DE" sz="1900" kern="1200" dirty="0" err="1"/>
+            <a:t>method</a:t>
+          </a:r>
+          <a:r>
+            <a:rPr lang="de-DE" sz="1900" kern="1200" dirty="0"/>
+            <a:t> </a:t>
+          </a:r>
+          <a:r>
+            <a:rPr lang="de-DE" sz="1900" kern="1200" dirty="0" err="1"/>
+            <a:t>studies</a:t>
+          </a:r>
+          <a:r>
+            <a:rPr lang="de-DE" sz="1900" kern="1200" dirty="0"/>
+            <a:t> </a:t>
+          </a:r>
+        </a:p>
+      </dsp:txBody>
+      <dsp:txXfrm>
+        <a:off x="252103" y="2866632"/>
+        <a:ext cx="2212632" cy="1939501"/>
+      </dsp:txXfrm>
+    </dsp:sp>
+    <dsp:sp modelId="{D27B5222-3F0D-4162-AB6F-FEA9155020FB}">
+      <dsp:nvSpPr>
+        <dsp:cNvPr id="0" name=""/>
+        <dsp:cNvSpPr/>
+      </dsp:nvSpPr>
+      <dsp:spPr>
+        <a:xfrm>
+          <a:off x="2047258" y="1953926"/>
+          <a:ext cx="417477" cy="417477"/>
+        </a:xfrm>
+        <a:prstGeom prst="triangle">
+          <a:avLst>
+            <a:gd name="adj" fmla="val 100000"/>
+          </a:avLst>
+        </a:prstGeom>
+        <a:solidFill>
+          <a:schemeClr val="accent1">
+            <a:hueOff val="0"/>
+            <a:satOff val="0"/>
+            <a:lumOff val="0"/>
+            <a:alphaOff val="0"/>
+          </a:schemeClr>
+        </a:solidFill>
+        <a:ln w="15875" cap="flat" cmpd="sng" algn="ctr">
+          <a:solidFill>
+            <a:schemeClr val="accent1">
+              <a:hueOff val="0"/>
+              <a:satOff val="0"/>
+              <a:lumOff val="0"/>
+              <a:alphaOff val="0"/>
+            </a:schemeClr>
+          </a:solidFill>
+          <a:prstDash val="solid"/>
+        </a:ln>
+        <a:effectLst/>
+      </dsp:spPr>
+      <dsp:style>
+        <a:lnRef idx="2">
+          <a:scrgbClr r="0" g="0" b="0"/>
+        </a:lnRef>
+        <a:fillRef idx="1">
+          <a:scrgbClr r="0" g="0" b="0"/>
+        </a:fillRef>
+        <a:effectRef idx="0">
+          <a:scrgbClr r="0" g="0" b="0"/>
+        </a:effectRef>
+        <a:fontRef idx="minor">
+          <a:schemeClr val="lt1"/>
+        </a:fontRef>
+      </dsp:style>
+    </dsp:sp>
+    <dsp:sp modelId="{4FA1E58A-AE4A-440F-9470-06671176BD1A}">
+      <dsp:nvSpPr>
+        <dsp:cNvPr id="0" name=""/>
+        <dsp:cNvSpPr/>
+      </dsp:nvSpPr>
+      <dsp:spPr>
+        <a:xfrm rot="5400000">
+          <a:off x="3206658" y="1464090"/>
+          <a:ext cx="1472880" cy="2450840"/>
+        </a:xfrm>
+        <a:prstGeom prst="corner">
+          <a:avLst>
+            <a:gd name="adj1" fmla="val 16120"/>
+            <a:gd name="adj2" fmla="val 16110"/>
+          </a:avLst>
+        </a:prstGeom>
+        <a:solidFill>
+          <a:schemeClr val="accent1">
+            <a:hueOff val="0"/>
+            <a:satOff val="0"/>
+            <a:lumOff val="0"/>
+            <a:alphaOff val="0"/>
+          </a:schemeClr>
+        </a:solidFill>
+        <a:ln w="15875" cap="flat" cmpd="sng" algn="ctr">
+          <a:solidFill>
+            <a:schemeClr val="accent1">
+              <a:hueOff val="0"/>
+              <a:satOff val="0"/>
+              <a:lumOff val="0"/>
+              <a:alphaOff val="0"/>
+            </a:schemeClr>
+          </a:solidFill>
+          <a:prstDash val="solid"/>
+        </a:ln>
+        <a:effectLst/>
+      </dsp:spPr>
+      <dsp:style>
+        <a:lnRef idx="2">
+          <a:scrgbClr r="0" g="0" b="0"/>
+        </a:lnRef>
+        <a:fillRef idx="1">
+          <a:scrgbClr r="0" g="0" b="0"/>
+        </a:fillRef>
+        <a:effectRef idx="0">
+          <a:scrgbClr r="0" g="0" b="0"/>
+        </a:effectRef>
+        <a:fontRef idx="minor">
+          <a:schemeClr val="lt1"/>
+        </a:fontRef>
+      </dsp:style>
+    </dsp:sp>
+    <dsp:sp modelId="{134A5358-B5F7-42F8-99CB-21436FC550AD}">
+      <dsp:nvSpPr>
+        <dsp:cNvPr id="0" name=""/>
+        <dsp:cNvSpPr/>
+      </dsp:nvSpPr>
+      <dsp:spPr>
+        <a:xfrm>
+          <a:off x="2960797" y="2196363"/>
+          <a:ext cx="2212632" cy="1939501"/>
+        </a:xfrm>
+        <a:prstGeom prst="rect">
+          <a:avLst/>
+        </a:prstGeom>
+        <a:noFill/>
+        <a:ln>
+          <a:noFill/>
+        </a:ln>
+        <a:effectLst/>
+      </dsp:spPr>
+      <dsp:style>
+        <a:lnRef idx="0">
+          <a:scrgbClr r="0" g="0" b="0"/>
+        </a:lnRef>
+        <a:fillRef idx="0">
+          <a:scrgbClr r="0" g="0" b="0"/>
+        </a:fillRef>
+        <a:effectRef idx="0">
+          <a:scrgbClr r="0" g="0" b="0"/>
+        </a:effectRef>
+        <a:fontRef idx="minor"/>
+      </dsp:style>
+      <dsp:txBody>
+        <a:bodyPr spcFirstLastPara="0" vert="horz" wrap="square" lIns="72390" tIns="72390" rIns="72390" bIns="72390" numCol="1" spcCol="1270" anchor="t" anchorCtr="0">
+          <a:noAutofit/>
+        </a:bodyPr>
+        <a:lstStyle/>
+        <a:p>
+          <a:pPr marL="0" lvl="0" indent="0" algn="l" defTabSz="844550">
+            <a:lnSpc>
+              <a:spcPct val="90000"/>
+            </a:lnSpc>
+            <a:spcBef>
+              <a:spcPct val="0"/>
+            </a:spcBef>
+            <a:spcAft>
+              <a:spcPct val="35000"/>
+            </a:spcAft>
+            <a:buNone/>
+          </a:pPr>
+          <a:r>
+            <a:rPr lang="de-DE" sz="1900" kern="1200" dirty="0" err="1"/>
+            <a:t>Choose</a:t>
+          </a:r>
+          <a:r>
+            <a:rPr lang="de-DE" sz="1900" kern="1200" dirty="0"/>
+            <a:t> </a:t>
+          </a:r>
+          <a:r>
+            <a:rPr lang="de-DE" sz="1900" kern="1200" dirty="0" err="1"/>
+            <a:t>methods</a:t>
+          </a:r>
+          <a:r>
+            <a:rPr lang="de-DE" sz="1900" kern="1200" dirty="0"/>
+            <a:t> to </a:t>
+          </a:r>
+          <a:r>
+            <a:rPr lang="de-DE" sz="1900" kern="1200" dirty="0" err="1"/>
+            <a:t>compare</a:t>
+          </a:r>
+          <a:r>
+            <a:rPr lang="de-DE" sz="1900" kern="1200" dirty="0"/>
+            <a:t>:</a:t>
+          </a:r>
+          <a:br>
+            <a:rPr lang="de-DE" sz="1900" kern="1200" dirty="0"/>
+          </a:br>
+          <a:r>
+            <a:rPr lang="en-GB" sz="1900" kern="1200" dirty="0"/>
+            <a:t>Linear Discriminant     Analysis (LDA), SVM,</a:t>
+          </a:r>
+          <a:br>
+            <a:rPr lang="en-GB" sz="1900" kern="1200" dirty="0"/>
+          </a:br>
+          <a:r>
+            <a:rPr lang="en-GB" sz="1900" kern="1200" dirty="0"/>
+            <a:t>Random Forest (RF), </a:t>
+          </a:r>
+          <a:r>
+            <a:rPr lang="en-GB" sz="1900" kern="1200" dirty="0" err="1"/>
+            <a:t>kNN</a:t>
+          </a:r>
+          <a:endParaRPr lang="de-DE" sz="1900" kern="1200" dirty="0"/>
+        </a:p>
+      </dsp:txBody>
+      <dsp:txXfrm>
+        <a:off x="2960797" y="2196363"/>
+        <a:ext cx="2212632" cy="1939501"/>
+      </dsp:txXfrm>
+    </dsp:sp>
+    <dsp:sp modelId="{8277CD8D-C4BD-4BF4-8C23-45A4E3D85555}">
+      <dsp:nvSpPr>
+        <dsp:cNvPr id="0" name=""/>
+        <dsp:cNvSpPr/>
+      </dsp:nvSpPr>
+      <dsp:spPr>
+        <a:xfrm>
+          <a:off x="4755952" y="1283657"/>
+          <a:ext cx="417477" cy="417477"/>
+        </a:xfrm>
+        <a:prstGeom prst="triangle">
+          <a:avLst>
+            <a:gd name="adj" fmla="val 100000"/>
+          </a:avLst>
+        </a:prstGeom>
+        <a:solidFill>
+          <a:schemeClr val="accent1">
+            <a:hueOff val="0"/>
+            <a:satOff val="0"/>
+            <a:lumOff val="0"/>
+            <a:alphaOff val="0"/>
+          </a:schemeClr>
+        </a:solidFill>
+        <a:ln w="15875" cap="flat" cmpd="sng" algn="ctr">
+          <a:solidFill>
+            <a:schemeClr val="accent1">
+              <a:hueOff val="0"/>
+              <a:satOff val="0"/>
+              <a:lumOff val="0"/>
+              <a:alphaOff val="0"/>
+            </a:schemeClr>
+          </a:solidFill>
+          <a:prstDash val="solid"/>
+        </a:ln>
+        <a:effectLst/>
+      </dsp:spPr>
+      <dsp:style>
+        <a:lnRef idx="2">
+          <a:scrgbClr r="0" g="0" b="0"/>
+        </a:lnRef>
+        <a:fillRef idx="1">
+          <a:scrgbClr r="0" g="0" b="0"/>
+        </a:fillRef>
+        <a:effectRef idx="0">
+          <a:scrgbClr r="0" g="0" b="0"/>
+        </a:effectRef>
+        <a:fontRef idx="minor">
+          <a:schemeClr val="lt1"/>
+        </a:fontRef>
+      </dsp:style>
+    </dsp:sp>
+    <dsp:sp modelId="{9DB5071B-F0E7-4EA8-B492-39BDA3113D98}">
+      <dsp:nvSpPr>
+        <dsp:cNvPr id="0" name=""/>
+        <dsp:cNvSpPr/>
+      </dsp:nvSpPr>
+      <dsp:spPr>
+        <a:xfrm rot="5400000">
+          <a:off x="5915351" y="793821"/>
+          <a:ext cx="1472880" cy="2450840"/>
+        </a:xfrm>
+        <a:prstGeom prst="corner">
+          <a:avLst>
+            <a:gd name="adj1" fmla="val 16120"/>
+            <a:gd name="adj2" fmla="val 16110"/>
+          </a:avLst>
+        </a:prstGeom>
+        <a:solidFill>
+          <a:schemeClr val="accent1">
+            <a:hueOff val="0"/>
+            <a:satOff val="0"/>
+            <a:lumOff val="0"/>
+            <a:alphaOff val="0"/>
+          </a:schemeClr>
+        </a:solidFill>
+        <a:ln w="15875" cap="flat" cmpd="sng" algn="ctr">
+          <a:solidFill>
+            <a:schemeClr val="accent1">
+              <a:hueOff val="0"/>
+              <a:satOff val="0"/>
+              <a:lumOff val="0"/>
+              <a:alphaOff val="0"/>
+            </a:schemeClr>
+          </a:solidFill>
+          <a:prstDash val="solid"/>
+        </a:ln>
+        <a:effectLst/>
+      </dsp:spPr>
+      <dsp:style>
+        <a:lnRef idx="2">
+          <a:scrgbClr r="0" g="0" b="0"/>
+        </a:lnRef>
+        <a:fillRef idx="1">
+          <a:scrgbClr r="0" g="0" b="0"/>
+        </a:fillRef>
+        <a:effectRef idx="0">
+          <a:scrgbClr r="0" g="0" b="0"/>
+        </a:effectRef>
+        <a:fontRef idx="minor">
+          <a:schemeClr val="lt1"/>
+        </a:fontRef>
+      </dsp:style>
+    </dsp:sp>
+    <dsp:sp modelId="{D1F4F8CE-43D2-4212-9830-9A38728FE161}">
+      <dsp:nvSpPr>
+        <dsp:cNvPr id="0" name=""/>
+        <dsp:cNvSpPr/>
+      </dsp:nvSpPr>
+      <dsp:spPr>
+        <a:xfrm>
+          <a:off x="5669491" y="1526094"/>
+          <a:ext cx="2212632" cy="1939501"/>
+        </a:xfrm>
+        <a:prstGeom prst="rect">
+          <a:avLst/>
+        </a:prstGeom>
+        <a:noFill/>
+        <a:ln>
+          <a:noFill/>
+        </a:ln>
+        <a:effectLst/>
+      </dsp:spPr>
+      <dsp:style>
+        <a:lnRef idx="0">
+          <a:scrgbClr r="0" g="0" b="0"/>
+        </a:lnRef>
+        <a:fillRef idx="0">
+          <a:scrgbClr r="0" g="0" b="0"/>
+        </a:fillRef>
+        <a:effectRef idx="0">
+          <a:scrgbClr r="0" g="0" b="0"/>
+        </a:effectRef>
+        <a:fontRef idx="minor"/>
+      </dsp:style>
+      <dsp:txBody>
+        <a:bodyPr spcFirstLastPara="0" vert="horz" wrap="square" lIns="72390" tIns="72390" rIns="72390" bIns="72390" numCol="1" spcCol="1270" anchor="t" anchorCtr="0">
+          <a:noAutofit/>
+        </a:bodyPr>
+        <a:lstStyle/>
+        <a:p>
+          <a:pPr marL="0" lvl="0" indent="0" algn="l" defTabSz="844550">
+            <a:lnSpc>
+              <a:spcPct val="90000"/>
+            </a:lnSpc>
+            <a:spcBef>
+              <a:spcPct val="0"/>
+            </a:spcBef>
+            <a:spcAft>
+              <a:spcPct val="35000"/>
+            </a:spcAft>
+            <a:buNone/>
+          </a:pPr>
+          <a:r>
+            <a:rPr lang="de-DE" sz="1900" kern="1200" dirty="0"/>
+            <a:t>Simulate </a:t>
+          </a:r>
+          <a:r>
+            <a:rPr lang="de-DE" sz="1900" kern="1200" dirty="0" err="1"/>
+            <a:t>microarray</a:t>
+          </a:r>
+          <a:r>
+            <a:rPr lang="de-DE" sz="1900" kern="1200" dirty="0"/>
+            <a:t> </a:t>
+          </a:r>
+          <a:r>
+            <a:rPr lang="de-DE" sz="1900" kern="1200" dirty="0" err="1"/>
+            <a:t>data</a:t>
+          </a:r>
+          <a:r>
+            <a:rPr lang="de-DE" sz="1900" kern="1200" dirty="0"/>
+            <a:t>  + </a:t>
+          </a:r>
+          <a:r>
+            <a:rPr lang="de-DE" sz="1900" kern="1200" dirty="0" err="1"/>
+            <a:t>first</a:t>
+          </a:r>
+          <a:r>
+            <a:rPr lang="de-DE" sz="1900" kern="1200" dirty="0"/>
+            <a:t> </a:t>
+          </a:r>
+          <a:r>
+            <a:rPr lang="de-DE" sz="1900" kern="1200" dirty="0" err="1"/>
+            <a:t>results</a:t>
+          </a:r>
+          <a:r>
+            <a:rPr lang="de-DE" sz="1900" kern="1200" dirty="0"/>
+            <a:t> + pattern </a:t>
+          </a:r>
+        </a:p>
+      </dsp:txBody>
+      <dsp:txXfrm>
+        <a:off x="5669491" y="1526094"/>
+        <a:ext cx="2212632" cy="1939501"/>
+      </dsp:txXfrm>
+    </dsp:sp>
+    <dsp:sp modelId="{65E06BC7-99ED-4D4A-90D0-2E63C2259B4F}">
+      <dsp:nvSpPr>
+        <dsp:cNvPr id="0" name=""/>
+        <dsp:cNvSpPr/>
+      </dsp:nvSpPr>
+      <dsp:spPr>
+        <a:xfrm>
+          <a:off x="7464645" y="613388"/>
+          <a:ext cx="417477" cy="417477"/>
+        </a:xfrm>
+        <a:prstGeom prst="triangle">
+          <a:avLst>
+            <a:gd name="adj" fmla="val 100000"/>
+          </a:avLst>
+        </a:prstGeom>
+        <a:solidFill>
+          <a:schemeClr val="accent1">
+            <a:hueOff val="0"/>
+            <a:satOff val="0"/>
+            <a:lumOff val="0"/>
+            <a:alphaOff val="0"/>
+          </a:schemeClr>
+        </a:solidFill>
+        <a:ln w="15875" cap="flat" cmpd="sng" algn="ctr">
+          <a:solidFill>
+            <a:schemeClr val="accent1">
+              <a:hueOff val="0"/>
+              <a:satOff val="0"/>
+              <a:lumOff val="0"/>
+              <a:alphaOff val="0"/>
+            </a:schemeClr>
+          </a:solidFill>
+          <a:prstDash val="solid"/>
+        </a:ln>
+        <a:effectLst/>
+      </dsp:spPr>
+      <dsp:style>
+        <a:lnRef idx="2">
+          <a:scrgbClr r="0" g="0" b="0"/>
+        </a:lnRef>
+        <a:fillRef idx="1">
+          <a:scrgbClr r="0" g="0" b="0"/>
+        </a:fillRef>
+        <a:effectRef idx="0">
+          <a:scrgbClr r="0" g="0" b="0"/>
+        </a:effectRef>
+        <a:fontRef idx="minor">
+          <a:schemeClr val="lt1"/>
+        </a:fontRef>
+      </dsp:style>
+    </dsp:sp>
+    <dsp:sp modelId="{F4DB5733-1097-4B52-8DEC-C087689D37F0}">
+      <dsp:nvSpPr>
+        <dsp:cNvPr id="0" name=""/>
+        <dsp:cNvSpPr/>
+      </dsp:nvSpPr>
+      <dsp:spPr>
+        <a:xfrm rot="5400000">
+          <a:off x="8624045" y="123552"/>
+          <a:ext cx="1472880" cy="2450840"/>
+        </a:xfrm>
+        <a:prstGeom prst="corner">
+          <a:avLst>
+            <a:gd name="adj1" fmla="val 16120"/>
+            <a:gd name="adj2" fmla="val 16110"/>
+          </a:avLst>
+        </a:prstGeom>
+        <a:solidFill>
+          <a:schemeClr val="accent1">
+            <a:hueOff val="0"/>
+            <a:satOff val="0"/>
+            <a:lumOff val="0"/>
+            <a:alphaOff val="0"/>
+          </a:schemeClr>
+        </a:solidFill>
+        <a:ln w="15875" cap="flat" cmpd="sng" algn="ctr">
+          <a:solidFill>
+            <a:schemeClr val="accent1">
+              <a:hueOff val="0"/>
+              <a:satOff val="0"/>
+              <a:lumOff val="0"/>
+              <a:alphaOff val="0"/>
+            </a:schemeClr>
+          </a:solidFill>
+          <a:prstDash val="solid"/>
+        </a:ln>
+        <a:effectLst/>
+      </dsp:spPr>
+      <dsp:style>
+        <a:lnRef idx="2">
+          <a:scrgbClr r="0" g="0" b="0"/>
+        </a:lnRef>
+        <a:fillRef idx="1">
+          <a:scrgbClr r="0" g="0" b="0"/>
+        </a:fillRef>
+        <a:effectRef idx="0">
+          <a:scrgbClr r="0" g="0" b="0"/>
+        </a:effectRef>
+        <a:fontRef idx="minor">
+          <a:schemeClr val="lt1"/>
+        </a:fontRef>
+      </dsp:style>
+    </dsp:sp>
+    <dsp:sp modelId="{E2E67480-C84E-409F-BE18-AAC30FA56E9C}">
+      <dsp:nvSpPr>
+        <dsp:cNvPr id="0" name=""/>
+        <dsp:cNvSpPr/>
+      </dsp:nvSpPr>
+      <dsp:spPr>
+        <a:xfrm>
+          <a:off x="8378185" y="855825"/>
+          <a:ext cx="2212632" cy="1939501"/>
+        </a:xfrm>
+        <a:prstGeom prst="rect">
+          <a:avLst/>
+        </a:prstGeom>
+        <a:noFill/>
+        <a:ln>
+          <a:noFill/>
+        </a:ln>
+        <a:effectLst/>
+      </dsp:spPr>
+      <dsp:style>
+        <a:lnRef idx="0">
+          <a:scrgbClr r="0" g="0" b="0"/>
+        </a:lnRef>
+        <a:fillRef idx="0">
+          <a:scrgbClr r="0" g="0" b="0"/>
+        </a:fillRef>
+        <a:effectRef idx="0">
+          <a:scrgbClr r="0" g="0" b="0"/>
+        </a:effectRef>
+        <a:fontRef idx="minor"/>
+      </dsp:style>
+      <dsp:txBody>
+        <a:bodyPr spcFirstLastPara="0" vert="horz" wrap="square" lIns="72390" tIns="72390" rIns="72390" bIns="72390" numCol="1" spcCol="1270" anchor="t" anchorCtr="0">
+          <a:noAutofit/>
+        </a:bodyPr>
+        <a:lstStyle/>
+        <a:p>
+          <a:pPr marL="0" lvl="0" indent="0" algn="l" defTabSz="844550">
+            <a:lnSpc>
+              <a:spcPct val="90000"/>
+            </a:lnSpc>
+            <a:spcBef>
+              <a:spcPct val="0"/>
+            </a:spcBef>
+            <a:spcAft>
+              <a:spcPct val="35000"/>
+            </a:spcAft>
+            <a:buNone/>
+          </a:pPr>
+          <a:endParaRPr lang="de-DE" sz="1900" kern="1200"/>
+        </a:p>
+      </dsp:txBody>
+      <dsp:txXfrm>
+        <a:off x="8378185" y="855825"/>
+        <a:ext cx="2212632" cy="1939501"/>
+      </dsp:txXfrm>
+    </dsp:sp>
+  </dsp:spTree>
+</dsp:drawing>
+</file>
+
+<file path=ppt/diagrams/drawing2.xml><?xml version="1.0" encoding="utf-8"?>
+<dsp:drawing xmlns:dgm="http://schemas.openxmlformats.org/drawingml/2006/diagram" xmlns:dsp="http://schemas.microsoft.com/office/drawing/2008/diagram" xmlns:a="http://schemas.openxmlformats.org/drawingml/2006/main">
+  <dsp:spTree>
+    <dsp:nvGrpSpPr>
+      <dsp:cNvPr id="0" name=""/>
+      <dsp:cNvGrpSpPr/>
+    </dsp:nvGrpSpPr>
+    <dsp:grpSpPr/>
     <dsp:sp modelId="{1C3B6C9E-EE12-474D-AD3B-72A462F7FB0A}">
       <dsp:nvSpPr>
         <dsp:cNvPr id="0" name=""/>
@@ -4004,6 +5955,258 @@
 </file>
 
 <file path=ppt/diagrams/layout1.xml><?xml version="1.0" encoding="utf-8"?>
+<dgm:layoutDef xmlns:dgm="http://schemas.openxmlformats.org/drawingml/2006/diagram" xmlns:a="http://schemas.openxmlformats.org/drawingml/2006/main" uniqueId="urn:microsoft.com/office/officeart/2009/3/layout/StepUpProcess">
+  <dgm:title val=""/>
+  <dgm:desc val=""/>
+  <dgm:catLst>
+    <dgm:cat type="process" pri="1300"/>
+  </dgm:catLst>
+  <dgm:sampData>
+    <dgm:dataModel>
+      <dgm:ptLst>
+        <dgm:pt modelId="0" type="doc"/>
+        <dgm:pt modelId="10">
+          <dgm:prSet phldr="1"/>
+        </dgm:pt>
+        <dgm:pt modelId="20">
+          <dgm:prSet phldr="1"/>
+        </dgm:pt>
+        <dgm:pt modelId="30">
+          <dgm:prSet phldr="1"/>
+        </dgm:pt>
+      </dgm:ptLst>
+      <dgm:cxnLst>
+        <dgm:cxn modelId="60" srcId="0" destId="10" srcOrd="0" destOrd="0"/>
+        <dgm:cxn modelId="70" srcId="0" destId="20" srcOrd="1" destOrd="0"/>
+        <dgm:cxn modelId="80" srcId="0" destId="30" srcOrd="2" destOrd="0"/>
+      </dgm:cxnLst>
+      <dgm:bg/>
+      <dgm:whole/>
+    </dgm:dataModel>
+  </dgm:sampData>
+  <dgm:styleData>
+    <dgm:dataModel>
+      <dgm:ptLst>
+        <dgm:pt modelId="0" type="doc"/>
+        <dgm:pt modelId="10">
+          <dgm:prSet phldr="1"/>
+        </dgm:pt>
+        <dgm:pt modelId="20">
+          <dgm:prSet phldr="1"/>
+        </dgm:pt>
+      </dgm:ptLst>
+      <dgm:cxnLst>
+        <dgm:cxn modelId="60" srcId="0" destId="10" srcOrd="0" destOrd="0"/>
+        <dgm:cxn modelId="70" srcId="0" destId="20" srcOrd="1" destOrd="0"/>
+      </dgm:cxnLst>
+      <dgm:bg/>
+      <dgm:whole/>
+    </dgm:dataModel>
+  </dgm:styleData>
+  <dgm:clrData>
+    <dgm:dataModel>
+      <dgm:ptLst>
+        <dgm:pt modelId="0" type="doc"/>
+        <dgm:pt modelId="10">
+          <dgm:prSet phldr="1"/>
+        </dgm:pt>
+        <dgm:pt modelId="20">
+          <dgm:prSet phldr="1"/>
+        </dgm:pt>
+        <dgm:pt modelId="30">
+          <dgm:prSet phldr="1"/>
+        </dgm:pt>
+        <dgm:pt modelId="40">
+          <dgm:prSet phldr="1"/>
+        </dgm:pt>
+      </dgm:ptLst>
+      <dgm:cxnLst>
+        <dgm:cxn modelId="60" srcId="0" destId="10" srcOrd="0" destOrd="0"/>
+        <dgm:cxn modelId="70" srcId="0" destId="20" srcOrd="1" destOrd="0"/>
+        <dgm:cxn modelId="80" srcId="0" destId="30" srcOrd="2" destOrd="0"/>
+        <dgm:cxn modelId="90" srcId="0" destId="40" srcOrd="3" destOrd="0"/>
+      </dgm:cxnLst>
+      <dgm:bg/>
+      <dgm:whole/>
+    </dgm:dataModel>
+  </dgm:clrData>
+  <dgm:layoutNode name="rootnode">
+    <dgm:varLst>
+      <dgm:chMax/>
+      <dgm:chPref/>
+      <dgm:dir/>
+      <dgm:animLvl val="lvl"/>
+    </dgm:varLst>
+    <dgm:choose name="Name0">
+      <dgm:if name="Name1" func="var" arg="dir" op="equ" val="norm">
+        <dgm:alg type="snake">
+          <dgm:param type="grDir" val="bL"/>
+          <dgm:param type="flowDir" val="row"/>
+          <dgm:param type="off" val="off"/>
+          <dgm:param type="bkpt" val="fixed"/>
+          <dgm:param type="bkPtFixedVal" val="1"/>
+        </dgm:alg>
+      </dgm:if>
+      <dgm:else name="Name2">
+        <dgm:alg type="snake">
+          <dgm:param type="grDir" val="bR"/>
+          <dgm:param type="flowDir" val="row"/>
+          <dgm:param type="off" val="off"/>
+          <dgm:param type="bkpt" val="fixed"/>
+          <dgm:param type="bkPtFixedVal" val="1"/>
+        </dgm:alg>
+      </dgm:else>
+    </dgm:choose>
+    <dgm:shape xmlns:r="http://schemas.openxmlformats.org/officeDocument/2006/relationships" r:blip="">
+      <dgm:adjLst/>
+    </dgm:shape>
+    <dgm:constrLst>
+      <dgm:constr type="alignOff" forName="rootnode" val="1"/>
+      <dgm:constr type="primFontSz" for="des" ptType="node" op="equ" val="65"/>
+      <dgm:constr type="w" for="ch" forName="composite" refType="w"/>
+      <dgm:constr type="h" for="ch" forName="composite" refType="h"/>
+      <dgm:constr type="sp" refType="h" refFor="ch" refForName="composite" op="equ" fact="-0.765"/>
+      <dgm:constr type="w" for="ch" forName="sibTrans" refType="w" fact="0.103"/>
+      <dgm:constr type="h" for="ch" forName="sibTrans" refType="h" fact="0.103"/>
+    </dgm:constrLst>
+    <dgm:forEach name="nodesForEach" axis="ch" ptType="node">
+      <dgm:layoutNode name="composite">
+        <dgm:alg type="composite">
+          <dgm:param type="ar" val="0.861"/>
+        </dgm:alg>
+        <dgm:shape xmlns:r="http://schemas.openxmlformats.org/officeDocument/2006/relationships" r:blip="">
+          <dgm:adjLst/>
+        </dgm:shape>
+        <dgm:choose name="Name3">
+          <dgm:if name="Name4" func="var" arg="dir" op="equ" val="norm">
+            <dgm:constrLst>
+              <dgm:constr type="l" for="ch" forName="LShape" refType="w" fact="0"/>
+              <dgm:constr type="t" for="ch" forName="LShape" refType="h" fact="0.2347"/>
+              <dgm:constr type="w" for="ch" forName="LShape" refType="w" fact="0.998"/>
+              <dgm:constr type="h" for="ch" forName="LShape" refType="h" fact="0.5164"/>
+              <dgm:constr type="r" for="ch" forName="ParentText" refType="w"/>
+              <dgm:constr type="t" for="ch" forName="ParentText" refType="h" fact="0.32"/>
+              <dgm:constr type="w" for="ch" forName="ParentText" refType="w" fact="0.901"/>
+              <dgm:constr type="h" for="ch" forName="ParentText" refType="h" fact="0.68"/>
+              <dgm:constr type="l" for="ch" forName="Triangle" refType="w" fact="0.83"/>
+              <dgm:constr type="t" for="ch" forName="Triangle" refType="h" fact="0"/>
+              <dgm:constr type="w" for="ch" forName="Triangle" refType="w" fact="0.17"/>
+              <dgm:constr type="h" for="ch" forName="Triangle" refType="w" refFor="ch" refForName="Triangle"/>
+            </dgm:constrLst>
+          </dgm:if>
+          <dgm:else name="Name5">
+            <dgm:constrLst>
+              <dgm:constr type="l" for="ch" forName="LShape" refType="w" fact="0.002"/>
+              <dgm:constr type="t" for="ch" forName="LShape" refType="h" fact="0.2347"/>
+              <dgm:constr type="w" for="ch" forName="LShape" refType="w"/>
+              <dgm:constr type="h" for="ch" forName="LShape" refType="h" fact="0.5164"/>
+              <dgm:constr type="l" for="ch" forName="ParentText" refType="w" fact="0"/>
+              <dgm:constr type="t" for="ch" forName="ParentText" refType="h" fact="0.32"/>
+              <dgm:constr type="w" for="ch" forName="ParentText" refType="w" fact="0.902"/>
+              <dgm:constr type="h" for="ch" forName="ParentText" refType="h" fact="0.68"/>
+              <dgm:constr type="l" for="ch" forName="Triangle" refType="w" fact="0"/>
+              <dgm:constr type="t" for="ch" forName="Triangle" refType="h" fact="0"/>
+              <dgm:constr type="w" for="ch" forName="Triangle" refType="w" fact="0.17"/>
+              <dgm:constr type="h" for="ch" forName="Triangle" refType="w" refFor="ch" refForName="Triangle"/>
+            </dgm:constrLst>
+          </dgm:else>
+        </dgm:choose>
+        <dgm:layoutNode name="LShape" styleLbl="alignNode1">
+          <dgm:alg type="sp"/>
+          <dgm:choose name="Name6">
+            <dgm:if name="Name7" func="var" arg="dir" op="equ" val="norm">
+              <dgm:shape xmlns:r="http://schemas.openxmlformats.org/officeDocument/2006/relationships" rot="90" type="corner" r:blip="">
+                <dgm:adjLst>
+                  <dgm:adj idx="1" val="0.1612"/>
+                  <dgm:adj idx="2" val="0.1611"/>
+                </dgm:adjLst>
+              </dgm:shape>
+            </dgm:if>
+            <dgm:else name="Name8">
+              <dgm:shape xmlns:r="http://schemas.openxmlformats.org/officeDocument/2006/relationships" rot="180" type="corner" r:blip="">
+                <dgm:adjLst>
+                  <dgm:adj idx="1" val="0.1612"/>
+                  <dgm:adj idx="2" val="0.1611"/>
+                </dgm:adjLst>
+              </dgm:shape>
+            </dgm:else>
+          </dgm:choose>
+          <dgm:presOf/>
+        </dgm:layoutNode>
+        <dgm:layoutNode name="ParentText" styleLbl="revTx">
+          <dgm:varLst>
+            <dgm:chMax val="0"/>
+            <dgm:chPref val="0"/>
+            <dgm:bulletEnabled val="1"/>
+          </dgm:varLst>
+          <dgm:alg type="tx">
+            <dgm:param type="parTxLTRAlign" val="l"/>
+            <dgm:param type="txAnchorVert" val="t"/>
+          </dgm:alg>
+          <dgm:shape xmlns:r="http://schemas.openxmlformats.org/officeDocument/2006/relationships" type="rect" r:blip="">
+            <dgm:adjLst/>
+          </dgm:shape>
+          <dgm:presOf axis="desOrSelf" ptType="node"/>
+          <dgm:constrLst>
+            <dgm:constr type="lMarg" refType="primFontSz" fact="0.3"/>
+            <dgm:constr type="rMarg" refType="primFontSz" fact="0.3"/>
+            <dgm:constr type="tMarg" refType="primFontSz" fact="0.3"/>
+            <dgm:constr type="bMarg" refType="primFontSz" fact="0.3"/>
+          </dgm:constrLst>
+          <dgm:ruleLst>
+            <dgm:rule type="primFontSz" val="5" fact="NaN" max="NaN"/>
+          </dgm:ruleLst>
+        </dgm:layoutNode>
+        <dgm:choose name="Name9">
+          <dgm:if name="Name10" axis="followSib" ptType="node" func="cnt" op="gte" val="1">
+            <dgm:layoutNode name="Triangle" styleLbl="alignNode1">
+              <dgm:alg type="sp"/>
+              <dgm:choose name="Name11">
+                <dgm:if name="Name12" func="var" arg="dir" op="equ" val="norm">
+                  <dgm:shape xmlns:r="http://schemas.openxmlformats.org/officeDocument/2006/relationships" type="triangle" r:blip="">
+                    <dgm:adjLst>
+                      <dgm:adj idx="1" val="1"/>
+                    </dgm:adjLst>
+                  </dgm:shape>
+                </dgm:if>
+                <dgm:else name="Name13">
+                  <dgm:shape xmlns:r="http://schemas.openxmlformats.org/officeDocument/2006/relationships" rot="90" type="triangle" r:blip="">
+                    <dgm:adjLst>
+                      <dgm:adj idx="1" val="1"/>
+                    </dgm:adjLst>
+                  </dgm:shape>
+                </dgm:else>
+              </dgm:choose>
+              <dgm:presOf/>
+            </dgm:layoutNode>
+          </dgm:if>
+          <dgm:else name="Name14"/>
+        </dgm:choose>
+      </dgm:layoutNode>
+      <dgm:forEach name="sibTransForEach" axis="followSib" ptType="sibTrans" cnt="1">
+        <dgm:layoutNode name="sibTrans">
+          <dgm:alg type="composite">
+            <dgm:param type="ar" val="0.861"/>
+          </dgm:alg>
+          <dgm:constrLst>
+            <dgm:constr type="w" for="ch" forName="space" refType="w"/>
+            <dgm:constr type="h" for="ch" forName="space" refType="w"/>
+          </dgm:constrLst>
+          <dgm:layoutNode name="space" styleLbl="alignNode1">
+            <dgm:alg type="sp"/>
+            <dgm:shape xmlns:r="http://schemas.openxmlformats.org/officeDocument/2006/relationships" r:blip="">
+              <dgm:adjLst/>
+            </dgm:shape>
+            <dgm:presOf/>
+          </dgm:layoutNode>
+        </dgm:layoutNode>
+      </dgm:forEach>
+    </dgm:forEach>
+  </dgm:layoutNode>
+</dgm:layoutDef>
+</file>
+
+<file path=ppt/diagrams/layout2.xml><?xml version="1.0" encoding="utf-8"?>
 <dgm:layoutDef xmlns:dgm="http://schemas.openxmlformats.org/drawingml/2006/diagram" xmlns:a="http://schemas.openxmlformats.org/drawingml/2006/main" uniqueId="urn:microsoft.com/office/officeart/2005/8/layout/process3">
   <dgm:title val=""/>
   <dgm:desc val=""/>
@@ -5338,6 +7541,1040 @@
 </dgm:styleDef>
 </file>
 
+<file path=ppt/diagrams/quickStyle2.xml><?xml version="1.0" encoding="utf-8"?>
+<dgm:styleDef xmlns:dgm="http://schemas.openxmlformats.org/drawingml/2006/diagram" xmlns:a="http://schemas.openxmlformats.org/drawingml/2006/main" uniqueId="urn:microsoft.com/office/officeart/2005/8/quickstyle/simple1">
+  <dgm:title val=""/>
+  <dgm:desc val=""/>
+  <dgm:catLst>
+    <dgm:cat type="simple" pri="10100"/>
+  </dgm:catLst>
+  <dgm:scene3d>
+    <a:camera prst="orthographicFront"/>
+    <a:lightRig rig="threePt" dir="t"/>
+  </dgm:scene3d>
+  <dgm:styleLbl name="node0">
+    <dgm:scene3d>
+      <a:camera prst="orthographicFront"/>
+      <a:lightRig rig="threePt" dir="t"/>
+    </dgm:scene3d>
+    <dgm:sp3d/>
+    <dgm:txPr/>
+    <dgm:style>
+      <a:lnRef idx="2">
+        <a:scrgbClr r="0" g="0" b="0"/>
+      </a:lnRef>
+      <a:fillRef idx="1">
+        <a:scrgbClr r="0" g="0" b="0"/>
+      </a:fillRef>
+      <a:effectRef idx="0">
+        <a:scrgbClr r="0" g="0" b="0"/>
+      </a:effectRef>
+      <a:fontRef idx="minor">
+        <a:schemeClr val="lt1"/>
+      </a:fontRef>
+    </dgm:style>
+  </dgm:styleLbl>
+  <dgm:styleLbl name="lnNode1">
+    <dgm:scene3d>
+      <a:camera prst="orthographicFront"/>
+      <a:lightRig rig="threePt" dir="t"/>
+    </dgm:scene3d>
+    <dgm:sp3d/>
+    <dgm:txPr/>
+    <dgm:style>
+      <a:lnRef idx="2">
+        <a:scrgbClr r="0" g="0" b="0"/>
+      </a:lnRef>
+      <a:fillRef idx="1">
+        <a:scrgbClr r="0" g="0" b="0"/>
+      </a:fillRef>
+      <a:effectRef idx="0">
+        <a:scrgbClr r="0" g="0" b="0"/>
+      </a:effectRef>
+      <a:fontRef idx="minor">
+        <a:schemeClr val="lt1"/>
+      </a:fontRef>
+    </dgm:style>
+  </dgm:styleLbl>
+  <dgm:styleLbl name="vennNode1">
+    <dgm:scene3d>
+      <a:camera prst="orthographicFront"/>
+      <a:lightRig rig="threePt" dir="t"/>
+    </dgm:scene3d>
+    <dgm:sp3d/>
+    <dgm:txPr/>
+    <dgm:style>
+      <a:lnRef idx="2">
+        <a:scrgbClr r="0" g="0" b="0"/>
+      </a:lnRef>
+      <a:fillRef idx="1">
+        <a:scrgbClr r="0" g="0" b="0"/>
+      </a:fillRef>
+      <a:effectRef idx="0">
+        <a:scrgbClr r="0" g="0" b="0"/>
+      </a:effectRef>
+      <a:fontRef idx="minor">
+        <a:schemeClr val="tx1"/>
+      </a:fontRef>
+    </dgm:style>
+  </dgm:styleLbl>
+  <dgm:styleLbl name="alignNode1">
+    <dgm:scene3d>
+      <a:camera prst="orthographicFront"/>
+      <a:lightRig rig="threePt" dir="t"/>
+    </dgm:scene3d>
+    <dgm:sp3d/>
+    <dgm:txPr/>
+    <dgm:style>
+      <a:lnRef idx="2">
+        <a:scrgbClr r="0" g="0" b="0"/>
+      </a:lnRef>
+      <a:fillRef idx="1">
+        <a:scrgbClr r="0" g="0" b="0"/>
+      </a:fillRef>
+      <a:effectRef idx="0">
+        <a:scrgbClr r="0" g="0" b="0"/>
+      </a:effectRef>
+      <a:fontRef idx="minor">
+        <a:schemeClr val="lt1"/>
+      </a:fontRef>
+    </dgm:style>
+  </dgm:styleLbl>
+  <dgm:styleLbl name="node1">
+    <dgm:scene3d>
+      <a:camera prst="orthographicFront"/>
+      <a:lightRig rig="threePt" dir="t"/>
+    </dgm:scene3d>
+    <dgm:sp3d/>
+    <dgm:txPr/>
+    <dgm:style>
+      <a:lnRef idx="2">
+        <a:scrgbClr r="0" g="0" b="0"/>
+      </a:lnRef>
+      <a:fillRef idx="1">
+        <a:scrgbClr r="0" g="0" b="0"/>
+      </a:fillRef>
+      <a:effectRef idx="0">
+        <a:scrgbClr r="0" g="0" b="0"/>
+      </a:effectRef>
+      <a:fontRef idx="minor">
+        <a:schemeClr val="lt1"/>
+      </a:fontRef>
+    </dgm:style>
+  </dgm:styleLbl>
+  <dgm:styleLbl name="node2">
+    <dgm:scene3d>
+      <a:camera prst="orthographicFront"/>
+      <a:lightRig rig="threePt" dir="t"/>
+    </dgm:scene3d>
+    <dgm:sp3d/>
+    <dgm:txPr/>
+    <dgm:style>
+      <a:lnRef idx="2">
+        <a:scrgbClr r="0" g="0" b="0"/>
+      </a:lnRef>
+      <a:fillRef idx="1">
+        <a:scrgbClr r="0" g="0" b="0"/>
+      </a:fillRef>
+      <a:effectRef idx="0">
+        <a:scrgbClr r="0" g="0" b="0"/>
+      </a:effectRef>
+      <a:fontRef idx="minor">
+        <a:schemeClr val="lt1"/>
+      </a:fontRef>
+    </dgm:style>
+  </dgm:styleLbl>
+  <dgm:styleLbl name="node3">
+    <dgm:scene3d>
+      <a:camera prst="orthographicFront"/>
+      <a:lightRig rig="threePt" dir="t"/>
+    </dgm:scene3d>
+    <dgm:sp3d/>
+    <dgm:txPr/>
+    <dgm:style>
+      <a:lnRef idx="2">
+        <a:scrgbClr r="0" g="0" b="0"/>
+      </a:lnRef>
+      <a:fillRef idx="1">
+        <a:scrgbClr r="0" g="0" b="0"/>
+      </a:fillRef>
+      <a:effectRef idx="0">
+        <a:scrgbClr r="0" g="0" b="0"/>
+      </a:effectRef>
+      <a:fontRef idx="minor">
+        <a:schemeClr val="lt1"/>
+      </a:fontRef>
+    </dgm:style>
+  </dgm:styleLbl>
+  <dgm:styleLbl name="node4">
+    <dgm:scene3d>
+      <a:camera prst="orthographicFront"/>
+      <a:lightRig rig="threePt" dir="t"/>
+    </dgm:scene3d>
+    <dgm:sp3d/>
+    <dgm:txPr/>
+    <dgm:style>
+      <a:lnRef idx="2">
+        <a:scrgbClr r="0" g="0" b="0"/>
+      </a:lnRef>
+      <a:fillRef idx="1">
+        <a:scrgbClr r="0" g="0" b="0"/>
+      </a:fillRef>
+      <a:effectRef idx="0">
+        <a:scrgbClr r="0" g="0" b="0"/>
+      </a:effectRef>
+      <a:fontRef idx="minor">
+        <a:schemeClr val="lt1"/>
+      </a:fontRef>
+    </dgm:style>
+  </dgm:styleLbl>
+  <dgm:styleLbl name="fgImgPlace1">
+    <dgm:scene3d>
+      <a:camera prst="orthographicFront"/>
+      <a:lightRig rig="threePt" dir="t"/>
+    </dgm:scene3d>
+    <dgm:sp3d/>
+    <dgm:txPr/>
+    <dgm:style>
+      <a:lnRef idx="2">
+        <a:scrgbClr r="0" g="0" b="0"/>
+      </a:lnRef>
+      <a:fillRef idx="1">
+        <a:scrgbClr r="0" g="0" b="0"/>
+      </a:fillRef>
+      <a:effectRef idx="0">
+        <a:scrgbClr r="0" g="0" b="0"/>
+      </a:effectRef>
+      <a:fontRef idx="minor"/>
+    </dgm:style>
+  </dgm:styleLbl>
+  <dgm:styleLbl name="alignImgPlace1">
+    <dgm:scene3d>
+      <a:camera prst="orthographicFront"/>
+      <a:lightRig rig="threePt" dir="t"/>
+    </dgm:scene3d>
+    <dgm:sp3d/>
+    <dgm:txPr/>
+    <dgm:style>
+      <a:lnRef idx="2">
+        <a:scrgbClr r="0" g="0" b="0"/>
+      </a:lnRef>
+      <a:fillRef idx="1">
+        <a:scrgbClr r="0" g="0" b="0"/>
+      </a:fillRef>
+      <a:effectRef idx="0">
+        <a:scrgbClr r="0" g="0" b="0"/>
+      </a:effectRef>
+      <a:fontRef idx="minor"/>
+    </dgm:style>
+  </dgm:styleLbl>
+  <dgm:styleLbl name="bgImgPlace1">
+    <dgm:scene3d>
+      <a:camera prst="orthographicFront"/>
+      <a:lightRig rig="threePt" dir="t"/>
+    </dgm:scene3d>
+    <dgm:sp3d/>
+    <dgm:txPr/>
+    <dgm:style>
+      <a:lnRef idx="2">
+        <a:scrgbClr r="0" g="0" b="0"/>
+      </a:lnRef>
+      <a:fillRef idx="1">
+        <a:scrgbClr r="0" g="0" b="0"/>
+      </a:fillRef>
+      <a:effectRef idx="0">
+        <a:scrgbClr r="0" g="0" b="0"/>
+      </a:effectRef>
+      <a:fontRef idx="minor"/>
+    </dgm:style>
+  </dgm:styleLbl>
+  <dgm:styleLbl name="sibTrans2D1">
+    <dgm:scene3d>
+      <a:camera prst="orthographicFront"/>
+      <a:lightRig rig="threePt" dir="t"/>
+    </dgm:scene3d>
+    <dgm:sp3d/>
+    <dgm:txPr/>
+    <dgm:style>
+      <a:lnRef idx="0">
+        <a:scrgbClr r="0" g="0" b="0"/>
+      </a:lnRef>
+      <a:fillRef idx="1">
+        <a:scrgbClr r="0" g="0" b="0"/>
+      </a:fillRef>
+      <a:effectRef idx="0">
+        <a:scrgbClr r="0" g="0" b="0"/>
+      </a:effectRef>
+      <a:fontRef idx="minor">
+        <a:schemeClr val="lt1"/>
+      </a:fontRef>
+    </dgm:style>
+  </dgm:styleLbl>
+  <dgm:styleLbl name="fgSibTrans2D1">
+    <dgm:scene3d>
+      <a:camera prst="orthographicFront"/>
+      <a:lightRig rig="threePt" dir="t"/>
+    </dgm:scene3d>
+    <dgm:sp3d/>
+    <dgm:txPr/>
+    <dgm:style>
+      <a:lnRef idx="0">
+        <a:scrgbClr r="0" g="0" b="0"/>
+      </a:lnRef>
+      <a:fillRef idx="1">
+        <a:scrgbClr r="0" g="0" b="0"/>
+      </a:fillRef>
+      <a:effectRef idx="0">
+        <a:scrgbClr r="0" g="0" b="0"/>
+      </a:effectRef>
+      <a:fontRef idx="minor">
+        <a:schemeClr val="lt1"/>
+      </a:fontRef>
+    </dgm:style>
+  </dgm:styleLbl>
+  <dgm:styleLbl name="bgSibTrans2D1">
+    <dgm:scene3d>
+      <a:camera prst="orthographicFront"/>
+      <a:lightRig rig="threePt" dir="t"/>
+    </dgm:scene3d>
+    <dgm:sp3d/>
+    <dgm:txPr/>
+    <dgm:style>
+      <a:lnRef idx="0">
+        <a:scrgbClr r="0" g="0" b="0"/>
+      </a:lnRef>
+      <a:fillRef idx="1">
+        <a:scrgbClr r="0" g="0" b="0"/>
+      </a:fillRef>
+      <a:effectRef idx="0">
+        <a:scrgbClr r="0" g="0" b="0"/>
+      </a:effectRef>
+      <a:fontRef idx="minor">
+        <a:schemeClr val="lt1"/>
+      </a:fontRef>
+    </dgm:style>
+  </dgm:styleLbl>
+  <dgm:styleLbl name="sibTrans1D1">
+    <dgm:scene3d>
+      <a:camera prst="orthographicFront"/>
+      <a:lightRig rig="threePt" dir="t"/>
+    </dgm:scene3d>
+    <dgm:sp3d/>
+    <dgm:txPr/>
+    <dgm:style>
+      <a:lnRef idx="1">
+        <a:scrgbClr r="0" g="0" b="0"/>
+      </a:lnRef>
+      <a:fillRef idx="0">
+        <a:scrgbClr r="0" g="0" b="0"/>
+      </a:fillRef>
+      <a:effectRef idx="0">
+        <a:scrgbClr r="0" g="0" b="0"/>
+      </a:effectRef>
+      <a:fontRef idx="minor"/>
+    </dgm:style>
+  </dgm:styleLbl>
+  <dgm:styleLbl name="callout">
+    <dgm:scene3d>
+      <a:camera prst="orthographicFront"/>
+      <a:lightRig rig="threePt" dir="t"/>
+    </dgm:scene3d>
+    <dgm:sp3d/>
+    <dgm:txPr/>
+    <dgm:style>
+      <a:lnRef idx="2">
+        <a:scrgbClr r="0" g="0" b="0"/>
+      </a:lnRef>
+      <a:fillRef idx="1">
+        <a:scrgbClr r="0" g="0" b="0"/>
+      </a:fillRef>
+      <a:effectRef idx="0">
+        <a:scrgbClr r="0" g="0" b="0"/>
+      </a:effectRef>
+      <a:fontRef idx="minor"/>
+    </dgm:style>
+  </dgm:styleLbl>
+  <dgm:styleLbl name="asst0">
+    <dgm:scene3d>
+      <a:camera prst="orthographicFront"/>
+      <a:lightRig rig="threePt" dir="t"/>
+    </dgm:scene3d>
+    <dgm:sp3d/>
+    <dgm:txPr/>
+    <dgm:style>
+      <a:lnRef idx="2">
+        <a:scrgbClr r="0" g="0" b="0"/>
+      </a:lnRef>
+      <a:fillRef idx="1">
+        <a:scrgbClr r="0" g="0" b="0"/>
+      </a:fillRef>
+      <a:effectRef idx="0">
+        <a:scrgbClr r="0" g="0" b="0"/>
+      </a:effectRef>
+      <a:fontRef idx="minor">
+        <a:schemeClr val="lt1"/>
+      </a:fontRef>
+    </dgm:style>
+  </dgm:styleLbl>
+  <dgm:styleLbl name="asst1">
+    <dgm:scene3d>
+      <a:camera prst="orthographicFront"/>
+      <a:lightRig rig="threePt" dir="t"/>
+    </dgm:scene3d>
+    <dgm:sp3d/>
+    <dgm:txPr/>
+    <dgm:style>
+      <a:lnRef idx="2">
+        <a:scrgbClr r="0" g="0" b="0"/>
+      </a:lnRef>
+      <a:fillRef idx="1">
+        <a:scrgbClr r="0" g="0" b="0"/>
+      </a:fillRef>
+      <a:effectRef idx="0">
+        <a:scrgbClr r="0" g="0" b="0"/>
+      </a:effectRef>
+      <a:fontRef idx="minor">
+        <a:schemeClr val="lt1"/>
+      </a:fontRef>
+    </dgm:style>
+  </dgm:styleLbl>
+  <dgm:styleLbl name="asst2">
+    <dgm:scene3d>
+      <a:camera prst="orthographicFront"/>
+      <a:lightRig rig="threePt" dir="t"/>
+    </dgm:scene3d>
+    <dgm:sp3d/>
+    <dgm:txPr/>
+    <dgm:style>
+      <a:lnRef idx="2">
+        <a:scrgbClr r="0" g="0" b="0"/>
+      </a:lnRef>
+      <a:fillRef idx="1">
+        <a:scrgbClr r="0" g="0" b="0"/>
+      </a:fillRef>
+      <a:effectRef idx="0">
+        <a:scrgbClr r="0" g="0" b="0"/>
+      </a:effectRef>
+      <a:fontRef idx="minor">
+        <a:schemeClr val="lt1"/>
+      </a:fontRef>
+    </dgm:style>
+  </dgm:styleLbl>
+  <dgm:styleLbl name="asst3">
+    <dgm:scene3d>
+      <a:camera prst="orthographicFront"/>
+      <a:lightRig rig="threePt" dir="t"/>
+    </dgm:scene3d>
+    <dgm:sp3d/>
+    <dgm:txPr/>
+    <dgm:style>
+      <a:lnRef idx="2">
+        <a:scrgbClr r="0" g="0" b="0"/>
+      </a:lnRef>
+      <a:fillRef idx="1">
+        <a:scrgbClr r="0" g="0" b="0"/>
+      </a:fillRef>
+      <a:effectRef idx="0">
+        <a:scrgbClr r="0" g="0" b="0"/>
+      </a:effectRef>
+      <a:fontRef idx="minor">
+        <a:schemeClr val="lt1"/>
+      </a:fontRef>
+    </dgm:style>
+  </dgm:styleLbl>
+  <dgm:styleLbl name="asst4">
+    <dgm:scene3d>
+      <a:camera prst="orthographicFront"/>
+      <a:lightRig rig="threePt" dir="t"/>
+    </dgm:scene3d>
+    <dgm:sp3d/>
+    <dgm:txPr/>
+    <dgm:style>
+      <a:lnRef idx="2">
+        <a:scrgbClr r="0" g="0" b="0"/>
+      </a:lnRef>
+      <a:fillRef idx="1">
+        <a:scrgbClr r="0" g="0" b="0"/>
+      </a:fillRef>
+      <a:effectRef idx="0">
+        <a:scrgbClr r="0" g="0" b="0"/>
+      </a:effectRef>
+      <a:fontRef idx="minor">
+        <a:schemeClr val="lt1"/>
+      </a:fontRef>
+    </dgm:style>
+  </dgm:styleLbl>
+  <dgm:styleLbl name="parChTrans2D1">
+    <dgm:scene3d>
+      <a:camera prst="orthographicFront"/>
+      <a:lightRig rig="threePt" dir="t"/>
+    </dgm:scene3d>
+    <dgm:sp3d/>
+    <dgm:txPr/>
+    <dgm:style>
+      <a:lnRef idx="2">
+        <a:scrgbClr r="0" g="0" b="0"/>
+      </a:lnRef>
+      <a:fillRef idx="1">
+        <a:scrgbClr r="0" g="0" b="0"/>
+      </a:fillRef>
+      <a:effectRef idx="0">
+        <a:scrgbClr r="0" g="0" b="0"/>
+      </a:effectRef>
+      <a:fontRef idx="minor">
+        <a:schemeClr val="lt1"/>
+      </a:fontRef>
+    </dgm:style>
+  </dgm:styleLbl>
+  <dgm:styleLbl name="parChTrans2D2">
+    <dgm:scene3d>
+      <a:camera prst="orthographicFront"/>
+      <a:lightRig rig="threePt" dir="t"/>
+    </dgm:scene3d>
+    <dgm:sp3d/>
+    <dgm:txPr/>
+    <dgm:style>
+      <a:lnRef idx="2">
+        <a:scrgbClr r="0" g="0" b="0"/>
+      </a:lnRef>
+      <a:fillRef idx="1">
+        <a:scrgbClr r="0" g="0" b="0"/>
+      </a:fillRef>
+      <a:effectRef idx="0">
+        <a:scrgbClr r="0" g="0" b="0"/>
+      </a:effectRef>
+      <a:fontRef idx="minor">
+        <a:schemeClr val="lt1"/>
+      </a:fontRef>
+    </dgm:style>
+  </dgm:styleLbl>
+  <dgm:styleLbl name="parChTrans2D3">
+    <dgm:scene3d>
+      <a:camera prst="orthographicFront"/>
+      <a:lightRig rig="threePt" dir="t"/>
+    </dgm:scene3d>
+    <dgm:sp3d/>
+    <dgm:txPr/>
+    <dgm:style>
+      <a:lnRef idx="2">
+        <a:scrgbClr r="0" g="0" b="0"/>
+      </a:lnRef>
+      <a:fillRef idx="1">
+        <a:scrgbClr r="0" g="0" b="0"/>
+      </a:fillRef>
+      <a:effectRef idx="0">
+        <a:scrgbClr r="0" g="0" b="0"/>
+      </a:effectRef>
+      <a:fontRef idx="minor">
+        <a:schemeClr val="lt1"/>
+      </a:fontRef>
+    </dgm:style>
+  </dgm:styleLbl>
+  <dgm:styleLbl name="parChTrans2D4">
+    <dgm:scene3d>
+      <a:camera prst="orthographicFront"/>
+      <a:lightRig rig="threePt" dir="t"/>
+    </dgm:scene3d>
+    <dgm:sp3d/>
+    <dgm:txPr/>
+    <dgm:style>
+      <a:lnRef idx="2">
+        <a:scrgbClr r="0" g="0" b="0"/>
+      </a:lnRef>
+      <a:fillRef idx="1">
+        <a:scrgbClr r="0" g="0" b="0"/>
+      </a:fillRef>
+      <a:effectRef idx="0">
+        <a:scrgbClr r="0" g="0" b="0"/>
+      </a:effectRef>
+      <a:fontRef idx="minor">
+        <a:schemeClr val="lt1"/>
+      </a:fontRef>
+    </dgm:style>
+  </dgm:styleLbl>
+  <dgm:styleLbl name="parChTrans1D1">
+    <dgm:scene3d>
+      <a:camera prst="orthographicFront"/>
+      <a:lightRig rig="threePt" dir="t"/>
+    </dgm:scene3d>
+    <dgm:sp3d/>
+    <dgm:txPr/>
+    <dgm:style>
+      <a:lnRef idx="2">
+        <a:scrgbClr r="0" g="0" b="0"/>
+      </a:lnRef>
+      <a:fillRef idx="0">
+        <a:scrgbClr r="0" g="0" b="0"/>
+      </a:fillRef>
+      <a:effectRef idx="0">
+        <a:scrgbClr r="0" g="0" b="0"/>
+      </a:effectRef>
+      <a:fontRef idx="minor"/>
+    </dgm:style>
+  </dgm:styleLbl>
+  <dgm:styleLbl name="parChTrans1D2">
+    <dgm:scene3d>
+      <a:camera prst="orthographicFront"/>
+      <a:lightRig rig="threePt" dir="t"/>
+    </dgm:scene3d>
+    <dgm:sp3d/>
+    <dgm:txPr/>
+    <dgm:style>
+      <a:lnRef idx="2">
+        <a:scrgbClr r="0" g="0" b="0"/>
+      </a:lnRef>
+      <a:fillRef idx="0">
+        <a:scrgbClr r="0" g="0" b="0"/>
+      </a:fillRef>
+      <a:effectRef idx="0">
+        <a:scrgbClr r="0" g="0" b="0"/>
+      </a:effectRef>
+      <a:fontRef idx="minor"/>
+    </dgm:style>
+  </dgm:styleLbl>
+  <dgm:styleLbl name="parChTrans1D3">
+    <dgm:scene3d>
+      <a:camera prst="orthographicFront"/>
+      <a:lightRig rig="threePt" dir="t"/>
+    </dgm:scene3d>
+    <dgm:sp3d/>
+    <dgm:txPr/>
+    <dgm:style>
+      <a:lnRef idx="2">
+        <a:scrgbClr r="0" g="0" b="0"/>
+      </a:lnRef>
+      <a:fillRef idx="0">
+        <a:scrgbClr r="0" g="0" b="0"/>
+      </a:fillRef>
+      <a:effectRef idx="0">
+        <a:scrgbClr r="0" g="0" b="0"/>
+      </a:effectRef>
+      <a:fontRef idx="minor"/>
+    </dgm:style>
+  </dgm:styleLbl>
+  <dgm:styleLbl name="parChTrans1D4">
+    <dgm:scene3d>
+      <a:camera prst="orthographicFront"/>
+      <a:lightRig rig="threePt" dir="t"/>
+    </dgm:scene3d>
+    <dgm:sp3d/>
+    <dgm:txPr/>
+    <dgm:style>
+      <a:lnRef idx="2">
+        <a:scrgbClr r="0" g="0" b="0"/>
+      </a:lnRef>
+      <a:fillRef idx="0">
+        <a:scrgbClr r="0" g="0" b="0"/>
+      </a:fillRef>
+      <a:effectRef idx="0">
+        <a:scrgbClr r="0" g="0" b="0"/>
+      </a:effectRef>
+      <a:fontRef idx="minor"/>
+    </dgm:style>
+  </dgm:styleLbl>
+  <dgm:styleLbl name="fgAcc1">
+    <dgm:scene3d>
+      <a:camera prst="orthographicFront"/>
+      <a:lightRig rig="threePt" dir="t"/>
+    </dgm:scene3d>
+    <dgm:sp3d/>
+    <dgm:txPr/>
+    <dgm:style>
+      <a:lnRef idx="2">
+        <a:scrgbClr r="0" g="0" b="0"/>
+      </a:lnRef>
+      <a:fillRef idx="1">
+        <a:scrgbClr r="0" g="0" b="0"/>
+      </a:fillRef>
+      <a:effectRef idx="0">
+        <a:scrgbClr r="0" g="0" b="0"/>
+      </a:effectRef>
+      <a:fontRef idx="minor"/>
+    </dgm:style>
+  </dgm:styleLbl>
+  <dgm:styleLbl name="conFgAcc1">
+    <dgm:scene3d>
+      <a:camera prst="orthographicFront"/>
+      <a:lightRig rig="threePt" dir="t"/>
+    </dgm:scene3d>
+    <dgm:sp3d/>
+    <dgm:txPr/>
+    <dgm:style>
+      <a:lnRef idx="2">
+        <a:scrgbClr r="0" g="0" b="0"/>
+      </a:lnRef>
+      <a:fillRef idx="1">
+        <a:scrgbClr r="0" g="0" b="0"/>
+      </a:fillRef>
+      <a:effectRef idx="0">
+        <a:scrgbClr r="0" g="0" b="0"/>
+      </a:effectRef>
+      <a:fontRef idx="minor"/>
+    </dgm:style>
+  </dgm:styleLbl>
+  <dgm:styleLbl name="alignAcc1">
+    <dgm:scene3d>
+      <a:camera prst="orthographicFront"/>
+      <a:lightRig rig="threePt" dir="t"/>
+    </dgm:scene3d>
+    <dgm:sp3d/>
+    <dgm:txPr/>
+    <dgm:style>
+      <a:lnRef idx="2">
+        <a:scrgbClr r="0" g="0" b="0"/>
+      </a:lnRef>
+      <a:fillRef idx="1">
+        <a:scrgbClr r="0" g="0" b="0"/>
+      </a:fillRef>
+      <a:effectRef idx="0">
+        <a:scrgbClr r="0" g="0" b="0"/>
+      </a:effectRef>
+      <a:fontRef idx="minor"/>
+    </dgm:style>
+  </dgm:styleLbl>
+  <dgm:styleLbl name="trAlignAcc1">
+    <dgm:scene3d>
+      <a:camera prst="orthographicFront"/>
+      <a:lightRig rig="threePt" dir="t"/>
+    </dgm:scene3d>
+    <dgm:sp3d/>
+    <dgm:txPr/>
+    <dgm:style>
+      <a:lnRef idx="1">
+        <a:scrgbClr r="0" g="0" b="0"/>
+      </a:lnRef>
+      <a:fillRef idx="1">
+        <a:scrgbClr r="0" g="0" b="0"/>
+      </a:fillRef>
+      <a:effectRef idx="0">
+        <a:scrgbClr r="0" g="0" b="0"/>
+      </a:effectRef>
+      <a:fontRef idx="minor"/>
+    </dgm:style>
+  </dgm:styleLbl>
+  <dgm:styleLbl name="bgAcc1">
+    <dgm:scene3d>
+      <a:camera prst="orthographicFront"/>
+      <a:lightRig rig="threePt" dir="t"/>
+    </dgm:scene3d>
+    <dgm:sp3d/>
+    <dgm:txPr/>
+    <dgm:style>
+      <a:lnRef idx="2">
+        <a:scrgbClr r="0" g="0" b="0"/>
+      </a:lnRef>
+      <a:fillRef idx="1">
+        <a:scrgbClr r="0" g="0" b="0"/>
+      </a:fillRef>
+      <a:effectRef idx="0">
+        <a:scrgbClr r="0" g="0" b="0"/>
+      </a:effectRef>
+      <a:fontRef idx="minor"/>
+    </dgm:style>
+  </dgm:styleLbl>
+  <dgm:styleLbl name="solidFgAcc1">
+    <dgm:scene3d>
+      <a:camera prst="orthographicFront"/>
+      <a:lightRig rig="threePt" dir="t"/>
+    </dgm:scene3d>
+    <dgm:sp3d/>
+    <dgm:txPr/>
+    <dgm:style>
+      <a:lnRef idx="2">
+        <a:scrgbClr r="0" g="0" b="0"/>
+      </a:lnRef>
+      <a:fillRef idx="1">
+        <a:scrgbClr r="0" g="0" b="0"/>
+      </a:fillRef>
+      <a:effectRef idx="0">
+        <a:scrgbClr r="0" g="0" b="0"/>
+      </a:effectRef>
+      <a:fontRef idx="minor"/>
+    </dgm:style>
+  </dgm:styleLbl>
+  <dgm:styleLbl name="solidAlignAcc1">
+    <dgm:scene3d>
+      <a:camera prst="orthographicFront"/>
+      <a:lightRig rig="threePt" dir="t"/>
+    </dgm:scene3d>
+    <dgm:sp3d/>
+    <dgm:txPr/>
+    <dgm:style>
+      <a:lnRef idx="2">
+        <a:scrgbClr r="0" g="0" b="0"/>
+      </a:lnRef>
+      <a:fillRef idx="1">
+        <a:scrgbClr r="0" g="0" b="0"/>
+      </a:fillRef>
+      <a:effectRef idx="0">
+        <a:scrgbClr r="0" g="0" b="0"/>
+      </a:effectRef>
+      <a:fontRef idx="minor"/>
+    </dgm:style>
+  </dgm:styleLbl>
+  <dgm:styleLbl name="solidBgAcc1">
+    <dgm:scene3d>
+      <a:camera prst="orthographicFront"/>
+      <a:lightRig rig="threePt" dir="t"/>
+    </dgm:scene3d>
+    <dgm:sp3d/>
+    <dgm:txPr/>
+    <dgm:style>
+      <a:lnRef idx="2">
+        <a:scrgbClr r="0" g="0" b="0"/>
+      </a:lnRef>
+      <a:fillRef idx="1">
+        <a:scrgbClr r="0" g="0" b="0"/>
+      </a:fillRef>
+      <a:effectRef idx="0">
+        <a:scrgbClr r="0" g="0" b="0"/>
+      </a:effectRef>
+      <a:fontRef idx="minor"/>
+    </dgm:style>
+  </dgm:styleLbl>
+  <dgm:styleLbl name="fgAccFollowNode1">
+    <dgm:scene3d>
+      <a:camera prst="orthographicFront"/>
+      <a:lightRig rig="threePt" dir="t"/>
+    </dgm:scene3d>
+    <dgm:sp3d/>
+    <dgm:txPr/>
+    <dgm:style>
+      <a:lnRef idx="2">
+        <a:scrgbClr r="0" g="0" b="0"/>
+      </a:lnRef>
+      <a:fillRef idx="1">
+        <a:scrgbClr r="0" g="0" b="0"/>
+      </a:fillRef>
+      <a:effectRef idx="0">
+        <a:scrgbClr r="0" g="0" b="0"/>
+      </a:effectRef>
+      <a:fontRef idx="minor"/>
+    </dgm:style>
+  </dgm:styleLbl>
+  <dgm:styleLbl name="alignAccFollowNode1">
+    <dgm:scene3d>
+      <a:camera prst="orthographicFront"/>
+      <a:lightRig rig="threePt" dir="t"/>
+    </dgm:scene3d>
+    <dgm:sp3d/>
+    <dgm:txPr/>
+    <dgm:style>
+      <a:lnRef idx="2">
+        <a:scrgbClr r="0" g="0" b="0"/>
+      </a:lnRef>
+      <a:fillRef idx="1">
+        <a:scrgbClr r="0" g="0" b="0"/>
+      </a:fillRef>
+      <a:effectRef idx="0">
+        <a:scrgbClr r="0" g="0" b="0"/>
+      </a:effectRef>
+      <a:fontRef idx="minor"/>
+    </dgm:style>
+  </dgm:styleLbl>
+  <dgm:styleLbl name="bgAccFollowNode1">
+    <dgm:scene3d>
+      <a:camera prst="orthographicFront"/>
+      <a:lightRig rig="threePt" dir="t"/>
+    </dgm:scene3d>
+    <dgm:sp3d/>
+    <dgm:txPr/>
+    <dgm:style>
+      <a:lnRef idx="2">
+        <a:scrgbClr r="0" g="0" b="0"/>
+      </a:lnRef>
+      <a:fillRef idx="1">
+        <a:scrgbClr r="0" g="0" b="0"/>
+      </a:fillRef>
+      <a:effectRef idx="0">
+        <a:scrgbClr r="0" g="0" b="0"/>
+      </a:effectRef>
+      <a:fontRef idx="minor"/>
+    </dgm:style>
+  </dgm:styleLbl>
+  <dgm:styleLbl name="fgAcc0">
+    <dgm:scene3d>
+      <a:camera prst="orthographicFront"/>
+      <a:lightRig rig="threePt" dir="t"/>
+    </dgm:scene3d>
+    <dgm:sp3d/>
+    <dgm:txPr/>
+    <dgm:style>
+      <a:lnRef idx="2">
+        <a:scrgbClr r="0" g="0" b="0"/>
+      </a:lnRef>
+      <a:fillRef idx="1">
+        <a:scrgbClr r="0" g="0" b="0"/>
+      </a:fillRef>
+      <a:effectRef idx="0">
+        <a:scrgbClr r="0" g="0" b="0"/>
+      </a:effectRef>
+      <a:fontRef idx="minor"/>
+    </dgm:style>
+  </dgm:styleLbl>
+  <dgm:styleLbl name="fgAcc2">
+    <dgm:scene3d>
+      <a:camera prst="orthographicFront"/>
+      <a:lightRig rig="threePt" dir="t"/>
+    </dgm:scene3d>
+    <dgm:sp3d/>
+    <dgm:txPr/>
+    <dgm:style>
+      <a:lnRef idx="2">
+        <a:scrgbClr r="0" g="0" b="0"/>
+      </a:lnRef>
+      <a:fillRef idx="1">
+        <a:scrgbClr r="0" g="0" b="0"/>
+      </a:fillRef>
+      <a:effectRef idx="0">
+        <a:scrgbClr r="0" g="0" b="0"/>
+      </a:effectRef>
+      <a:fontRef idx="minor"/>
+    </dgm:style>
+  </dgm:styleLbl>
+  <dgm:styleLbl name="fgAcc3">
+    <dgm:scene3d>
+      <a:camera prst="orthographicFront"/>
+      <a:lightRig rig="threePt" dir="t"/>
+    </dgm:scene3d>
+    <dgm:sp3d/>
+    <dgm:txPr/>
+    <dgm:style>
+      <a:lnRef idx="2">
+        <a:scrgbClr r="0" g="0" b="0"/>
+      </a:lnRef>
+      <a:fillRef idx="1">
+        <a:scrgbClr r="0" g="0" b="0"/>
+      </a:fillRef>
+      <a:effectRef idx="0">
+        <a:scrgbClr r="0" g="0" b="0"/>
+      </a:effectRef>
+      <a:fontRef idx="minor"/>
+    </dgm:style>
+  </dgm:styleLbl>
+  <dgm:styleLbl name="fgAcc4">
+    <dgm:scene3d>
+      <a:camera prst="orthographicFront"/>
+      <a:lightRig rig="threePt" dir="t"/>
+    </dgm:scene3d>
+    <dgm:sp3d/>
+    <dgm:txPr/>
+    <dgm:style>
+      <a:lnRef idx="2">
+        <a:scrgbClr r="0" g="0" b="0"/>
+      </a:lnRef>
+      <a:fillRef idx="1">
+        <a:scrgbClr r="0" g="0" b="0"/>
+      </a:fillRef>
+      <a:effectRef idx="0">
+        <a:scrgbClr r="0" g="0" b="0"/>
+      </a:effectRef>
+      <a:fontRef idx="minor"/>
+    </dgm:style>
+  </dgm:styleLbl>
+  <dgm:styleLbl name="bgShp">
+    <dgm:scene3d>
+      <a:camera prst="orthographicFront"/>
+      <a:lightRig rig="threePt" dir="t"/>
+    </dgm:scene3d>
+    <dgm:sp3d/>
+    <dgm:txPr/>
+    <dgm:style>
+      <a:lnRef idx="0">
+        <a:scrgbClr r="0" g="0" b="0"/>
+      </a:lnRef>
+      <a:fillRef idx="1">
+        <a:scrgbClr r="0" g="0" b="0"/>
+      </a:fillRef>
+      <a:effectRef idx="0">
+        <a:scrgbClr r="0" g="0" b="0"/>
+      </a:effectRef>
+      <a:fontRef idx="minor"/>
+    </dgm:style>
+  </dgm:styleLbl>
+  <dgm:styleLbl name="dkBgShp">
+    <dgm:scene3d>
+      <a:camera prst="orthographicFront"/>
+      <a:lightRig rig="threePt" dir="t"/>
+    </dgm:scene3d>
+    <dgm:sp3d/>
+    <dgm:txPr/>
+    <dgm:style>
+      <a:lnRef idx="0">
+        <a:scrgbClr r="0" g="0" b="0"/>
+      </a:lnRef>
+      <a:fillRef idx="1">
+        <a:scrgbClr r="0" g="0" b="0"/>
+      </a:fillRef>
+      <a:effectRef idx="0">
+        <a:scrgbClr r="0" g="0" b="0"/>
+      </a:effectRef>
+      <a:fontRef idx="minor"/>
+    </dgm:style>
+  </dgm:styleLbl>
+  <dgm:styleLbl name="trBgShp">
+    <dgm:scene3d>
+      <a:camera prst="orthographicFront"/>
+      <a:lightRig rig="threePt" dir="t"/>
+    </dgm:scene3d>
+    <dgm:sp3d/>
+    <dgm:txPr/>
+    <dgm:style>
+      <a:lnRef idx="0">
+        <a:scrgbClr r="0" g="0" b="0"/>
+      </a:lnRef>
+      <a:fillRef idx="1">
+        <a:scrgbClr r="0" g="0" b="0"/>
+      </a:fillRef>
+      <a:effectRef idx="0">
+        <a:scrgbClr r="0" g="0" b="0"/>
+      </a:effectRef>
+      <a:fontRef idx="minor"/>
+    </dgm:style>
+  </dgm:styleLbl>
+  <dgm:styleLbl name="fgShp">
+    <dgm:scene3d>
+      <a:camera prst="orthographicFront"/>
+      <a:lightRig rig="threePt" dir="t"/>
+    </dgm:scene3d>
+    <dgm:sp3d/>
+    <dgm:txPr/>
+    <dgm:style>
+      <a:lnRef idx="2">
+        <a:scrgbClr r="0" g="0" b="0"/>
+      </a:lnRef>
+      <a:fillRef idx="1">
+        <a:scrgbClr r="0" g="0" b="0"/>
+      </a:fillRef>
+      <a:effectRef idx="0">
+        <a:scrgbClr r="0" g="0" b="0"/>
+      </a:effectRef>
+      <a:fontRef idx="minor"/>
+    </dgm:style>
+  </dgm:styleLbl>
+  <dgm:styleLbl name="revTx">
+    <dgm:scene3d>
+      <a:camera prst="orthographicFront"/>
+      <a:lightRig rig="threePt" dir="t"/>
+    </dgm:scene3d>
+    <dgm:sp3d/>
+    <dgm:txPr/>
+    <dgm:style>
+      <a:lnRef idx="0">
+        <a:scrgbClr r="0" g="0" b="0"/>
+      </a:lnRef>
+      <a:fillRef idx="0">
+        <a:scrgbClr r="0" g="0" b="0"/>
+      </a:fillRef>
+      <a:effectRef idx="0">
+        <a:scrgbClr r="0" g="0" b="0"/>
+      </a:effectRef>
+      <a:fontRef idx="minor"/>
+    </dgm:style>
+  </dgm:styleLbl>
+</dgm:styleDef>
+</file>
+
 <file path=ppt/notesMasters/notesMaster1.xml><?xml version="1.0" encoding="utf-8"?>
 <p:notesMaster xmlns:a="http://schemas.openxmlformats.org/drawingml/2006/main" xmlns:r="http://schemas.openxmlformats.org/officeDocument/2006/relationships" xmlns:p="http://schemas.openxmlformats.org/presentationml/2006/main">
   <p:cSld>
@@ -5731,6 +8968,61 @@
           <a:bodyPr/>
           <a:lstStyle/>
           <a:p>
+            <a:r>
+              <a:rPr lang="de-DE" dirty="0"/>
+              <a:t>Multi </a:t>
+            </a:r>
+            <a:r>
+              <a:rPr lang="de-DE" dirty="0" err="1"/>
+              <a:t>rule</a:t>
+            </a:r>
+            <a:r>
+              <a:rPr lang="de-DE" dirty="0"/>
+              <a:t> </a:t>
+            </a:r>
+            <a:r>
+              <a:rPr lang="de-DE" dirty="0" err="1"/>
+              <a:t>bias</a:t>
+            </a:r>
+            <a:r>
+              <a:rPr lang="de-DE" dirty="0"/>
+              <a:t>: </a:t>
+            </a:r>
+            <a:r>
+              <a:rPr lang="en-US" sz="1200" b="0" i="0" kern="1200" dirty="0">
+                <a:solidFill>
+                  <a:schemeClr val="tx1"/>
+                </a:solidFill>
+                <a:effectLst/>
+                <a:latin typeface="+mn-lt"/>
+                <a:ea typeface="+mn-ea"/>
+                <a:cs typeface="+mn-cs"/>
+              </a:rPr>
+              <a:t>Several classification rules are compared on </a:t>
+            </a:r>
+            <a:r>
+              <a:rPr lang="en-US" sz="1200" b="0" i="0" u="none" strike="noStrike" kern="1200" baseline="0" dirty="0">
+                <a:solidFill>
+                  <a:schemeClr val="tx1"/>
+                </a:solidFill>
+                <a:latin typeface="+mn-lt"/>
+                <a:ea typeface="+mn-ea"/>
+                <a:cs typeface="+mn-cs"/>
+              </a:rPr>
+              <a:t>datasets </a:t>
+            </a:r>
+            <a:r>
+              <a:rPr lang="en-US" sz="1200" b="0" i="0" kern="1200" dirty="0">
+                <a:solidFill>
+                  <a:schemeClr val="tx1"/>
+                </a:solidFill>
+                <a:effectLst/>
+                <a:latin typeface="+mn-lt"/>
+                <a:ea typeface="+mn-ea"/>
+                <a:cs typeface="+mn-cs"/>
+              </a:rPr>
+              <a:t>in order to demonstrate the advantage of a particular method</a:t>
+            </a:r>
             <a:endParaRPr lang="de-DE" dirty="0"/>
           </a:p>
         </p:txBody>
@@ -5752,7 +9044,7 @@
           <a:p>
             <a:fld id="{265F94CB-2124-4941-A4BA-BB07AF25F6E2}" type="slidenum">
               <a:rPr lang="de-DE" smtClean="0"/>
-              <a:t>4</a:t>
+              <a:t>2</a:t>
             </a:fld>
             <a:endParaRPr lang="de-DE"/>
           </a:p>
@@ -5761,7 +9053,7 @@
     </p:spTree>
     <p:extLst>
       <p:ext uri="{BB962C8B-B14F-4D97-AF65-F5344CB8AC3E}">
-        <p14:creationId xmlns:p14="http://schemas.microsoft.com/office/powerpoint/2010/main" val="3500271198"/>
+        <p14:creationId xmlns:p14="http://schemas.microsoft.com/office/powerpoint/2010/main" val="2186867242"/>
       </p:ext>
     </p:extLst>
   </p:cSld>
@@ -5815,9 +9107,20 @@
           <a:bodyPr/>
           <a:lstStyle/>
           <a:p>
+            <a:endParaRPr lang="de-DE" dirty="0"/>
+          </a:p>
+          <a:p>
             <a:r>
               <a:rPr lang="de-DE" dirty="0"/>
-              <a:t>Was wird gezeigt:</a:t>
+              <a:t>Experimental </a:t>
+            </a:r>
+            <a:r>
+              <a:rPr lang="de-DE" dirty="0" err="1"/>
+              <a:t>datasets</a:t>
+            </a:r>
+            <a:r>
+              <a:rPr lang="de-DE" dirty="0"/>
+              <a:t>:</a:t>
             </a:r>
           </a:p>
           <a:p>
@@ -5848,31 +9151,7 @@
                 <a:ea typeface="+mn-ea"/>
                 <a:cs typeface="+mn-cs"/>
               </a:rPr>
-              <a:t>Average leave-one-out cross-validation estimate of classification error over the 500 replications of simulated        datasets for all the four methods (RF, SVM, LDA and </a:t>
-            </a:r>
-            <a:r>
-              <a:rPr lang="en-GB" sz="1200" kern="1200" dirty="0" err="1">
-                <a:solidFill>
-                  <a:schemeClr val="tx1"/>
-                </a:solidFill>
-                <a:effectLst/>
-                <a:latin typeface="+mn-lt"/>
-                <a:ea typeface="+mn-ea"/>
-                <a:cs typeface="+mn-cs"/>
-              </a:rPr>
-              <a:t>kNN</a:t>
-            </a:r>
-            <a:r>
-              <a:rPr lang="en-GB" sz="1200" kern="1200" dirty="0">
-                <a:solidFill>
-                  <a:schemeClr val="tx1"/>
-                </a:solidFill>
-                <a:effectLst/>
-                <a:latin typeface="+mn-lt"/>
-                <a:ea typeface="+mn-ea"/>
-                <a:cs typeface="+mn-cs"/>
-              </a:rPr>
-              <a:t>) plotted against the values of the various data characteristics</a:t>
+              <a:t>- bipolar gene-expression data from DNA microarrays</a:t>
             </a:r>
           </a:p>
           <a:p>
@@ -5903,181 +9182,50 @@
                 <a:ea typeface="+mn-ea"/>
                 <a:cs typeface="+mn-cs"/>
               </a:rPr>
-              <a:t>Other variables are fix, if not on the x-axis</a:t>
-            </a:r>
-            <a:endParaRPr lang="de-DE" dirty="0"/>
+              <a:t>- MRI brain imaging data (from Alzheimer disease Neuroimaging Initiative database)</a:t>
+            </a:r>
           </a:p>
           <a:p>
-            <a:endParaRPr lang="de-DE" dirty="0"/>
-          </a:p>
-          <a:p>
-            <a:r>
-              <a:rPr lang="de-DE" dirty="0"/>
-              <a:t>Je geringer </a:t>
-            </a:r>
-            <a:r>
-              <a:rPr lang="de-DE" dirty="0" err="1"/>
-              <a:t>average</a:t>
-            </a:r>
-            <a:r>
-              <a:rPr lang="de-DE" dirty="0"/>
-              <a:t> </a:t>
-            </a:r>
-            <a:r>
-              <a:rPr lang="de-DE" dirty="0" err="1"/>
-              <a:t>error</a:t>
-            </a:r>
-            <a:r>
-              <a:rPr lang="de-DE" dirty="0"/>
-              <a:t> rate desto besser </a:t>
-            </a:r>
-            <a:r>
-              <a:rPr lang="de-DE" dirty="0" err="1"/>
-              <a:t>is</a:t>
-            </a:r>
-            <a:r>
-              <a:rPr lang="de-DE" dirty="0"/>
-              <a:t> Methode:</a:t>
-            </a:r>
-          </a:p>
-          <a:p>
-            <a:endParaRPr lang="de-DE" dirty="0"/>
-          </a:p>
-          <a:p>
-            <a:r>
-              <a:rPr lang="de-DE" dirty="0"/>
-              <a:t>Interpretation:</a:t>
-            </a:r>
-          </a:p>
-          <a:p>
-            <a:pPr marL="171450" indent="-171450">
+            <a:pPr marL="0" marR="0" lvl="0" indent="0" algn="l" defTabSz="914400" rtl="0" eaLnBrk="1" fontAlgn="auto" latinLnBrk="0" hangingPunct="1">
+              <a:lnSpc>
+                <a:spcPct val="100000"/>
+              </a:lnSpc>
+              <a:spcBef>
+                <a:spcPts val="0"/>
+              </a:spcBef>
+              <a:spcAft>
+                <a:spcPts val="0"/>
+              </a:spcAft>
+              <a:buClrTx/>
+              <a:buSzTx/>
               <a:buFontTx/>
-              <a:buChar char="-"/>
+              <a:buNone/>
+              <a:tabLst/>
+              <a:defRPr/>
             </a:pPr>
             <a:r>
-              <a:rPr lang="de-DE" sz="1200" b="0" i="0" u="none" strike="noStrike" kern="1200" baseline="0" dirty="0">
+              <a:rPr lang="en-GB" sz="1200" kern="1200" dirty="0">
                 <a:solidFill>
                   <a:schemeClr val="tx1"/>
                 </a:solidFill>
+                <a:effectLst/>
                 <a:latin typeface="+mn-lt"/>
                 <a:ea typeface="+mn-ea"/>
                 <a:cs typeface="+mn-cs"/>
               </a:rPr>
-              <a:t>optimal </a:t>
-            </a:r>
-            <a:r>
-              <a:rPr lang="en-US" sz="1200" b="0" i="0" u="none" strike="noStrike" kern="1200" baseline="0" dirty="0">
-                <a:solidFill>
-                  <a:schemeClr val="tx1"/>
-                </a:solidFill>
-                <a:latin typeface="+mn-lt"/>
-                <a:ea typeface="+mn-ea"/>
-                <a:cs typeface="+mn-cs"/>
-              </a:rPr>
-              <a:t>performance conditions for LDA, in which case it outperforms all the other methods studied here, are smaller feature set size (relative to training sample size) and higher correlation </a:t>
-            </a:r>
-            <a:r>
-              <a:rPr lang="de-DE" sz="1200" b="0" i="0" u="none" strike="noStrike" kern="1200" baseline="0" dirty="0">
-                <a:solidFill>
-                  <a:schemeClr val="tx1"/>
-                </a:solidFill>
-                <a:latin typeface="+mn-lt"/>
-                <a:ea typeface="+mn-ea"/>
-                <a:cs typeface="+mn-cs"/>
-              </a:rPr>
-              <a:t>(p&gt;0.6) </a:t>
-            </a:r>
-            <a:r>
-              <a:rPr lang="de-DE" sz="1200" b="0" i="0" u="none" strike="noStrike" kern="1200" baseline="0" dirty="0" err="1">
-                <a:solidFill>
-                  <a:schemeClr val="tx1"/>
-                </a:solidFill>
-                <a:latin typeface="+mn-lt"/>
-                <a:ea typeface="+mn-ea"/>
-                <a:cs typeface="+mn-cs"/>
-              </a:rPr>
-              <a:t>between</a:t>
-            </a:r>
-            <a:r>
-              <a:rPr lang="de-DE" sz="1200" b="0" i="0" u="none" strike="noStrike" kern="1200" baseline="0" dirty="0">
-                <a:solidFill>
-                  <a:schemeClr val="tx1"/>
-                </a:solidFill>
-                <a:latin typeface="+mn-lt"/>
-                <a:ea typeface="+mn-ea"/>
-                <a:cs typeface="+mn-cs"/>
-              </a:rPr>
-              <a:t> </a:t>
-            </a:r>
-            <a:r>
-              <a:rPr lang="de-DE" sz="1200" b="0" i="0" u="none" strike="noStrike" kern="1200" baseline="0" dirty="0" err="1">
-                <a:solidFill>
-                  <a:schemeClr val="tx1"/>
-                </a:solidFill>
-                <a:latin typeface="+mn-lt"/>
-                <a:ea typeface="+mn-ea"/>
-                <a:cs typeface="+mn-cs"/>
-              </a:rPr>
-              <a:t>features</a:t>
-            </a:r>
-            <a:endParaRPr lang="de-DE" sz="1200" b="0" i="0" u="none" strike="noStrike" kern="1200" baseline="0" dirty="0">
+              <a:t>- Measured brain activity derived from EEG system</a:t>
+            </a:r>
+            <a:endParaRPr lang="de-DE" sz="1200" kern="1200" dirty="0">
               <a:solidFill>
                 <a:schemeClr val="tx1"/>
               </a:solidFill>
+              <a:effectLst/>
               <a:latin typeface="+mn-lt"/>
               <a:ea typeface="+mn-ea"/>
               <a:cs typeface="+mn-cs"/>
             </a:endParaRPr>
           </a:p>
           <a:p>
-            <a:pPr marL="171450" indent="-171450">
-              <a:buFontTx/>
-              <a:buChar char="-"/>
-            </a:pPr>
-            <a:r>
-              <a:rPr lang="en-US" sz="1200" b="0" i="0" u="none" strike="noStrike" kern="1200" baseline="0" dirty="0">
-                <a:solidFill>
-                  <a:schemeClr val="tx1"/>
-                </a:solidFill>
-                <a:latin typeface="+mn-lt"/>
-                <a:ea typeface="+mn-ea"/>
-                <a:cs typeface="+mn-cs"/>
-              </a:rPr>
-              <a:t>As the feature set gets larger SVM outplays LDA and also performs better </a:t>
-            </a:r>
-            <a:r>
-              <a:rPr lang="de-DE" sz="1200" b="0" i="0" u="none" strike="noStrike" kern="1200" baseline="0" dirty="0" err="1">
-                <a:solidFill>
-                  <a:schemeClr val="tx1"/>
-                </a:solidFill>
-                <a:latin typeface="+mn-lt"/>
-                <a:ea typeface="+mn-ea"/>
-                <a:cs typeface="+mn-cs"/>
-              </a:rPr>
-              <a:t>than</a:t>
-            </a:r>
-            <a:r>
-              <a:rPr lang="de-DE" sz="1200" b="0" i="0" u="none" strike="noStrike" kern="1200" baseline="0" dirty="0">
-                <a:solidFill>
-                  <a:schemeClr val="tx1"/>
-                </a:solidFill>
-                <a:latin typeface="+mn-lt"/>
-                <a:ea typeface="+mn-ea"/>
-                <a:cs typeface="+mn-cs"/>
-              </a:rPr>
-              <a:t> RF and </a:t>
-            </a:r>
-            <a:r>
-              <a:rPr lang="de-DE" sz="1200" b="0" i="0" u="none" strike="noStrike" kern="1200" baseline="0" dirty="0" err="1">
-                <a:solidFill>
-                  <a:schemeClr val="tx1"/>
-                </a:solidFill>
-                <a:latin typeface="+mn-lt"/>
-                <a:ea typeface="+mn-ea"/>
-                <a:cs typeface="+mn-cs"/>
-              </a:rPr>
-              <a:t>kNN</a:t>
-            </a:r>
             <a:endParaRPr lang="de-DE" dirty="0"/>
           </a:p>
         </p:txBody>
@@ -6099,7 +9247,7 @@
           <a:p>
             <a:fld id="{265F94CB-2124-4941-A4BA-BB07AF25F6E2}" type="slidenum">
               <a:rPr lang="de-DE" smtClean="0"/>
-              <a:t>8</a:t>
+              <a:t>4</a:t>
             </a:fld>
             <a:endParaRPr lang="de-DE"/>
           </a:p>
@@ -6108,7 +9256,7 @@
     </p:spTree>
     <p:extLst>
       <p:ext uri="{BB962C8B-B14F-4D97-AF65-F5344CB8AC3E}">
-        <p14:creationId xmlns:p14="http://schemas.microsoft.com/office/powerpoint/2010/main" val="3043288199"/>
+        <p14:creationId xmlns:p14="http://schemas.microsoft.com/office/powerpoint/2010/main" val="2078784622"/>
       </p:ext>
     </p:extLst>
   </p:cSld>
@@ -6164,6 +9312,102 @@
           <a:p>
             <a:r>
               <a:rPr lang="de-DE" dirty="0"/>
+              <a:t>Was wird gezeigt:</a:t>
+            </a:r>
+          </a:p>
+          <a:p>
+            <a:pPr marL="0" marR="0" lvl="0" indent="0" algn="l" defTabSz="914400" rtl="0" eaLnBrk="1" fontAlgn="auto" latinLnBrk="0" hangingPunct="1">
+              <a:lnSpc>
+                <a:spcPct val="100000"/>
+              </a:lnSpc>
+              <a:spcBef>
+                <a:spcPts val="0"/>
+              </a:spcBef>
+              <a:spcAft>
+                <a:spcPts val="0"/>
+              </a:spcAft>
+              <a:buClrTx/>
+              <a:buSzTx/>
+              <a:buFontTx/>
+              <a:buNone/>
+              <a:tabLst/>
+              <a:defRPr/>
+            </a:pPr>
+            <a:r>
+              <a:rPr lang="en-GB" sz="1200" kern="1200" dirty="0">
+                <a:solidFill>
+                  <a:schemeClr val="tx1"/>
+                </a:solidFill>
+                <a:effectLst/>
+                <a:latin typeface="+mn-lt"/>
+                <a:ea typeface="+mn-ea"/>
+                <a:cs typeface="+mn-cs"/>
+              </a:rPr>
+              <a:t>Average leave-one-out cross-validation estimate of classification error over the 500 replications of simulated        datasets for all the four methods (RF, SVM, LDA and </a:t>
+            </a:r>
+            <a:r>
+              <a:rPr lang="en-GB" sz="1200" kern="1200" dirty="0" err="1">
+                <a:solidFill>
+                  <a:schemeClr val="tx1"/>
+                </a:solidFill>
+                <a:effectLst/>
+                <a:latin typeface="+mn-lt"/>
+                <a:ea typeface="+mn-ea"/>
+                <a:cs typeface="+mn-cs"/>
+              </a:rPr>
+              <a:t>kNN</a:t>
+            </a:r>
+            <a:r>
+              <a:rPr lang="en-GB" sz="1200" kern="1200" dirty="0">
+                <a:solidFill>
+                  <a:schemeClr val="tx1"/>
+                </a:solidFill>
+                <a:effectLst/>
+                <a:latin typeface="+mn-lt"/>
+                <a:ea typeface="+mn-ea"/>
+                <a:cs typeface="+mn-cs"/>
+              </a:rPr>
+              <a:t>) plotted against the values of the various data characteristics</a:t>
+            </a:r>
+          </a:p>
+          <a:p>
+            <a:pPr marL="0" marR="0" lvl="0" indent="0" algn="l" defTabSz="914400" rtl="0" eaLnBrk="1" fontAlgn="auto" latinLnBrk="0" hangingPunct="1">
+              <a:lnSpc>
+                <a:spcPct val="100000"/>
+              </a:lnSpc>
+              <a:spcBef>
+                <a:spcPts val="0"/>
+              </a:spcBef>
+              <a:spcAft>
+                <a:spcPts val="0"/>
+              </a:spcAft>
+              <a:buClrTx/>
+              <a:buSzTx/>
+              <a:buFontTx/>
+              <a:buNone/>
+              <a:tabLst/>
+              <a:defRPr/>
+            </a:pPr>
+            <a:r>
+              <a:rPr lang="en-GB" sz="1200" kern="1200" dirty="0">
+                <a:solidFill>
+                  <a:schemeClr val="tx1"/>
+                </a:solidFill>
+                <a:effectLst/>
+                <a:latin typeface="+mn-lt"/>
+                <a:ea typeface="+mn-ea"/>
+                <a:cs typeface="+mn-cs"/>
+              </a:rPr>
+              <a:t>Other variables are fix, if not on the x-axis</a:t>
+            </a:r>
+            <a:endParaRPr lang="de-DE" dirty="0"/>
+          </a:p>
+          <a:p>
+            <a:endParaRPr lang="de-DE" dirty="0"/>
+          </a:p>
+          <a:p>
+            <a:r>
+              <a:rPr lang="de-DE" dirty="0"/>
               <a:t>Je geringer </a:t>
             </a:r>
             <a:r>
@@ -6190,6 +9434,9 @@
               <a:rPr lang="de-DE" dirty="0"/>
               <a:t> Methode:</a:t>
             </a:r>
+          </a:p>
+          <a:p>
+            <a:endParaRPr lang="de-DE" dirty="0"/>
           </a:p>
           <a:p>
             <a:r>
@@ -6203,142 +9450,79 @@
               <a:buChar char="-"/>
             </a:pPr>
             <a:r>
-              <a:rPr lang="de-DE" dirty="0"/>
-              <a:t>SVM </a:t>
-            </a:r>
-            <a:r>
-              <a:rPr lang="de-DE" dirty="0" err="1"/>
-              <a:t>outperforming</a:t>
-            </a:r>
-            <a:r>
-              <a:rPr lang="de-DE" dirty="0"/>
+              <a:rPr lang="de-DE" sz="1200" b="0" i="0" u="none" strike="noStrike" kern="1200" baseline="0" dirty="0">
+                <a:solidFill>
+                  <a:schemeClr val="tx1"/>
+                </a:solidFill>
+                <a:latin typeface="+mn-lt"/>
+                <a:ea typeface="+mn-ea"/>
+                <a:cs typeface="+mn-cs"/>
+              </a:rPr>
+              <a:t>optimal </a:t>
+            </a:r>
+            <a:r>
+              <a:rPr lang="en-US" sz="1200" b="0" i="0" u="none" strike="noStrike" kern="1200" baseline="0" dirty="0">
+                <a:solidFill>
+                  <a:schemeClr val="tx1"/>
+                </a:solidFill>
+                <a:latin typeface="+mn-lt"/>
+                <a:ea typeface="+mn-ea"/>
+                <a:cs typeface="+mn-cs"/>
+              </a:rPr>
+              <a:t>performance conditions for LDA, in which case it outperforms all the other methods studied here, are smaller feature set size (relative to training sample size) and higher correlation </a:t>
+            </a:r>
+            <a:r>
+              <a:rPr lang="de-DE" sz="1200" b="0" i="0" u="none" strike="noStrike" kern="1200" baseline="0" dirty="0">
+                <a:solidFill>
+                  <a:schemeClr val="tx1"/>
+                </a:solidFill>
+                <a:latin typeface="+mn-lt"/>
+                <a:ea typeface="+mn-ea"/>
+                <a:cs typeface="+mn-cs"/>
+              </a:rPr>
+              <a:t>(p&gt;0.6) </a:t>
+            </a:r>
+            <a:r>
+              <a:rPr lang="de-DE" sz="1200" b="0" i="0" u="none" strike="noStrike" kern="1200" baseline="0" dirty="0" err="1">
+                <a:solidFill>
+                  <a:schemeClr val="tx1"/>
+                </a:solidFill>
+                <a:latin typeface="+mn-lt"/>
+                <a:ea typeface="+mn-ea"/>
+                <a:cs typeface="+mn-cs"/>
+              </a:rPr>
+              <a:t>between</a:t>
+            </a:r>
+            <a:r>
+              <a:rPr lang="de-DE" sz="1200" b="0" i="0" u="none" strike="noStrike" kern="1200" baseline="0" dirty="0">
+                <a:solidFill>
+                  <a:schemeClr val="tx1"/>
+                </a:solidFill>
+                <a:latin typeface="+mn-lt"/>
+                <a:ea typeface="+mn-ea"/>
+                <a:cs typeface="+mn-cs"/>
+              </a:rPr>
               <a:t> </a:t>
             </a:r>
             <a:r>
-              <a:rPr lang="de-DE" dirty="0" err="1"/>
-              <a:t>other</a:t>
-            </a:r>
-            <a:r>
-              <a:rPr lang="de-DE" dirty="0"/>
-              <a:t> </a:t>
-            </a:r>
-            <a:r>
-              <a:rPr lang="de-DE" dirty="0" err="1"/>
-              <a:t>methods</a:t>
-            </a:r>
-            <a:r>
-              <a:rPr lang="de-DE" dirty="0"/>
-              <a:t> </a:t>
-            </a:r>
-            <a:r>
-              <a:rPr lang="de-DE" dirty="0" err="1"/>
-              <a:t>by</a:t>
-            </a:r>
-            <a:r>
-              <a:rPr lang="de-DE" dirty="0"/>
-              <a:t> a </a:t>
-            </a:r>
-            <a:r>
-              <a:rPr lang="de-DE" dirty="0" err="1"/>
-              <a:t>clear</a:t>
-            </a:r>
-            <a:r>
-              <a:rPr lang="de-DE" dirty="0"/>
-              <a:t> </a:t>
-            </a:r>
-            <a:r>
-              <a:rPr lang="de-DE" dirty="0" err="1"/>
-              <a:t>margin</a:t>
-            </a:r>
-            <a:r>
-              <a:rPr lang="de-DE" dirty="0"/>
-              <a:t> with </a:t>
-            </a:r>
-            <a:r>
-              <a:rPr lang="de-DE" dirty="0" err="1"/>
-              <a:t>highest</a:t>
-            </a:r>
-            <a:r>
-              <a:rPr lang="de-DE" dirty="0"/>
-              <a:t> </a:t>
-            </a:r>
-            <a:r>
-              <a:rPr lang="de-DE" dirty="0" err="1"/>
-              <a:t>performence</a:t>
-            </a:r>
-            <a:r>
-              <a:rPr lang="de-DE" dirty="0"/>
-              <a:t> </a:t>
-            </a:r>
-            <a:r>
-              <a:rPr lang="de-DE" dirty="0" err="1"/>
-              <a:t>differece</a:t>
-            </a:r>
-            <a:r>
-              <a:rPr lang="de-DE" dirty="0"/>
-              <a:t> at </a:t>
-            </a:r>
-            <a:r>
-              <a:rPr lang="de-DE" dirty="0" err="1"/>
-              <a:t>higher</a:t>
-            </a:r>
-            <a:r>
-              <a:rPr lang="de-DE" dirty="0"/>
-              <a:t> </a:t>
-            </a:r>
-            <a:r>
-              <a:rPr lang="de-DE" dirty="0" err="1"/>
-              <a:t>data</a:t>
-            </a:r>
-            <a:r>
-              <a:rPr lang="de-DE" dirty="0"/>
-              <a:t> </a:t>
-            </a:r>
-            <a:r>
-              <a:rPr lang="de-DE" dirty="0" err="1"/>
-              <a:t>variability</a:t>
-            </a:r>
-            <a:r>
-              <a:rPr lang="de-DE" dirty="0"/>
-              <a:t>, </a:t>
-            </a:r>
-            <a:r>
-              <a:rPr lang="de-DE" dirty="0" err="1"/>
-              <a:t>sammler</a:t>
-            </a:r>
-            <a:r>
-              <a:rPr lang="de-DE" dirty="0"/>
-              <a:t> </a:t>
-            </a:r>
-            <a:r>
-              <a:rPr lang="de-DE" dirty="0" err="1"/>
-              <a:t>effect</a:t>
-            </a:r>
-            <a:r>
-              <a:rPr lang="de-DE" dirty="0"/>
-              <a:t> </a:t>
-            </a:r>
-            <a:r>
-              <a:rPr lang="de-DE" dirty="0" err="1"/>
-              <a:t>size</a:t>
-            </a:r>
-            <a:r>
-              <a:rPr lang="de-DE" dirty="0"/>
-              <a:t> and </a:t>
-            </a:r>
-            <a:r>
-              <a:rPr lang="de-DE" dirty="0" err="1"/>
-              <a:t>smaller</a:t>
-            </a:r>
-            <a:r>
-              <a:rPr lang="de-DE" dirty="0"/>
-              <a:t> </a:t>
-            </a:r>
-            <a:r>
-              <a:rPr lang="de-DE" dirty="0" err="1"/>
-              <a:t>correlation</a:t>
-            </a:r>
-            <a:endParaRPr lang="de-DE" dirty="0"/>
+              <a:rPr lang="de-DE" sz="1200" b="0" i="0" u="none" strike="noStrike" kern="1200" baseline="0" dirty="0" err="1">
+                <a:solidFill>
+                  <a:schemeClr val="tx1"/>
+                </a:solidFill>
+                <a:latin typeface="+mn-lt"/>
+                <a:ea typeface="+mn-ea"/>
+                <a:cs typeface="+mn-cs"/>
+              </a:rPr>
+              <a:t>features</a:t>
+            </a:r>
+            <a:endParaRPr lang="de-DE" sz="1200" b="0" i="0" u="none" strike="noStrike" kern="1200" baseline="0" dirty="0">
+              <a:solidFill>
+                <a:schemeClr val="tx1"/>
+              </a:solidFill>
+              <a:latin typeface="+mn-lt"/>
+              <a:ea typeface="+mn-ea"/>
+              <a:cs typeface="+mn-cs"/>
+            </a:endParaRPr>
           </a:p>
           <a:p>
             <a:pPr marL="171450" indent="-171450">
@@ -6346,136 +9530,48 @@
               <a:buChar char="-"/>
             </a:pPr>
             <a:r>
-              <a:rPr lang="de-DE" dirty="0" err="1"/>
+              <a:rPr lang="en-US" sz="1200" b="0" i="0" u="none" strike="noStrike" kern="1200" baseline="0" dirty="0">
+                <a:solidFill>
+                  <a:schemeClr val="tx1"/>
+                </a:solidFill>
+                <a:latin typeface="+mn-lt"/>
+                <a:ea typeface="+mn-ea"/>
+                <a:cs typeface="+mn-cs"/>
+              </a:rPr>
+              <a:t>As the feature set gets larger SVM outplays LDA and also performs better </a:t>
+            </a:r>
+            <a:r>
+              <a:rPr lang="de-DE" sz="1200" b="0" i="0" u="none" strike="noStrike" kern="1200" baseline="0" dirty="0" err="1">
+                <a:solidFill>
+                  <a:schemeClr val="tx1"/>
+                </a:solidFill>
+                <a:latin typeface="+mn-lt"/>
+                <a:ea typeface="+mn-ea"/>
+                <a:cs typeface="+mn-cs"/>
+              </a:rPr>
+              <a:t>than</a:t>
+            </a:r>
+            <a:r>
+              <a:rPr lang="de-DE" sz="1200" b="0" i="0" u="none" strike="noStrike" kern="1200" baseline="0" dirty="0">
+                <a:solidFill>
+                  <a:schemeClr val="tx1"/>
+                </a:solidFill>
+                <a:latin typeface="+mn-lt"/>
+                <a:ea typeface="+mn-ea"/>
+                <a:cs typeface="+mn-cs"/>
+              </a:rPr>
+              <a:t> RF and </a:t>
+            </a:r>
+            <a:r>
+              <a:rPr lang="de-DE" sz="1200" b="0" i="0" u="none" strike="noStrike" kern="1200" baseline="0" dirty="0" err="1">
+                <a:solidFill>
+                  <a:schemeClr val="tx1"/>
+                </a:solidFill>
+                <a:latin typeface="+mn-lt"/>
+                <a:ea typeface="+mn-ea"/>
+                <a:cs typeface="+mn-cs"/>
+              </a:rPr>
               <a:t>kNN</a:t>
-            </a:r>
-            <a:r>
-              <a:rPr lang="de-DE" dirty="0"/>
-              <a:t> </a:t>
-            </a:r>
-            <a:r>
-              <a:rPr lang="de-DE" dirty="0" err="1"/>
-              <a:t>improves</a:t>
-            </a:r>
-            <a:r>
-              <a:rPr lang="de-DE" dirty="0"/>
-              <a:t> </a:t>
-            </a:r>
-            <a:r>
-              <a:rPr lang="de-DE" dirty="0" err="1"/>
-              <a:t>as</a:t>
-            </a:r>
-            <a:r>
-              <a:rPr lang="de-DE" dirty="0"/>
-              <a:t> feature set </a:t>
-            </a:r>
-            <a:r>
-              <a:rPr lang="de-DE" dirty="0" err="1"/>
-              <a:t>size</a:t>
-            </a:r>
-            <a:r>
-              <a:rPr lang="de-DE" dirty="0"/>
-              <a:t> </a:t>
-            </a:r>
-            <a:r>
-              <a:rPr lang="de-DE" dirty="0" err="1"/>
-              <a:t>grows</a:t>
-            </a:r>
-            <a:r>
-              <a:rPr lang="de-DE" dirty="0"/>
-              <a:t> (</a:t>
-            </a:r>
-            <a:r>
-              <a:rPr lang="de-DE" dirty="0" err="1"/>
-              <a:t>outperformes</a:t>
-            </a:r>
-            <a:r>
-              <a:rPr lang="de-DE" dirty="0"/>
-              <a:t> LDA and RF) </a:t>
-            </a:r>
-            <a:r>
-              <a:rPr lang="de-DE" dirty="0" err="1"/>
-              <a:t>unless</a:t>
-            </a:r>
-            <a:r>
-              <a:rPr lang="de-DE" dirty="0"/>
-              <a:t> </a:t>
-            </a:r>
-            <a:r>
-              <a:rPr lang="de-DE" dirty="0" err="1"/>
-              <a:t>data</a:t>
-            </a:r>
-            <a:r>
-              <a:rPr lang="de-DE" dirty="0"/>
-              <a:t> </a:t>
-            </a:r>
-            <a:r>
-              <a:rPr lang="de-DE" dirty="0" err="1"/>
-              <a:t>variability</a:t>
-            </a:r>
-            <a:r>
-              <a:rPr lang="de-DE" dirty="0"/>
-              <a:t> </a:t>
-            </a:r>
-            <a:r>
-              <a:rPr lang="de-DE" dirty="0" err="1"/>
-              <a:t>it</a:t>
-            </a:r>
-            <a:r>
-              <a:rPr lang="de-DE" dirty="0"/>
-              <a:t> </a:t>
-            </a:r>
-            <a:r>
-              <a:rPr lang="de-DE" dirty="0" err="1"/>
-              <a:t>too</a:t>
-            </a:r>
-            <a:r>
-              <a:rPr lang="de-DE" dirty="0"/>
-              <a:t> high and/</a:t>
-            </a:r>
-            <a:r>
-              <a:rPr lang="de-DE" dirty="0" err="1"/>
-              <a:t>or</a:t>
-            </a:r>
-            <a:r>
-              <a:rPr lang="de-DE" dirty="0"/>
-              <a:t> </a:t>
-            </a:r>
-            <a:r>
-              <a:rPr lang="de-DE" dirty="0" err="1"/>
-              <a:t>effect</a:t>
-            </a:r>
-            <a:r>
-              <a:rPr lang="de-DE" dirty="0"/>
-              <a:t> </a:t>
-            </a:r>
-            <a:r>
-              <a:rPr lang="de-DE" dirty="0" err="1"/>
-              <a:t>size</a:t>
-            </a:r>
-            <a:r>
-              <a:rPr lang="de-DE" dirty="0"/>
-              <a:t> </a:t>
-            </a:r>
-            <a:r>
-              <a:rPr lang="de-DE" dirty="0" err="1"/>
-              <a:t>is</a:t>
-            </a:r>
-            <a:r>
-              <a:rPr lang="de-DE" dirty="0"/>
-              <a:t> </a:t>
-            </a:r>
-            <a:r>
-              <a:rPr lang="de-DE" dirty="0" err="1"/>
-              <a:t>too</a:t>
-            </a:r>
-            <a:r>
-              <a:rPr lang="de-DE" dirty="0"/>
-              <a:t> </a:t>
-            </a:r>
-            <a:r>
-              <a:rPr lang="de-DE" dirty="0" err="1"/>
-              <a:t>small</a:t>
             </a:r>
             <a:endParaRPr lang="de-DE" dirty="0"/>
           </a:p>
@@ -6498,7 +9594,406 @@
           <a:p>
             <a:fld id="{265F94CB-2124-4941-A4BA-BB07AF25F6E2}" type="slidenum">
               <a:rPr lang="de-DE" smtClean="0"/>
-              <a:t>9</a:t>
+              <a:t>7</a:t>
+            </a:fld>
+            <a:endParaRPr lang="de-DE"/>
+          </a:p>
+        </p:txBody>
+      </p:sp>
+    </p:spTree>
+    <p:extLst>
+      <p:ext uri="{BB962C8B-B14F-4D97-AF65-F5344CB8AC3E}">
+        <p14:creationId xmlns:p14="http://schemas.microsoft.com/office/powerpoint/2010/main" val="3043288199"/>
+      </p:ext>
+    </p:extLst>
+  </p:cSld>
+  <p:clrMapOvr>
+    <a:masterClrMapping/>
+  </p:clrMapOvr>
+</p:notes>
+</file>
+
+<file path=ppt/notesSlides/notesSlide4.xml><?xml version="1.0" encoding="utf-8"?>
+<p:notes xmlns:a="http://schemas.openxmlformats.org/drawingml/2006/main" xmlns:r="http://schemas.openxmlformats.org/officeDocument/2006/relationships" xmlns:p="http://schemas.openxmlformats.org/presentationml/2006/main">
+  <p:cSld>
+    <p:spTree>
+      <p:nvGrpSpPr>
+        <p:cNvPr id="1" name=""/>
+        <p:cNvGrpSpPr/>
+        <p:nvPr/>
+      </p:nvGrpSpPr>
+      <p:grpSpPr>
+        <a:xfrm>
+          <a:off x="0" y="0"/>
+          <a:ext cx="0" cy="0"/>
+          <a:chOff x="0" y="0"/>
+          <a:chExt cx="0" cy="0"/>
+        </a:xfrm>
+      </p:grpSpPr>
+      <p:sp>
+        <p:nvSpPr>
+          <p:cNvPr id="2" name="Folienbildplatzhalter 1"/>
+          <p:cNvSpPr>
+            <a:spLocks noGrp="1" noRot="1" noChangeAspect="1"/>
+          </p:cNvSpPr>
+          <p:nvPr>
+            <p:ph type="sldImg"/>
+          </p:nvPr>
+        </p:nvSpPr>
+        <p:spPr/>
+      </p:sp>
+      <p:sp>
+        <p:nvSpPr>
+          <p:cNvPr id="3" name="Notizenplatzhalter 2"/>
+          <p:cNvSpPr>
+            <a:spLocks noGrp="1"/>
+          </p:cNvSpPr>
+          <p:nvPr>
+            <p:ph type="body" idx="1"/>
+          </p:nvPr>
+        </p:nvSpPr>
+        <p:spPr/>
+        <p:txBody>
+          <a:bodyPr/>
+          <a:lstStyle/>
+          <a:p>
+            <a:r>
+              <a:rPr lang="de-DE" dirty="0"/>
+              <a:t>Je geringer </a:t>
+            </a:r>
+            <a:r>
+              <a:rPr lang="de-DE" dirty="0" err="1"/>
+              <a:t>average</a:t>
+            </a:r>
+            <a:r>
+              <a:rPr lang="de-DE" dirty="0"/>
+              <a:t> </a:t>
+            </a:r>
+            <a:r>
+              <a:rPr lang="de-DE" dirty="0" err="1"/>
+              <a:t>error</a:t>
+            </a:r>
+            <a:r>
+              <a:rPr lang="de-DE" dirty="0"/>
+              <a:t> rate desto besser </a:t>
+            </a:r>
+            <a:r>
+              <a:rPr lang="de-DE" dirty="0" err="1"/>
+              <a:t>is</a:t>
+            </a:r>
+            <a:r>
+              <a:rPr lang="de-DE" dirty="0"/>
+              <a:t> Methode:</a:t>
+            </a:r>
+          </a:p>
+          <a:p>
+            <a:r>
+              <a:rPr lang="de-DE" dirty="0"/>
+              <a:t>Interpretation:</a:t>
+            </a:r>
+          </a:p>
+          <a:p>
+            <a:pPr marL="171450" indent="-171450">
+              <a:buFontTx/>
+              <a:buChar char="-"/>
+            </a:pPr>
+            <a:r>
+              <a:rPr lang="de-DE" dirty="0"/>
+              <a:t>SVM </a:t>
+            </a:r>
+            <a:r>
+              <a:rPr lang="de-DE" dirty="0" err="1"/>
+              <a:t>outperforming</a:t>
+            </a:r>
+            <a:r>
+              <a:rPr lang="de-DE" dirty="0"/>
+              <a:t> </a:t>
+            </a:r>
+            <a:r>
+              <a:rPr lang="de-DE" dirty="0" err="1"/>
+              <a:t>other</a:t>
+            </a:r>
+            <a:r>
+              <a:rPr lang="de-DE" dirty="0"/>
+              <a:t> </a:t>
+            </a:r>
+            <a:r>
+              <a:rPr lang="de-DE" dirty="0" err="1"/>
+              <a:t>methods</a:t>
+            </a:r>
+            <a:r>
+              <a:rPr lang="de-DE" dirty="0"/>
+              <a:t> </a:t>
+            </a:r>
+            <a:r>
+              <a:rPr lang="de-DE" dirty="0" err="1"/>
+              <a:t>by</a:t>
+            </a:r>
+            <a:r>
+              <a:rPr lang="de-DE" dirty="0"/>
+              <a:t> a </a:t>
+            </a:r>
+            <a:r>
+              <a:rPr lang="de-DE" dirty="0" err="1"/>
+              <a:t>clear</a:t>
+            </a:r>
+            <a:r>
+              <a:rPr lang="de-DE" dirty="0"/>
+              <a:t> </a:t>
+            </a:r>
+            <a:r>
+              <a:rPr lang="de-DE" dirty="0" err="1"/>
+              <a:t>margin</a:t>
+            </a:r>
+            <a:r>
+              <a:rPr lang="de-DE" dirty="0"/>
+              <a:t> with </a:t>
+            </a:r>
+            <a:r>
+              <a:rPr lang="de-DE" dirty="0" err="1"/>
+              <a:t>highest</a:t>
+            </a:r>
+            <a:r>
+              <a:rPr lang="de-DE" dirty="0"/>
+              <a:t> </a:t>
+            </a:r>
+            <a:r>
+              <a:rPr lang="de-DE" dirty="0" err="1"/>
+              <a:t>performence</a:t>
+            </a:r>
+            <a:r>
+              <a:rPr lang="de-DE" dirty="0"/>
+              <a:t> </a:t>
+            </a:r>
+            <a:r>
+              <a:rPr lang="de-DE" dirty="0" err="1"/>
+              <a:t>differece</a:t>
+            </a:r>
+            <a:r>
+              <a:rPr lang="de-DE" dirty="0"/>
+              <a:t> at </a:t>
+            </a:r>
+            <a:r>
+              <a:rPr lang="de-DE" dirty="0" err="1"/>
+              <a:t>higher</a:t>
+            </a:r>
+            <a:r>
+              <a:rPr lang="de-DE" dirty="0"/>
+              <a:t> </a:t>
+            </a:r>
+            <a:r>
+              <a:rPr lang="de-DE" dirty="0" err="1"/>
+              <a:t>data</a:t>
+            </a:r>
+            <a:r>
+              <a:rPr lang="de-DE" dirty="0"/>
+              <a:t> </a:t>
+            </a:r>
+            <a:r>
+              <a:rPr lang="de-DE" dirty="0" err="1"/>
+              <a:t>variability</a:t>
+            </a:r>
+            <a:r>
+              <a:rPr lang="de-DE" dirty="0"/>
+              <a:t>, </a:t>
+            </a:r>
+            <a:r>
+              <a:rPr lang="de-DE" dirty="0" err="1"/>
+              <a:t>sammler</a:t>
+            </a:r>
+            <a:r>
+              <a:rPr lang="de-DE" dirty="0"/>
+              <a:t> </a:t>
+            </a:r>
+            <a:r>
+              <a:rPr lang="de-DE" dirty="0" err="1"/>
+              <a:t>effect</a:t>
+            </a:r>
+            <a:r>
+              <a:rPr lang="de-DE" dirty="0"/>
+              <a:t> </a:t>
+            </a:r>
+            <a:r>
+              <a:rPr lang="de-DE" dirty="0" err="1"/>
+              <a:t>size</a:t>
+            </a:r>
+            <a:r>
+              <a:rPr lang="de-DE" dirty="0"/>
+              <a:t> and </a:t>
+            </a:r>
+            <a:r>
+              <a:rPr lang="de-DE" dirty="0" err="1"/>
+              <a:t>smaller</a:t>
+            </a:r>
+            <a:r>
+              <a:rPr lang="de-DE" dirty="0"/>
+              <a:t> </a:t>
+            </a:r>
+            <a:r>
+              <a:rPr lang="de-DE" dirty="0" err="1"/>
+              <a:t>correlation</a:t>
+            </a:r>
+            <a:endParaRPr lang="de-DE" dirty="0"/>
+          </a:p>
+          <a:p>
+            <a:pPr marL="171450" indent="-171450">
+              <a:buFontTx/>
+              <a:buChar char="-"/>
+            </a:pPr>
+            <a:r>
+              <a:rPr lang="de-DE" dirty="0" err="1"/>
+              <a:t>kNN</a:t>
+            </a:r>
+            <a:r>
+              <a:rPr lang="de-DE" dirty="0"/>
+              <a:t> </a:t>
+            </a:r>
+            <a:r>
+              <a:rPr lang="de-DE" dirty="0" err="1"/>
+              <a:t>improves</a:t>
+            </a:r>
+            <a:r>
+              <a:rPr lang="de-DE" dirty="0"/>
+              <a:t> </a:t>
+            </a:r>
+            <a:r>
+              <a:rPr lang="de-DE" dirty="0" err="1"/>
+              <a:t>as</a:t>
+            </a:r>
+            <a:r>
+              <a:rPr lang="de-DE" dirty="0"/>
+              <a:t> feature set </a:t>
+            </a:r>
+            <a:r>
+              <a:rPr lang="de-DE" dirty="0" err="1"/>
+              <a:t>size</a:t>
+            </a:r>
+            <a:r>
+              <a:rPr lang="de-DE" dirty="0"/>
+              <a:t> </a:t>
+            </a:r>
+            <a:r>
+              <a:rPr lang="de-DE" dirty="0" err="1"/>
+              <a:t>grows</a:t>
+            </a:r>
+            <a:r>
+              <a:rPr lang="de-DE" dirty="0"/>
+              <a:t> (</a:t>
+            </a:r>
+            <a:r>
+              <a:rPr lang="de-DE" dirty="0" err="1"/>
+              <a:t>outperformes</a:t>
+            </a:r>
+            <a:r>
+              <a:rPr lang="de-DE" dirty="0"/>
+              <a:t> LDA and RF) </a:t>
+            </a:r>
+            <a:r>
+              <a:rPr lang="de-DE" dirty="0" err="1"/>
+              <a:t>unless</a:t>
+            </a:r>
+            <a:r>
+              <a:rPr lang="de-DE" dirty="0"/>
+              <a:t> </a:t>
+            </a:r>
+            <a:r>
+              <a:rPr lang="de-DE" dirty="0" err="1"/>
+              <a:t>data</a:t>
+            </a:r>
+            <a:r>
+              <a:rPr lang="de-DE" dirty="0"/>
+              <a:t> </a:t>
+            </a:r>
+            <a:r>
+              <a:rPr lang="de-DE" dirty="0" err="1"/>
+              <a:t>variability</a:t>
+            </a:r>
+            <a:r>
+              <a:rPr lang="de-DE" dirty="0"/>
+              <a:t> </a:t>
+            </a:r>
+            <a:r>
+              <a:rPr lang="de-DE" dirty="0" err="1"/>
+              <a:t>it</a:t>
+            </a:r>
+            <a:r>
+              <a:rPr lang="de-DE" dirty="0"/>
+              <a:t> </a:t>
+            </a:r>
+            <a:r>
+              <a:rPr lang="de-DE" dirty="0" err="1"/>
+              <a:t>too</a:t>
+            </a:r>
+            <a:r>
+              <a:rPr lang="de-DE" dirty="0"/>
+              <a:t> high and/</a:t>
+            </a:r>
+            <a:r>
+              <a:rPr lang="de-DE" dirty="0" err="1"/>
+              <a:t>or</a:t>
+            </a:r>
+            <a:r>
+              <a:rPr lang="de-DE" dirty="0"/>
+              <a:t> </a:t>
+            </a:r>
+            <a:r>
+              <a:rPr lang="de-DE" dirty="0" err="1"/>
+              <a:t>effect</a:t>
+            </a:r>
+            <a:r>
+              <a:rPr lang="de-DE" dirty="0"/>
+              <a:t> </a:t>
+            </a:r>
+            <a:r>
+              <a:rPr lang="de-DE" dirty="0" err="1"/>
+              <a:t>size</a:t>
+            </a:r>
+            <a:r>
+              <a:rPr lang="de-DE" dirty="0"/>
+              <a:t> </a:t>
+            </a:r>
+            <a:r>
+              <a:rPr lang="de-DE" dirty="0" err="1"/>
+              <a:t>is</a:t>
+            </a:r>
+            <a:r>
+              <a:rPr lang="de-DE" dirty="0"/>
+              <a:t> </a:t>
+            </a:r>
+            <a:r>
+              <a:rPr lang="de-DE" dirty="0" err="1"/>
+              <a:t>too</a:t>
+            </a:r>
+            <a:r>
+              <a:rPr lang="de-DE" dirty="0"/>
+              <a:t> </a:t>
+            </a:r>
+            <a:r>
+              <a:rPr lang="de-DE" dirty="0" err="1"/>
+              <a:t>small</a:t>
+            </a:r>
+            <a:endParaRPr lang="de-DE" dirty="0"/>
+          </a:p>
+        </p:txBody>
+      </p:sp>
+      <p:sp>
+        <p:nvSpPr>
+          <p:cNvPr id="4" name="Foliennummernplatzhalter 3"/>
+          <p:cNvSpPr>
+            <a:spLocks noGrp="1"/>
+          </p:cNvSpPr>
+          <p:nvPr>
+            <p:ph type="sldNum" sz="quarter" idx="5"/>
+          </p:nvPr>
+        </p:nvSpPr>
+        <p:spPr/>
+        <p:txBody>
+          <a:bodyPr/>
+          <a:lstStyle/>
+          <a:p>
+            <a:fld id="{265F94CB-2124-4941-A4BA-BB07AF25F6E2}" type="slidenum">
+              <a:rPr lang="de-DE" smtClean="0"/>
+              <a:t>8</a:t>
             </a:fld>
             <a:endParaRPr lang="de-DE"/>
           </a:p>
@@ -6517,7 +10012,7 @@
 </p:notes>
 </file>
 
-<file path=ppt/notesSlides/notesSlide4.xml><?xml version="1.0" encoding="utf-8"?>
+<file path=ppt/notesSlides/notesSlide5.xml><?xml version="1.0" encoding="utf-8"?>
 <p:notes xmlns:a="http://schemas.openxmlformats.org/drawingml/2006/main" xmlns:r="http://schemas.openxmlformats.org/officeDocument/2006/relationships" xmlns:p="http://schemas.openxmlformats.org/presentationml/2006/main">
   <p:cSld>
     <p:spTree>
@@ -6801,7 +10296,7 @@
           <a:p>
             <a:fld id="{265F94CB-2124-4941-A4BA-BB07AF25F6E2}" type="slidenum">
               <a:rPr lang="de-DE" smtClean="0"/>
-              <a:t>10</a:t>
+              <a:t>9</a:t>
             </a:fld>
             <a:endParaRPr lang="de-DE"/>
           </a:p>
@@ -6820,7 +10315,7 @@
 </p:notes>
 </file>
 
-<file path=ppt/notesSlides/notesSlide5.xml><?xml version="1.0" encoding="utf-8"?>
+<file path=ppt/notesSlides/notesSlide6.xml><?xml version="1.0" encoding="utf-8"?>
 <p:notes xmlns:a="http://schemas.openxmlformats.org/drawingml/2006/main" xmlns:r="http://schemas.openxmlformats.org/officeDocument/2006/relationships" xmlns:p="http://schemas.openxmlformats.org/presentationml/2006/main">
   <p:cSld>
     <p:spTree>
@@ -7214,7 +10709,7 @@
           <a:p>
             <a:fld id="{265F94CB-2124-4941-A4BA-BB07AF25F6E2}" type="slidenum">
               <a:rPr lang="de-DE" smtClean="0"/>
-              <a:t>12</a:t>
+              <a:t>11</a:t>
             </a:fld>
             <a:endParaRPr lang="de-DE"/>
           </a:p>
@@ -10999,74 +14494,6 @@
 <file path=ppt/slides/slide10.xml><?xml version="1.0" encoding="utf-8"?>
 <p:sld xmlns:a="http://schemas.openxmlformats.org/drawingml/2006/main" xmlns:r="http://schemas.openxmlformats.org/officeDocument/2006/relationships" xmlns:p="http://schemas.openxmlformats.org/presentationml/2006/main">
   <p:cSld>
-    <p:bg>
-      <p:bgPr>
-        <a:solidFill>
-          <a:schemeClr val="bg1"/>
-        </a:solidFill>
-        <a:effectLst/>
-      </p:bgPr>
-    </p:bg>
-    <p:spTree>
-      <p:nvGrpSpPr>
-        <p:cNvPr id="1" name=""/>
-        <p:cNvGrpSpPr/>
-        <p:nvPr/>
-      </p:nvGrpSpPr>
-      <p:grpSpPr>
-        <a:xfrm>
-          <a:off x="0" y="0"/>
-          <a:ext cx="0" cy="0"/>
-          <a:chOff x="0" y="0"/>
-          <a:chExt cx="0" cy="0"/>
-        </a:xfrm>
-      </p:grpSpPr>
-      <p:pic>
-        <p:nvPicPr>
-          <p:cNvPr id="2" name="Grafik 1">
-            <a:extLst>
-              <a:ext uri="{FF2B5EF4-FFF2-40B4-BE49-F238E27FC236}">
-                <a16:creationId xmlns:a16="http://schemas.microsoft.com/office/drawing/2014/main" id="{DF9115CE-08F2-47FD-8F0D-485C679E4B00}"/>
-              </a:ext>
-            </a:extLst>
-          </p:cNvPr>
-          <p:cNvPicPr>
-            <a:picLocks noChangeAspect="1"/>
-          </p:cNvPicPr>
-          <p:nvPr/>
-        </p:nvPicPr>
-        <p:blipFill>
-          <a:blip r:embed="rId3"/>
-          <a:stretch>
-            <a:fillRect/>
-          </a:stretch>
-        </p:blipFill>
-        <p:spPr>
-          <a:xfrm>
-            <a:off x="2119445" y="643467"/>
-            <a:ext cx="7953109" cy="5050225"/>
-          </a:xfrm>
-          <a:prstGeom prst="rect">
-            <a:avLst/>
-          </a:prstGeom>
-        </p:spPr>
-      </p:pic>
-    </p:spTree>
-    <p:extLst>
-      <p:ext uri="{BB962C8B-B14F-4D97-AF65-F5344CB8AC3E}">
-        <p14:creationId xmlns:p14="http://schemas.microsoft.com/office/powerpoint/2010/main" val="7747474"/>
-      </p:ext>
-    </p:extLst>
-  </p:cSld>
-  <p:clrMapOvr>
-    <a:masterClrMapping/>
-  </p:clrMapOvr>
-</p:sld>
-</file>
-
-<file path=ppt/slides/slide11.xml><?xml version="1.0" encoding="utf-8"?>
-<p:sld xmlns:a="http://schemas.openxmlformats.org/drawingml/2006/main" xmlns:r="http://schemas.openxmlformats.org/officeDocument/2006/relationships" xmlns:p="http://schemas.openxmlformats.org/presentationml/2006/main">
-  <p:cSld>
     <p:spTree>
       <p:nvGrpSpPr>
         <p:cNvPr id="1" name=""/>
@@ -11163,7 +14590,7 @@
 </p:sld>
 </file>
 
-<file path=ppt/slides/slide12.xml><?xml version="1.0" encoding="utf-8"?>
+<file path=ppt/slides/slide11.xml><?xml version="1.0" encoding="utf-8"?>
 <p:sld xmlns:a="http://schemas.openxmlformats.org/drawingml/2006/main" xmlns:r="http://schemas.openxmlformats.org/officeDocument/2006/relationships" xmlns:p="http://schemas.openxmlformats.org/presentationml/2006/main">
   <p:cSld>
     <p:bg>
@@ -11680,7 +15107,7 @@
 </p:sld>
 </file>
 
-<file path=ppt/slides/slide13.xml><?xml version="1.0" encoding="utf-8"?>
+<file path=ppt/slides/slide12.xml><?xml version="1.0" encoding="utf-8"?>
 <p:sld xmlns:a="http://schemas.openxmlformats.org/drawingml/2006/main" xmlns:r="http://schemas.openxmlformats.org/officeDocument/2006/relationships" xmlns:p="http://schemas.openxmlformats.org/presentationml/2006/main">
   <p:cSld>
     <p:spTree>
@@ -11801,13 +15228,13 @@
           <p:nvPr>
             <p:extLst>
               <p:ext uri="{D42A27DB-BD31-4B8C-83A1-F6EECF244321}">
-                <p14:modId xmlns:p14="http://schemas.microsoft.com/office/powerpoint/2010/main" val="2450165554"/>
+                <p14:modId xmlns:p14="http://schemas.microsoft.com/office/powerpoint/2010/main" val="2702793580"/>
               </p:ext>
             </p:extLst>
           </p:nvPr>
         </p:nvGraphicFramePr>
         <p:xfrm>
-          <a:off x="655529" y="1691448"/>
+          <a:off x="655529" y="1591239"/>
           <a:ext cx="10915180" cy="4577080"/>
         </p:xfrm>
         <a:graphic>
@@ -12661,12 +16088,78 @@
             <p:ph idx="1"/>
           </p:nvPr>
         </p:nvSpPr>
-        <p:spPr/>
+        <p:spPr>
+          <a:xfrm>
+            <a:off x="1097280" y="1845734"/>
+            <a:ext cx="10058400" cy="1761762"/>
+          </a:xfrm>
+        </p:spPr>
         <p:txBody>
           <a:bodyPr/>
           <a:lstStyle/>
           <a:p>
-            <a:endParaRPr lang="de-DE"/>
+            <a:r>
+              <a:rPr lang="de-DE" sz="2400" dirty="0" err="1"/>
+              <a:t>Why</a:t>
+            </a:r>
+            <a:r>
+              <a:rPr lang="de-DE" sz="2400" dirty="0"/>
+              <a:t> was </a:t>
+            </a:r>
+            <a:r>
+              <a:rPr lang="de-DE" sz="2400" dirty="0" err="1"/>
+              <a:t>this</a:t>
+            </a:r>
+            <a:r>
+              <a:rPr lang="de-DE" sz="2400" dirty="0"/>
+              <a:t> </a:t>
+            </a:r>
+            <a:r>
+              <a:rPr lang="de-DE" sz="2400" dirty="0" err="1"/>
+              <a:t>comparative</a:t>
+            </a:r>
+            <a:r>
+              <a:rPr lang="de-DE" sz="2400" dirty="0"/>
+              <a:t> </a:t>
+            </a:r>
+            <a:r>
+              <a:rPr lang="de-DE" sz="2400" dirty="0" err="1"/>
+              <a:t>study</a:t>
+            </a:r>
+            <a:r>
+              <a:rPr lang="de-DE" sz="2400" dirty="0"/>
+              <a:t> </a:t>
+            </a:r>
+            <a:r>
+              <a:rPr lang="de-DE" sz="2400" dirty="0" err="1"/>
+              <a:t>started</a:t>
+            </a:r>
+            <a:r>
+              <a:rPr lang="de-DE" sz="2400" dirty="0"/>
+              <a:t>?</a:t>
+            </a:r>
+          </a:p>
+          <a:p>
+            <a:pPr lvl="1"/>
+            <a:r>
+              <a:rPr lang="en-GB" sz="2000" dirty="0"/>
+              <a:t>From recent comparison studies question raised about neutrality, unbiasedness, utility and ways of performed comparisons</a:t>
+            </a:r>
+            <a:endParaRPr lang="de-DE" dirty="0"/>
+          </a:p>
+          <a:p>
+            <a:pPr lvl="1"/>
+            <a:r>
+              <a:rPr lang="en-GB" sz="2000" dirty="0"/>
+              <a:t>Existence of tendency: Demonstrate superiority of specific method using datasets favourable for the chosen method + multi-rule bias</a:t>
+            </a:r>
+            <a:endParaRPr lang="de-DE" dirty="0"/>
+          </a:p>
+          <a:p>
+            <a:pPr marL="0" indent="0">
+              <a:buNone/>
+            </a:pPr>
+            <a:endParaRPr lang="de-DE" dirty="0"/>
           </a:p>
         </p:txBody>
       </p:sp>
@@ -12749,10 +16242,7 @@
           <a:bodyPr/>
           <a:lstStyle/>
           <a:p>
-            <a:r>
-              <a:rPr lang="de-DE" dirty="0"/>
-              <a:t>STUDY design</a:t>
-            </a:r>
+            <a:endParaRPr lang="de-DE" dirty="0"/>
           </a:p>
         </p:txBody>
       </p:sp>
@@ -12788,10 +16278,10 @@
       </p:grpSpPr>
       <p:sp>
         <p:nvSpPr>
-          <p:cNvPr id="4" name="Titel 3">
+          <p:cNvPr id="2" name="Titel 1">
             <a:extLst>
               <a:ext uri="{FF2B5EF4-FFF2-40B4-BE49-F238E27FC236}">
-                <a16:creationId xmlns:a16="http://schemas.microsoft.com/office/drawing/2014/main" id="{72B4B65E-6347-4BC4-9E2A-4394743AC416}"/>
+                <a16:creationId xmlns:a16="http://schemas.microsoft.com/office/drawing/2014/main" id="{4F8757C7-50E8-4AD1-82D2-E6F89E9A2F5B}"/>
               </a:ext>
             </a:extLst>
           </p:cNvPr>
@@ -12807,39 +16297,210 @@
           <a:bodyPr/>
           <a:lstStyle/>
           <a:p>
-            <a:endParaRPr lang="de-DE"/>
+            <a:r>
+              <a:rPr lang="de-DE" dirty="0"/>
+              <a:t>Study Design</a:t>
+            </a:r>
           </a:p>
         </p:txBody>
       </p:sp>
-      <p:sp>
-        <p:nvSpPr>
-          <p:cNvPr id="5" name="Inhaltsplatzhalter 4">
+      <p:graphicFrame>
+        <p:nvGraphicFramePr>
+          <p:cNvPr id="5" name="Diagramm 4">
             <a:extLst>
               <a:ext uri="{FF2B5EF4-FFF2-40B4-BE49-F238E27FC236}">
-                <a16:creationId xmlns:a16="http://schemas.microsoft.com/office/drawing/2014/main" id="{A2F583FA-2953-40A8-B20B-53B554C4E2E8}"/>
+                <a16:creationId xmlns:a16="http://schemas.microsoft.com/office/drawing/2014/main" id="{ADDC96A8-276F-4568-B98B-3AD0DD74AADD}"/>
               </a:ext>
             </a:extLst>
           </p:cNvPr>
-          <p:cNvSpPr>
-            <a:spLocks noGrp="1"/>
-          </p:cNvSpPr>
+          <p:cNvGraphicFramePr/>
           <p:nvPr>
-            <p:ph idx="1"/>
+            <p:extLst>
+              <p:ext uri="{D42A27DB-BD31-4B8C-83A1-F6EECF244321}">
+                <p14:modId xmlns:p14="http://schemas.microsoft.com/office/powerpoint/2010/main" val="1210924263"/>
+              </p:ext>
+            </p:extLst>
           </p:nvPr>
-        </p:nvSpPr>
-        <p:spPr/>
-        <p:txBody>
-          <a:bodyPr/>
-          <a:lstStyle/>
-          <a:p>
-            <a:endParaRPr lang="de-DE"/>
-          </a:p>
-        </p:txBody>
-      </p:sp>
+        </p:nvGraphicFramePr>
+        <p:xfrm>
+          <a:off x="796099" y="1439333"/>
+          <a:ext cx="10599802" cy="5418667"/>
+        </p:xfrm>
+        <a:graphic>
+          <a:graphicData uri="http://schemas.openxmlformats.org/drawingml/2006/diagram">
+            <dgm:relIds xmlns:dgm="http://schemas.openxmlformats.org/drawingml/2006/diagram" xmlns:r="http://schemas.openxmlformats.org/officeDocument/2006/relationships" r:dm="rId3" r:lo="rId4" r:qs="rId5" r:cs="rId6"/>
+          </a:graphicData>
+        </a:graphic>
+      </p:graphicFrame>
+      <p:grpSp>
+        <p:nvGrpSpPr>
+          <p:cNvPr id="6" name="Gruppieren 5">
+            <a:extLst>
+              <a:ext uri="{FF2B5EF4-FFF2-40B4-BE49-F238E27FC236}">
+                <a16:creationId xmlns:a16="http://schemas.microsoft.com/office/drawing/2014/main" id="{84508DDC-5702-4796-9799-68C058323B62}"/>
+              </a:ext>
+            </a:extLst>
+          </p:cNvPr>
+          <p:cNvGrpSpPr/>
+          <p:nvPr/>
+        </p:nvGrpSpPr>
+        <p:grpSpPr>
+          <a:xfrm>
+            <a:off x="9183269" y="2320600"/>
+            <a:ext cx="2212632" cy="1939501"/>
+            <a:chOff x="5669491" y="1526094"/>
+            <a:chExt cx="2212632" cy="1939501"/>
+          </a:xfrm>
+        </p:grpSpPr>
+        <p:sp>
+          <p:nvSpPr>
+            <p:cNvPr id="7" name="Rechteck 6">
+              <a:extLst>
+                <a:ext uri="{FF2B5EF4-FFF2-40B4-BE49-F238E27FC236}">
+                  <a16:creationId xmlns:a16="http://schemas.microsoft.com/office/drawing/2014/main" id="{0C5E19D3-DC4C-4F80-92F5-B739101B1969}"/>
+                </a:ext>
+              </a:extLst>
+            </p:cNvPr>
+            <p:cNvSpPr/>
+            <p:nvPr/>
+          </p:nvSpPr>
+          <p:spPr>
+            <a:xfrm>
+              <a:off x="5669491" y="1526094"/>
+              <a:ext cx="2212632" cy="1939501"/>
+            </a:xfrm>
+            <a:prstGeom prst="rect">
+              <a:avLst/>
+            </a:prstGeom>
+          </p:spPr>
+          <p:style>
+            <a:lnRef idx="0">
+              <a:schemeClr val="dk1">
+                <a:alpha val="0"/>
+                <a:hueOff val="0"/>
+                <a:satOff val="0"/>
+                <a:lumOff val="0"/>
+                <a:alphaOff val="0"/>
+              </a:schemeClr>
+            </a:lnRef>
+            <a:fillRef idx="0">
+              <a:schemeClr val="lt1">
+                <a:alpha val="0"/>
+                <a:hueOff val="0"/>
+                <a:satOff val="0"/>
+                <a:lumOff val="0"/>
+                <a:alphaOff val="0"/>
+              </a:schemeClr>
+            </a:fillRef>
+            <a:effectRef idx="0">
+              <a:schemeClr val="lt1">
+                <a:alpha val="0"/>
+                <a:hueOff val="0"/>
+                <a:satOff val="0"/>
+                <a:lumOff val="0"/>
+                <a:alphaOff val="0"/>
+              </a:schemeClr>
+            </a:effectRef>
+            <a:fontRef idx="minor">
+              <a:schemeClr val="tx1">
+                <a:hueOff val="0"/>
+                <a:satOff val="0"/>
+                <a:lumOff val="0"/>
+                <a:alphaOff val="0"/>
+              </a:schemeClr>
+            </a:fontRef>
+          </p:style>
+        </p:sp>
+        <p:sp>
+          <p:nvSpPr>
+            <p:cNvPr id="8" name="Textfeld 7">
+              <a:extLst>
+                <a:ext uri="{FF2B5EF4-FFF2-40B4-BE49-F238E27FC236}">
+                  <a16:creationId xmlns:a16="http://schemas.microsoft.com/office/drawing/2014/main" id="{AC8FFF68-31E1-41BA-A268-FFAA3DC7AA44}"/>
+                </a:ext>
+              </a:extLst>
+            </p:cNvPr>
+            <p:cNvSpPr txBox="1"/>
+            <p:nvPr/>
+          </p:nvSpPr>
+          <p:spPr>
+            <a:xfrm>
+              <a:off x="5669491" y="1526094"/>
+              <a:ext cx="2212632" cy="1939501"/>
+            </a:xfrm>
+            <a:prstGeom prst="rect">
+              <a:avLst/>
+            </a:prstGeom>
+          </p:spPr>
+          <p:style>
+            <a:lnRef idx="0">
+              <a:scrgbClr r="0" g="0" b="0"/>
+            </a:lnRef>
+            <a:fillRef idx="0">
+              <a:scrgbClr r="0" g="0" b="0"/>
+            </a:fillRef>
+            <a:effectRef idx="0">
+              <a:scrgbClr r="0" g="0" b="0"/>
+            </a:effectRef>
+            <a:fontRef idx="minor">
+              <a:schemeClr val="tx1">
+                <a:hueOff val="0"/>
+                <a:satOff val="0"/>
+                <a:lumOff val="0"/>
+                <a:alphaOff val="0"/>
+              </a:schemeClr>
+            </a:fontRef>
+          </p:style>
+          <p:txBody>
+            <a:bodyPr spcFirstLastPara="0" vert="horz" wrap="square" lIns="72390" tIns="72390" rIns="72390" bIns="72390" numCol="1" spcCol="1270" anchor="t" anchorCtr="0">
+              <a:noAutofit/>
+            </a:bodyPr>
+            <a:lstStyle/>
+            <a:p>
+              <a:pPr lvl="0" defTabSz="844550">
+                <a:lnSpc>
+                  <a:spcPct val="90000"/>
+                </a:lnSpc>
+                <a:spcBef>
+                  <a:spcPct val="0"/>
+                </a:spcBef>
+                <a:spcAft>
+                  <a:spcPct val="35000"/>
+                </a:spcAft>
+              </a:pPr>
+              <a:r>
+                <a:rPr lang="de-DE" sz="1900" kern="1200" dirty="0" err="1"/>
+                <a:t>Evaluate</a:t>
+              </a:r>
+              <a:r>
+                <a:rPr lang="de-DE" sz="1900" kern="1200" dirty="0"/>
+                <a:t> </a:t>
+              </a:r>
+              <a:r>
+                <a:rPr lang="de-DE" sz="1900" kern="1200" dirty="0" err="1"/>
+                <a:t>finding</a:t>
+              </a:r>
+              <a:r>
+                <a:rPr lang="de-DE" sz="1900" dirty="0" err="1"/>
+                <a:t>s</a:t>
+              </a:r>
+              <a:r>
+                <a:rPr lang="de-DE" sz="1900" dirty="0"/>
+                <a:t> with </a:t>
+              </a:r>
+              <a:r>
+                <a:rPr lang="en-GB" dirty="0"/>
+                <a:t>real life experimental datasets </a:t>
+              </a:r>
+              <a:endParaRPr lang="de-DE" sz="1900" kern="1200" dirty="0"/>
+            </a:p>
+          </p:txBody>
+        </p:sp>
+      </p:grpSp>
     </p:spTree>
     <p:extLst>
       <p:ext uri="{BB962C8B-B14F-4D97-AF65-F5344CB8AC3E}">
-        <p14:creationId xmlns:p14="http://schemas.microsoft.com/office/powerpoint/2010/main" val="197094193"/>
+        <p14:creationId xmlns:p14="http://schemas.microsoft.com/office/powerpoint/2010/main" val="4242937707"/>
       </p:ext>
     </p:extLst>
   </p:cSld>
@@ -12850,92 +16511,6 @@
 </file>
 
 <file path=ppt/slides/slide5.xml><?xml version="1.0" encoding="utf-8"?>
-<p:sld xmlns:a="http://schemas.openxmlformats.org/drawingml/2006/main" xmlns:r="http://schemas.openxmlformats.org/officeDocument/2006/relationships" xmlns:p="http://schemas.openxmlformats.org/presentationml/2006/main">
-  <p:cSld>
-    <p:spTree>
-      <p:nvGrpSpPr>
-        <p:cNvPr id="1" name=""/>
-        <p:cNvGrpSpPr/>
-        <p:nvPr/>
-      </p:nvGrpSpPr>
-      <p:grpSpPr>
-        <a:xfrm>
-          <a:off x="0" y="0"/>
-          <a:ext cx="0" cy="0"/>
-          <a:chOff x="0" y="0"/>
-          <a:chExt cx="0" cy="0"/>
-        </a:xfrm>
-      </p:grpSpPr>
-      <p:sp>
-        <p:nvSpPr>
-          <p:cNvPr id="2" name="Titel 1">
-            <a:extLst>
-              <a:ext uri="{FF2B5EF4-FFF2-40B4-BE49-F238E27FC236}">
-                <a16:creationId xmlns:a16="http://schemas.microsoft.com/office/drawing/2014/main" id="{62C483AE-094E-4061-9EF9-C2D89CBD895B}"/>
-              </a:ext>
-            </a:extLst>
-          </p:cNvPr>
-          <p:cNvSpPr>
-            <a:spLocks noGrp="1"/>
-          </p:cNvSpPr>
-          <p:nvPr>
-            <p:ph type="title"/>
-          </p:nvPr>
-        </p:nvSpPr>
-        <p:spPr/>
-        <p:txBody>
-          <a:bodyPr/>
-          <a:lstStyle/>
-          <a:p>
-            <a:r>
-              <a:rPr lang="de-DE" dirty="0"/>
-              <a:t>Method</a:t>
-            </a:r>
-          </a:p>
-        </p:txBody>
-      </p:sp>
-      <p:sp>
-        <p:nvSpPr>
-          <p:cNvPr id="4" name="Textplatzhalter 3">
-            <a:extLst>
-              <a:ext uri="{FF2B5EF4-FFF2-40B4-BE49-F238E27FC236}">
-                <a16:creationId xmlns:a16="http://schemas.microsoft.com/office/drawing/2014/main" id="{15269A63-6FAC-49F4-A326-FECB0150635D}"/>
-              </a:ext>
-            </a:extLst>
-          </p:cNvPr>
-          <p:cNvSpPr>
-            <a:spLocks noGrp="1"/>
-          </p:cNvSpPr>
-          <p:nvPr>
-            <p:ph type="body" idx="1"/>
-          </p:nvPr>
-        </p:nvSpPr>
-        <p:spPr/>
-        <p:txBody>
-          <a:bodyPr/>
-          <a:lstStyle/>
-          <a:p>
-            <a:r>
-              <a:rPr lang="de-DE" dirty="0"/>
-              <a:t>Simulation</a:t>
-            </a:r>
-          </a:p>
-        </p:txBody>
-      </p:sp>
-    </p:spTree>
-    <p:extLst>
-      <p:ext uri="{BB962C8B-B14F-4D97-AF65-F5344CB8AC3E}">
-        <p14:creationId xmlns:p14="http://schemas.microsoft.com/office/powerpoint/2010/main" val="2598546642"/>
-      </p:ext>
-    </p:extLst>
-  </p:cSld>
-  <p:clrMapOvr>
-    <a:masterClrMapping/>
-  </p:clrMapOvr>
-</p:sld>
-</file>
-
-<file path=ppt/slides/slide6.xml><?xml version="1.0" encoding="utf-8"?>
 <p:sld xmlns:a="http://schemas.openxmlformats.org/drawingml/2006/main" xmlns:r="http://schemas.openxmlformats.org/officeDocument/2006/relationships" xmlns:p="http://schemas.openxmlformats.org/presentationml/2006/main">
   <p:cSld>
     <p:spTree>
@@ -13154,7 +16729,7 @@
 </p:sld>
 </file>
 
-<file path=ppt/slides/slide7.xml><?xml version="1.0" encoding="utf-8"?>
+<file path=ppt/slides/slide6.xml><?xml version="1.0" encoding="utf-8"?>
 <p:sld xmlns:a="http://schemas.openxmlformats.org/drawingml/2006/main" xmlns:r="http://schemas.openxmlformats.org/officeDocument/2006/relationships" xmlns:p="http://schemas.openxmlformats.org/presentationml/2006/main">
   <p:cSld>
     <p:spTree>
@@ -13249,6 +16824,517 @@
     <p:extLst>
       <p:ext uri="{BB962C8B-B14F-4D97-AF65-F5344CB8AC3E}">
         <p14:creationId xmlns:p14="http://schemas.microsoft.com/office/powerpoint/2010/main" val="1814135363"/>
+      </p:ext>
+    </p:extLst>
+  </p:cSld>
+  <p:clrMapOvr>
+    <a:masterClrMapping/>
+  </p:clrMapOvr>
+</p:sld>
+</file>
+
+<file path=ppt/slides/slide7.xml><?xml version="1.0" encoding="utf-8"?>
+<p:sld xmlns:a="http://schemas.openxmlformats.org/drawingml/2006/main" xmlns:r="http://schemas.openxmlformats.org/officeDocument/2006/relationships" xmlns:p="http://schemas.openxmlformats.org/presentationml/2006/main">
+  <p:cSld>
+    <p:bg>
+      <p:bgPr>
+        <a:solidFill>
+          <a:schemeClr val="bg1"/>
+        </a:solidFill>
+        <a:effectLst/>
+      </p:bgPr>
+    </p:bg>
+    <p:spTree>
+      <p:nvGrpSpPr>
+        <p:cNvPr id="1" name=""/>
+        <p:cNvGrpSpPr/>
+        <p:nvPr/>
+      </p:nvGrpSpPr>
+      <p:grpSpPr>
+        <a:xfrm>
+          <a:off x="0" y="0"/>
+          <a:ext cx="0" cy="0"/>
+          <a:chOff x="0" y="0"/>
+          <a:chExt cx="0" cy="0"/>
+        </a:xfrm>
+      </p:grpSpPr>
+      <p:sp>
+        <p:nvSpPr>
+          <p:cNvPr id="11" name="Rectangle 10">
+            <a:extLst>
+              <a:ext uri="{FF2B5EF4-FFF2-40B4-BE49-F238E27FC236}">
+                <a16:creationId xmlns:a16="http://schemas.microsoft.com/office/drawing/2014/main" id="{4A8FFEA1-1B69-4F42-B552-0CCF7259687D}"/>
+              </a:ext>
+              <a:ext uri="{C183D7F6-B498-43B3-948B-1728B52AA6E4}">
+                <adec:decorative xmlns:adec="http://schemas.microsoft.com/office/drawing/2017/decorative" val="1"/>
+              </a:ext>
+            </a:extLst>
+          </p:cNvPr>
+          <p:cNvSpPr>
+            <a:spLocks noGrp="1" noRot="1" noChangeAspect="1" noMove="1" noResize="1" noEditPoints="1" noAdjustHandles="1" noChangeArrowheads="1" noChangeShapeType="1" noTextEdit="1"/>
+          </p:cNvSpPr>
+          <p:nvPr>
+            <p:extLst>
+              <p:ext uri="{386F3935-93C4-4BCD-93E2-E3B085C9AB24}">
+                <p16:designElem xmlns:p16="http://schemas.microsoft.com/office/powerpoint/2015/main" val="1"/>
+              </p:ext>
+            </p:extLst>
+          </p:nvPr>
+        </p:nvSpPr>
+        <p:spPr>
+          <a:xfrm>
+            <a:off x="3175" y="6400800"/>
+            <a:ext cx="12188825" cy="457200"/>
+          </a:xfrm>
+          <a:prstGeom prst="rect">
+            <a:avLst/>
+          </a:prstGeom>
+          <a:solidFill>
+            <a:schemeClr val="accent2"/>
+          </a:solidFill>
+          <a:ln>
+            <a:noFill/>
+          </a:ln>
+        </p:spPr>
+        <p:style>
+          <a:lnRef idx="2">
+            <a:schemeClr val="accent1">
+              <a:shade val="50000"/>
+            </a:schemeClr>
+          </a:lnRef>
+          <a:fillRef idx="1">
+            <a:schemeClr val="accent1"/>
+          </a:fillRef>
+          <a:effectRef idx="0">
+            <a:schemeClr val="accent1"/>
+          </a:effectRef>
+          <a:fontRef idx="minor">
+            <a:schemeClr val="lt1"/>
+          </a:fontRef>
+        </p:style>
+      </p:sp>
+      <p:sp>
+        <p:nvSpPr>
+          <p:cNvPr id="13" name="Rectangle 12">
+            <a:extLst>
+              <a:ext uri="{FF2B5EF4-FFF2-40B4-BE49-F238E27FC236}">
+                <a16:creationId xmlns:a16="http://schemas.microsoft.com/office/drawing/2014/main" id="{AA3C9226-5EC8-460B-82D7-72AA994DF95E}"/>
+              </a:ext>
+              <a:ext uri="{C183D7F6-B498-43B3-948B-1728B52AA6E4}">
+                <adec:decorative xmlns:adec="http://schemas.microsoft.com/office/drawing/2017/decorative" val="1"/>
+              </a:ext>
+            </a:extLst>
+          </p:cNvPr>
+          <p:cNvSpPr>
+            <a:spLocks noGrp="1" noRot="1" noChangeAspect="1" noMove="1" noResize="1" noEditPoints="1" noAdjustHandles="1" noChangeArrowheads="1" noChangeShapeType="1" noTextEdit="1"/>
+          </p:cNvSpPr>
+          <p:nvPr>
+            <p:extLst>
+              <p:ext uri="{386F3935-93C4-4BCD-93E2-E3B085C9AB24}">
+                <p16:designElem xmlns:p16="http://schemas.microsoft.com/office/powerpoint/2015/main" val="1"/>
+              </p:ext>
+            </p:extLst>
+          </p:nvPr>
+        </p:nvSpPr>
+        <p:spPr>
+          <a:xfrm>
+            <a:off x="15" y="6334316"/>
+            <a:ext cx="12188825" cy="64008"/>
+          </a:xfrm>
+          <a:prstGeom prst="rect">
+            <a:avLst/>
+          </a:prstGeom>
+          <a:solidFill>
+            <a:schemeClr val="accent1"/>
+          </a:solidFill>
+          <a:ln>
+            <a:noFill/>
+          </a:ln>
+        </p:spPr>
+        <p:style>
+          <a:lnRef idx="2">
+            <a:schemeClr val="accent1">
+              <a:shade val="50000"/>
+            </a:schemeClr>
+          </a:lnRef>
+          <a:fillRef idx="1">
+            <a:schemeClr val="accent1"/>
+          </a:fillRef>
+          <a:effectRef idx="0">
+            <a:schemeClr val="accent1"/>
+          </a:effectRef>
+          <a:fontRef idx="minor">
+            <a:schemeClr val="lt1"/>
+          </a:fontRef>
+        </p:style>
+      </p:sp>
+      <p:cxnSp>
+        <p:nvCxnSpPr>
+          <p:cNvPr id="15" name="Straight Connector 14">
+            <a:extLst>
+              <a:ext uri="{FF2B5EF4-FFF2-40B4-BE49-F238E27FC236}">
+                <a16:creationId xmlns:a16="http://schemas.microsoft.com/office/drawing/2014/main" id="{62A90A9D-33DF-408E-BF4C-F82588935C96}"/>
+              </a:ext>
+              <a:ext uri="{C183D7F6-B498-43B3-948B-1728B52AA6E4}">
+                <adec:decorative xmlns:adec="http://schemas.microsoft.com/office/drawing/2017/decorative" val="1"/>
+              </a:ext>
+            </a:extLst>
+          </p:cNvPr>
+          <p:cNvCxnSpPr>
+            <a:cxnSpLocks noGrp="1" noRot="1" noChangeAspect="1" noMove="1" noResize="1" noEditPoints="1" noAdjustHandles="1" noChangeArrowheads="1" noChangeShapeType="1"/>
+          </p:cNvCxnSpPr>
+          <p:nvPr>
+            <p:extLst>
+              <p:ext uri="{386F3935-93C4-4BCD-93E2-E3B085C9AB24}">
+                <p16:designElem xmlns:p16="http://schemas.microsoft.com/office/powerpoint/2015/main" val="1"/>
+              </p:ext>
+            </p:extLst>
+          </p:nvPr>
+        </p:nvCxnSpPr>
+        <p:spPr>
+          <a:xfrm>
+            <a:off x="1207658" y="4343400"/>
+            <a:ext cx="9875520" cy="0"/>
+          </a:xfrm>
+          <a:prstGeom prst="line">
+            <a:avLst/>
+          </a:prstGeom>
+          <a:ln w="6350">
+            <a:solidFill>
+              <a:schemeClr val="tx1">
+                <a:lumMod val="50000"/>
+                <a:lumOff val="50000"/>
+              </a:schemeClr>
+            </a:solidFill>
+          </a:ln>
+        </p:spPr>
+        <p:style>
+          <a:lnRef idx="1">
+            <a:schemeClr val="accent1"/>
+          </a:lnRef>
+          <a:fillRef idx="0">
+            <a:schemeClr val="accent1"/>
+          </a:fillRef>
+          <a:effectRef idx="0">
+            <a:schemeClr val="accent1"/>
+          </a:effectRef>
+          <a:fontRef idx="minor">
+            <a:schemeClr val="tx1"/>
+          </a:fontRef>
+        </p:style>
+      </p:cxnSp>
+      <p:sp useBgFill="1">
+        <p:nvSpPr>
+          <p:cNvPr id="17" name="Rectangle 16">
+            <a:extLst>
+              <a:ext uri="{FF2B5EF4-FFF2-40B4-BE49-F238E27FC236}">
+                <a16:creationId xmlns:a16="http://schemas.microsoft.com/office/drawing/2014/main" id="{3C6B623D-A3E9-460F-9A5B-2F0FE253BF13}"/>
+              </a:ext>
+              <a:ext uri="{C183D7F6-B498-43B3-948B-1728B52AA6E4}">
+                <adec:decorative xmlns:adec="http://schemas.microsoft.com/office/drawing/2017/decorative" val="1"/>
+              </a:ext>
+            </a:extLst>
+          </p:cNvPr>
+          <p:cNvSpPr>
+            <a:spLocks noGrp="1" noRot="1" noChangeAspect="1" noMove="1" noResize="1" noEditPoints="1" noAdjustHandles="1" noChangeArrowheads="1" noChangeShapeType="1" noTextEdit="1"/>
+          </p:cNvSpPr>
+          <p:nvPr>
+            <p:extLst>
+              <p:ext uri="{386F3935-93C4-4BCD-93E2-E3B085C9AB24}">
+                <p16:designElem xmlns:p16="http://schemas.microsoft.com/office/powerpoint/2015/main" val="1"/>
+              </p:ext>
+            </p:extLst>
+          </p:nvPr>
+        </p:nvSpPr>
+        <p:spPr>
+          <a:xfrm>
+            <a:off x="0" y="0"/>
+            <a:ext cx="12192001" cy="6334316"/>
+          </a:xfrm>
+          <a:prstGeom prst="rect">
+            <a:avLst/>
+          </a:prstGeom>
+          <a:ln>
+            <a:noFill/>
+          </a:ln>
+        </p:spPr>
+        <p:style>
+          <a:lnRef idx="2">
+            <a:schemeClr val="accent1">
+              <a:shade val="50000"/>
+            </a:schemeClr>
+          </a:lnRef>
+          <a:fillRef idx="1">
+            <a:schemeClr val="accent1"/>
+          </a:fillRef>
+          <a:effectRef idx="0">
+            <a:schemeClr val="accent1"/>
+          </a:effectRef>
+          <a:fontRef idx="minor">
+            <a:schemeClr val="lt1"/>
+          </a:fontRef>
+        </p:style>
+        <p:txBody>
+          <a:bodyPr rtlCol="0" anchor="ctr"/>
+          <a:lstStyle/>
+          <a:p>
+            <a:pPr algn="ctr"/>
+            <a:endParaRPr lang="en-US"/>
+          </a:p>
+        </p:txBody>
+      </p:sp>
+      <p:sp>
+        <p:nvSpPr>
+          <p:cNvPr id="6" name="Textfeld 5">
+            <a:extLst>
+              <a:ext uri="{FF2B5EF4-FFF2-40B4-BE49-F238E27FC236}">
+                <a16:creationId xmlns:a16="http://schemas.microsoft.com/office/drawing/2014/main" id="{B5CA747A-9BD1-4903-BFF4-BB97C4FC885A}"/>
+              </a:ext>
+            </a:extLst>
+          </p:cNvPr>
+          <p:cNvSpPr txBox="1"/>
+          <p:nvPr/>
+        </p:nvSpPr>
+        <p:spPr>
+          <a:xfrm>
+            <a:off x="734425" y="5658623"/>
+            <a:ext cx="10821986" cy="548938"/>
+          </a:xfrm>
+          <a:prstGeom prst="rect">
+            <a:avLst/>
+          </a:prstGeom>
+        </p:spPr>
+        <p:txBody>
+          <a:bodyPr vert="horz" lIns="91440" tIns="45720" rIns="91440" bIns="45720" rtlCol="0" anchor="b">
+            <a:normAutofit fontScale="85000" lnSpcReduction="20000"/>
+          </a:bodyPr>
+          <a:lstStyle/>
+          <a:p>
+            <a:pPr defTabSz="914400">
+              <a:lnSpc>
+                <a:spcPct val="85000"/>
+              </a:lnSpc>
+              <a:spcBef>
+                <a:spcPct val="0"/>
+              </a:spcBef>
+              <a:spcAft>
+                <a:spcPts val="600"/>
+              </a:spcAft>
+            </a:pPr>
+            <a:r>
+              <a:rPr lang="en-US" sz="4700" spc="-50" dirty="0">
+                <a:solidFill>
+                  <a:schemeClr val="tx1">
+                    <a:lumMod val="85000"/>
+                    <a:lumOff val="15000"/>
+                  </a:schemeClr>
+                </a:solidFill>
+                <a:latin typeface="+mj-lt"/>
+                <a:ea typeface="+mj-ea"/>
+                <a:cs typeface="+mj-cs"/>
+              </a:rPr>
+              <a:t>n = training sample size, p = feature set size</a:t>
+            </a:r>
+          </a:p>
+        </p:txBody>
+      </p:sp>
+      <p:pic>
+        <p:nvPicPr>
+          <p:cNvPr id="5" name="Grafik 4">
+            <a:extLst>
+              <a:ext uri="{FF2B5EF4-FFF2-40B4-BE49-F238E27FC236}">
+                <a16:creationId xmlns:a16="http://schemas.microsoft.com/office/drawing/2014/main" id="{37C8A9F7-FDD8-4A5C-AC5E-94DA1051C216}"/>
+              </a:ext>
+            </a:extLst>
+          </p:cNvPr>
+          <p:cNvPicPr>
+            <a:picLocks noChangeAspect="1"/>
+          </p:cNvPicPr>
+          <p:nvPr/>
+        </p:nvPicPr>
+        <p:blipFill rotWithShape="1">
+          <a:blip r:embed="rId3"/>
+          <a:srcRect b="3244"/>
+          <a:stretch/>
+        </p:blipFill>
+        <p:spPr>
+          <a:xfrm>
+            <a:off x="721085" y="457200"/>
+            <a:ext cx="9529819" cy="4956110"/>
+          </a:xfrm>
+          <a:prstGeom prst="rect">
+            <a:avLst/>
+          </a:prstGeom>
+        </p:spPr>
+      </p:pic>
+      <p:cxnSp>
+        <p:nvCxnSpPr>
+          <p:cNvPr id="19" name="Straight Connector 18">
+            <a:extLst>
+              <a:ext uri="{FF2B5EF4-FFF2-40B4-BE49-F238E27FC236}">
+                <a16:creationId xmlns:a16="http://schemas.microsoft.com/office/drawing/2014/main" id="{B355BF7B-E19B-478B-8187-8EF57F4F91DC}"/>
+              </a:ext>
+              <a:ext uri="{C183D7F6-B498-43B3-948B-1728B52AA6E4}">
+                <adec:decorative xmlns:adec="http://schemas.microsoft.com/office/drawing/2017/decorative" val="1"/>
+              </a:ext>
+            </a:extLst>
+          </p:cNvPr>
+          <p:cNvCxnSpPr>
+            <a:cxnSpLocks noGrp="1" noRot="1" noChangeAspect="1" noMove="1" noResize="1" noEditPoints="1" noAdjustHandles="1" noChangeArrowheads="1" noChangeShapeType="1"/>
+          </p:cNvCxnSpPr>
+          <p:nvPr>
+            <p:extLst>
+              <p:ext uri="{386F3935-93C4-4BCD-93E2-E3B085C9AB24}">
+                <p16:designElem xmlns:p16="http://schemas.microsoft.com/office/powerpoint/2015/main" val="1"/>
+              </p:ext>
+            </p:extLst>
+          </p:nvPr>
+        </p:nvCxnSpPr>
+        <p:spPr>
+          <a:xfrm>
+            <a:off x="721086" y="5618770"/>
+            <a:ext cx="10515600" cy="0"/>
+          </a:xfrm>
+          <a:prstGeom prst="line">
+            <a:avLst/>
+          </a:prstGeom>
+          <a:ln w="6350">
+            <a:solidFill>
+              <a:schemeClr val="tx2">
+                <a:alpha val="90000"/>
+              </a:schemeClr>
+            </a:solidFill>
+          </a:ln>
+        </p:spPr>
+        <p:style>
+          <a:lnRef idx="1">
+            <a:schemeClr val="accent1"/>
+          </a:lnRef>
+          <a:fillRef idx="0">
+            <a:schemeClr val="accent1"/>
+          </a:fillRef>
+          <a:effectRef idx="0">
+            <a:schemeClr val="accent1"/>
+          </a:effectRef>
+          <a:fontRef idx="minor">
+            <a:schemeClr val="tx1"/>
+          </a:fontRef>
+        </p:style>
+      </p:cxnSp>
+      <p:sp>
+        <p:nvSpPr>
+          <p:cNvPr id="21" name="Rectangle 20">
+            <a:extLst>
+              <a:ext uri="{FF2B5EF4-FFF2-40B4-BE49-F238E27FC236}">
+                <a16:creationId xmlns:a16="http://schemas.microsoft.com/office/drawing/2014/main" id="{AEABC29F-F82F-4902-B701-8FEEE414FE14}"/>
+              </a:ext>
+              <a:ext uri="{C183D7F6-B498-43B3-948B-1728B52AA6E4}">
+                <adec:decorative xmlns:adec="http://schemas.microsoft.com/office/drawing/2017/decorative" val="1"/>
+              </a:ext>
+            </a:extLst>
+          </p:cNvPr>
+          <p:cNvSpPr>
+            <a:spLocks noGrp="1" noRot="1" noChangeAspect="1" noMove="1" noResize="1" noEditPoints="1" noAdjustHandles="1" noChangeArrowheads="1" noChangeShapeType="1" noTextEdit="1"/>
+          </p:cNvSpPr>
+          <p:nvPr>
+            <p:extLst>
+              <p:ext uri="{386F3935-93C4-4BCD-93E2-E3B085C9AB24}">
+                <p16:designElem xmlns:p16="http://schemas.microsoft.com/office/powerpoint/2015/main" val="1"/>
+              </p:ext>
+            </p:extLst>
+          </p:nvPr>
+        </p:nvSpPr>
+        <p:spPr>
+          <a:xfrm>
+            <a:off x="15" y="6334316"/>
+            <a:ext cx="12191985" cy="66484"/>
+          </a:xfrm>
+          <a:prstGeom prst="rect">
+            <a:avLst/>
+          </a:prstGeom>
+          <a:solidFill>
+            <a:schemeClr val="accent1"/>
+          </a:solidFill>
+          <a:ln>
+            <a:noFill/>
+          </a:ln>
+        </p:spPr>
+        <p:style>
+          <a:lnRef idx="2">
+            <a:schemeClr val="accent1">
+              <a:shade val="50000"/>
+            </a:schemeClr>
+          </a:lnRef>
+          <a:fillRef idx="1">
+            <a:schemeClr val="accent1"/>
+          </a:fillRef>
+          <a:effectRef idx="0">
+            <a:schemeClr val="accent1"/>
+          </a:effectRef>
+          <a:fontRef idx="minor">
+            <a:schemeClr val="lt1"/>
+          </a:fontRef>
+        </p:style>
+      </p:sp>
+      <p:sp>
+        <p:nvSpPr>
+          <p:cNvPr id="23" name="Rectangle 22">
+            <a:extLst>
+              <a:ext uri="{FF2B5EF4-FFF2-40B4-BE49-F238E27FC236}">
+                <a16:creationId xmlns:a16="http://schemas.microsoft.com/office/drawing/2014/main" id="{D75BDCBB-0B1A-4AA1-B47F-DBDB642467AA}"/>
+              </a:ext>
+              <a:ext uri="{C183D7F6-B498-43B3-948B-1728B52AA6E4}">
+                <adec:decorative xmlns:adec="http://schemas.microsoft.com/office/drawing/2017/decorative" val="1"/>
+              </a:ext>
+            </a:extLst>
+          </p:cNvPr>
+          <p:cNvSpPr>
+            <a:spLocks noGrp="1" noRot="1" noChangeAspect="1" noMove="1" noResize="1" noEditPoints="1" noAdjustHandles="1" noChangeArrowheads="1" noChangeShapeType="1" noTextEdit="1"/>
+          </p:cNvSpPr>
+          <p:nvPr>
+            <p:extLst>
+              <p:ext uri="{386F3935-93C4-4BCD-93E2-E3B085C9AB24}">
+                <p16:designElem xmlns:p16="http://schemas.microsoft.com/office/powerpoint/2015/main" val="1"/>
+              </p:ext>
+            </p:extLst>
+          </p:nvPr>
+        </p:nvSpPr>
+        <p:spPr>
+          <a:xfrm>
+            <a:off x="1" y="6400800"/>
+            <a:ext cx="12192000" cy="457200"/>
+          </a:xfrm>
+          <a:prstGeom prst="rect">
+            <a:avLst/>
+          </a:prstGeom>
+          <a:solidFill>
+            <a:schemeClr val="accent2"/>
+          </a:solidFill>
+          <a:ln>
+            <a:noFill/>
+          </a:ln>
+        </p:spPr>
+        <p:style>
+          <a:lnRef idx="2">
+            <a:schemeClr val="accent1">
+              <a:shade val="50000"/>
+            </a:schemeClr>
+          </a:lnRef>
+          <a:fillRef idx="1">
+            <a:schemeClr val="accent1"/>
+          </a:fillRef>
+          <a:effectRef idx="0">
+            <a:schemeClr val="accent1"/>
+          </a:effectRef>
+          <a:fontRef idx="minor">
+            <a:schemeClr val="lt1"/>
+          </a:fontRef>
+        </p:style>
+      </p:sp>
+    </p:spTree>
+    <p:extLst>
+      <p:ext uri="{BB962C8B-B14F-4D97-AF65-F5344CB8AC3E}">
+        <p14:creationId xmlns:p14="http://schemas.microsoft.com/office/powerpoint/2010/main" val="4018170741"/>
       </p:ext>
     </p:extLst>
   </p:cSld>
@@ -13578,517 +17664,6 @@
           <p:nvPr/>
         </p:nvPicPr>
         <p:blipFill rotWithShape="1">
-          <a:blip r:embed="rId3"/>
-          <a:srcRect b="3244"/>
-          <a:stretch/>
-        </p:blipFill>
-        <p:spPr>
-          <a:xfrm>
-            <a:off x="721085" y="457200"/>
-            <a:ext cx="9529819" cy="4956110"/>
-          </a:xfrm>
-          <a:prstGeom prst="rect">
-            <a:avLst/>
-          </a:prstGeom>
-        </p:spPr>
-      </p:pic>
-      <p:cxnSp>
-        <p:nvCxnSpPr>
-          <p:cNvPr id="19" name="Straight Connector 18">
-            <a:extLst>
-              <a:ext uri="{FF2B5EF4-FFF2-40B4-BE49-F238E27FC236}">
-                <a16:creationId xmlns:a16="http://schemas.microsoft.com/office/drawing/2014/main" id="{B355BF7B-E19B-478B-8187-8EF57F4F91DC}"/>
-              </a:ext>
-              <a:ext uri="{C183D7F6-B498-43B3-948B-1728B52AA6E4}">
-                <adec:decorative xmlns:adec="http://schemas.microsoft.com/office/drawing/2017/decorative" val="1"/>
-              </a:ext>
-            </a:extLst>
-          </p:cNvPr>
-          <p:cNvCxnSpPr>
-            <a:cxnSpLocks noGrp="1" noRot="1" noChangeAspect="1" noMove="1" noResize="1" noEditPoints="1" noAdjustHandles="1" noChangeArrowheads="1" noChangeShapeType="1"/>
-          </p:cNvCxnSpPr>
-          <p:nvPr>
-            <p:extLst>
-              <p:ext uri="{386F3935-93C4-4BCD-93E2-E3B085C9AB24}">
-                <p16:designElem xmlns:p16="http://schemas.microsoft.com/office/powerpoint/2015/main" val="1"/>
-              </p:ext>
-            </p:extLst>
-          </p:nvPr>
-        </p:nvCxnSpPr>
-        <p:spPr>
-          <a:xfrm>
-            <a:off x="721086" y="5618770"/>
-            <a:ext cx="10515600" cy="0"/>
-          </a:xfrm>
-          <a:prstGeom prst="line">
-            <a:avLst/>
-          </a:prstGeom>
-          <a:ln w="6350">
-            <a:solidFill>
-              <a:schemeClr val="tx2">
-                <a:alpha val="90000"/>
-              </a:schemeClr>
-            </a:solidFill>
-          </a:ln>
-        </p:spPr>
-        <p:style>
-          <a:lnRef idx="1">
-            <a:schemeClr val="accent1"/>
-          </a:lnRef>
-          <a:fillRef idx="0">
-            <a:schemeClr val="accent1"/>
-          </a:fillRef>
-          <a:effectRef idx="0">
-            <a:schemeClr val="accent1"/>
-          </a:effectRef>
-          <a:fontRef idx="minor">
-            <a:schemeClr val="tx1"/>
-          </a:fontRef>
-        </p:style>
-      </p:cxnSp>
-      <p:sp>
-        <p:nvSpPr>
-          <p:cNvPr id="21" name="Rectangle 20">
-            <a:extLst>
-              <a:ext uri="{FF2B5EF4-FFF2-40B4-BE49-F238E27FC236}">
-                <a16:creationId xmlns:a16="http://schemas.microsoft.com/office/drawing/2014/main" id="{AEABC29F-F82F-4902-B701-8FEEE414FE14}"/>
-              </a:ext>
-              <a:ext uri="{C183D7F6-B498-43B3-948B-1728B52AA6E4}">
-                <adec:decorative xmlns:adec="http://schemas.microsoft.com/office/drawing/2017/decorative" val="1"/>
-              </a:ext>
-            </a:extLst>
-          </p:cNvPr>
-          <p:cNvSpPr>
-            <a:spLocks noGrp="1" noRot="1" noChangeAspect="1" noMove="1" noResize="1" noEditPoints="1" noAdjustHandles="1" noChangeArrowheads="1" noChangeShapeType="1" noTextEdit="1"/>
-          </p:cNvSpPr>
-          <p:nvPr>
-            <p:extLst>
-              <p:ext uri="{386F3935-93C4-4BCD-93E2-E3B085C9AB24}">
-                <p16:designElem xmlns:p16="http://schemas.microsoft.com/office/powerpoint/2015/main" val="1"/>
-              </p:ext>
-            </p:extLst>
-          </p:nvPr>
-        </p:nvSpPr>
-        <p:spPr>
-          <a:xfrm>
-            <a:off x="15" y="6334316"/>
-            <a:ext cx="12191985" cy="66484"/>
-          </a:xfrm>
-          <a:prstGeom prst="rect">
-            <a:avLst/>
-          </a:prstGeom>
-          <a:solidFill>
-            <a:schemeClr val="accent1"/>
-          </a:solidFill>
-          <a:ln>
-            <a:noFill/>
-          </a:ln>
-        </p:spPr>
-        <p:style>
-          <a:lnRef idx="2">
-            <a:schemeClr val="accent1">
-              <a:shade val="50000"/>
-            </a:schemeClr>
-          </a:lnRef>
-          <a:fillRef idx="1">
-            <a:schemeClr val="accent1"/>
-          </a:fillRef>
-          <a:effectRef idx="0">
-            <a:schemeClr val="accent1"/>
-          </a:effectRef>
-          <a:fontRef idx="minor">
-            <a:schemeClr val="lt1"/>
-          </a:fontRef>
-        </p:style>
-      </p:sp>
-      <p:sp>
-        <p:nvSpPr>
-          <p:cNvPr id="23" name="Rectangle 22">
-            <a:extLst>
-              <a:ext uri="{FF2B5EF4-FFF2-40B4-BE49-F238E27FC236}">
-                <a16:creationId xmlns:a16="http://schemas.microsoft.com/office/drawing/2014/main" id="{D75BDCBB-0B1A-4AA1-B47F-DBDB642467AA}"/>
-              </a:ext>
-              <a:ext uri="{C183D7F6-B498-43B3-948B-1728B52AA6E4}">
-                <adec:decorative xmlns:adec="http://schemas.microsoft.com/office/drawing/2017/decorative" val="1"/>
-              </a:ext>
-            </a:extLst>
-          </p:cNvPr>
-          <p:cNvSpPr>
-            <a:spLocks noGrp="1" noRot="1" noChangeAspect="1" noMove="1" noResize="1" noEditPoints="1" noAdjustHandles="1" noChangeArrowheads="1" noChangeShapeType="1" noTextEdit="1"/>
-          </p:cNvSpPr>
-          <p:nvPr>
-            <p:extLst>
-              <p:ext uri="{386F3935-93C4-4BCD-93E2-E3B085C9AB24}">
-                <p16:designElem xmlns:p16="http://schemas.microsoft.com/office/powerpoint/2015/main" val="1"/>
-              </p:ext>
-            </p:extLst>
-          </p:nvPr>
-        </p:nvSpPr>
-        <p:spPr>
-          <a:xfrm>
-            <a:off x="1" y="6400800"/>
-            <a:ext cx="12192000" cy="457200"/>
-          </a:xfrm>
-          <a:prstGeom prst="rect">
-            <a:avLst/>
-          </a:prstGeom>
-          <a:solidFill>
-            <a:schemeClr val="accent2"/>
-          </a:solidFill>
-          <a:ln>
-            <a:noFill/>
-          </a:ln>
-        </p:spPr>
-        <p:style>
-          <a:lnRef idx="2">
-            <a:schemeClr val="accent1">
-              <a:shade val="50000"/>
-            </a:schemeClr>
-          </a:lnRef>
-          <a:fillRef idx="1">
-            <a:schemeClr val="accent1"/>
-          </a:fillRef>
-          <a:effectRef idx="0">
-            <a:schemeClr val="accent1"/>
-          </a:effectRef>
-          <a:fontRef idx="minor">
-            <a:schemeClr val="lt1"/>
-          </a:fontRef>
-        </p:style>
-      </p:sp>
-    </p:spTree>
-    <p:extLst>
-      <p:ext uri="{BB962C8B-B14F-4D97-AF65-F5344CB8AC3E}">
-        <p14:creationId xmlns:p14="http://schemas.microsoft.com/office/powerpoint/2010/main" val="4018170741"/>
-      </p:ext>
-    </p:extLst>
-  </p:cSld>
-  <p:clrMapOvr>
-    <a:masterClrMapping/>
-  </p:clrMapOvr>
-</p:sld>
-</file>
-
-<file path=ppt/slides/slide9.xml><?xml version="1.0" encoding="utf-8"?>
-<p:sld xmlns:a="http://schemas.openxmlformats.org/drawingml/2006/main" xmlns:r="http://schemas.openxmlformats.org/officeDocument/2006/relationships" xmlns:p="http://schemas.openxmlformats.org/presentationml/2006/main">
-  <p:cSld>
-    <p:bg>
-      <p:bgPr>
-        <a:solidFill>
-          <a:schemeClr val="bg1"/>
-        </a:solidFill>
-        <a:effectLst/>
-      </p:bgPr>
-    </p:bg>
-    <p:spTree>
-      <p:nvGrpSpPr>
-        <p:cNvPr id="1" name=""/>
-        <p:cNvGrpSpPr/>
-        <p:nvPr/>
-      </p:nvGrpSpPr>
-      <p:grpSpPr>
-        <a:xfrm>
-          <a:off x="0" y="0"/>
-          <a:ext cx="0" cy="0"/>
-          <a:chOff x="0" y="0"/>
-          <a:chExt cx="0" cy="0"/>
-        </a:xfrm>
-      </p:grpSpPr>
-      <p:sp>
-        <p:nvSpPr>
-          <p:cNvPr id="11" name="Rectangle 10">
-            <a:extLst>
-              <a:ext uri="{FF2B5EF4-FFF2-40B4-BE49-F238E27FC236}">
-                <a16:creationId xmlns:a16="http://schemas.microsoft.com/office/drawing/2014/main" id="{4A8FFEA1-1B69-4F42-B552-0CCF7259687D}"/>
-              </a:ext>
-              <a:ext uri="{C183D7F6-B498-43B3-948B-1728B52AA6E4}">
-                <adec:decorative xmlns:adec="http://schemas.microsoft.com/office/drawing/2017/decorative" val="1"/>
-              </a:ext>
-            </a:extLst>
-          </p:cNvPr>
-          <p:cNvSpPr>
-            <a:spLocks noGrp="1" noRot="1" noChangeAspect="1" noMove="1" noResize="1" noEditPoints="1" noAdjustHandles="1" noChangeArrowheads="1" noChangeShapeType="1" noTextEdit="1"/>
-          </p:cNvSpPr>
-          <p:nvPr>
-            <p:extLst>
-              <p:ext uri="{386F3935-93C4-4BCD-93E2-E3B085C9AB24}">
-                <p16:designElem xmlns:p16="http://schemas.microsoft.com/office/powerpoint/2015/main" val="1"/>
-              </p:ext>
-            </p:extLst>
-          </p:nvPr>
-        </p:nvSpPr>
-        <p:spPr>
-          <a:xfrm>
-            <a:off x="3175" y="6400800"/>
-            <a:ext cx="12188825" cy="457200"/>
-          </a:xfrm>
-          <a:prstGeom prst="rect">
-            <a:avLst/>
-          </a:prstGeom>
-          <a:solidFill>
-            <a:schemeClr val="accent2"/>
-          </a:solidFill>
-          <a:ln>
-            <a:noFill/>
-          </a:ln>
-        </p:spPr>
-        <p:style>
-          <a:lnRef idx="2">
-            <a:schemeClr val="accent1">
-              <a:shade val="50000"/>
-            </a:schemeClr>
-          </a:lnRef>
-          <a:fillRef idx="1">
-            <a:schemeClr val="accent1"/>
-          </a:fillRef>
-          <a:effectRef idx="0">
-            <a:schemeClr val="accent1"/>
-          </a:effectRef>
-          <a:fontRef idx="minor">
-            <a:schemeClr val="lt1"/>
-          </a:fontRef>
-        </p:style>
-      </p:sp>
-      <p:sp>
-        <p:nvSpPr>
-          <p:cNvPr id="13" name="Rectangle 12">
-            <a:extLst>
-              <a:ext uri="{FF2B5EF4-FFF2-40B4-BE49-F238E27FC236}">
-                <a16:creationId xmlns:a16="http://schemas.microsoft.com/office/drawing/2014/main" id="{AA3C9226-5EC8-460B-82D7-72AA994DF95E}"/>
-              </a:ext>
-              <a:ext uri="{C183D7F6-B498-43B3-948B-1728B52AA6E4}">
-                <adec:decorative xmlns:adec="http://schemas.microsoft.com/office/drawing/2017/decorative" val="1"/>
-              </a:ext>
-            </a:extLst>
-          </p:cNvPr>
-          <p:cNvSpPr>
-            <a:spLocks noGrp="1" noRot="1" noChangeAspect="1" noMove="1" noResize="1" noEditPoints="1" noAdjustHandles="1" noChangeArrowheads="1" noChangeShapeType="1" noTextEdit="1"/>
-          </p:cNvSpPr>
-          <p:nvPr>
-            <p:extLst>
-              <p:ext uri="{386F3935-93C4-4BCD-93E2-E3B085C9AB24}">
-                <p16:designElem xmlns:p16="http://schemas.microsoft.com/office/powerpoint/2015/main" val="1"/>
-              </p:ext>
-            </p:extLst>
-          </p:nvPr>
-        </p:nvSpPr>
-        <p:spPr>
-          <a:xfrm>
-            <a:off x="15" y="6334316"/>
-            <a:ext cx="12188825" cy="64008"/>
-          </a:xfrm>
-          <a:prstGeom prst="rect">
-            <a:avLst/>
-          </a:prstGeom>
-          <a:solidFill>
-            <a:schemeClr val="accent1"/>
-          </a:solidFill>
-          <a:ln>
-            <a:noFill/>
-          </a:ln>
-        </p:spPr>
-        <p:style>
-          <a:lnRef idx="2">
-            <a:schemeClr val="accent1">
-              <a:shade val="50000"/>
-            </a:schemeClr>
-          </a:lnRef>
-          <a:fillRef idx="1">
-            <a:schemeClr val="accent1"/>
-          </a:fillRef>
-          <a:effectRef idx="0">
-            <a:schemeClr val="accent1"/>
-          </a:effectRef>
-          <a:fontRef idx="minor">
-            <a:schemeClr val="lt1"/>
-          </a:fontRef>
-        </p:style>
-      </p:sp>
-      <p:cxnSp>
-        <p:nvCxnSpPr>
-          <p:cNvPr id="15" name="Straight Connector 14">
-            <a:extLst>
-              <a:ext uri="{FF2B5EF4-FFF2-40B4-BE49-F238E27FC236}">
-                <a16:creationId xmlns:a16="http://schemas.microsoft.com/office/drawing/2014/main" id="{62A90A9D-33DF-408E-BF4C-F82588935C96}"/>
-              </a:ext>
-              <a:ext uri="{C183D7F6-B498-43B3-948B-1728B52AA6E4}">
-                <adec:decorative xmlns:adec="http://schemas.microsoft.com/office/drawing/2017/decorative" val="1"/>
-              </a:ext>
-            </a:extLst>
-          </p:cNvPr>
-          <p:cNvCxnSpPr>
-            <a:cxnSpLocks noGrp="1" noRot="1" noChangeAspect="1" noMove="1" noResize="1" noEditPoints="1" noAdjustHandles="1" noChangeArrowheads="1" noChangeShapeType="1"/>
-          </p:cNvCxnSpPr>
-          <p:nvPr>
-            <p:extLst>
-              <p:ext uri="{386F3935-93C4-4BCD-93E2-E3B085C9AB24}">
-                <p16:designElem xmlns:p16="http://schemas.microsoft.com/office/powerpoint/2015/main" val="1"/>
-              </p:ext>
-            </p:extLst>
-          </p:nvPr>
-        </p:nvCxnSpPr>
-        <p:spPr>
-          <a:xfrm>
-            <a:off x="1207658" y="4343400"/>
-            <a:ext cx="9875520" cy="0"/>
-          </a:xfrm>
-          <a:prstGeom prst="line">
-            <a:avLst/>
-          </a:prstGeom>
-          <a:ln w="6350">
-            <a:solidFill>
-              <a:schemeClr val="tx1">
-                <a:lumMod val="50000"/>
-                <a:lumOff val="50000"/>
-              </a:schemeClr>
-            </a:solidFill>
-          </a:ln>
-        </p:spPr>
-        <p:style>
-          <a:lnRef idx="1">
-            <a:schemeClr val="accent1"/>
-          </a:lnRef>
-          <a:fillRef idx="0">
-            <a:schemeClr val="accent1"/>
-          </a:fillRef>
-          <a:effectRef idx="0">
-            <a:schemeClr val="accent1"/>
-          </a:effectRef>
-          <a:fontRef idx="minor">
-            <a:schemeClr val="tx1"/>
-          </a:fontRef>
-        </p:style>
-      </p:cxnSp>
-      <p:sp useBgFill="1">
-        <p:nvSpPr>
-          <p:cNvPr id="17" name="Rectangle 16">
-            <a:extLst>
-              <a:ext uri="{FF2B5EF4-FFF2-40B4-BE49-F238E27FC236}">
-                <a16:creationId xmlns:a16="http://schemas.microsoft.com/office/drawing/2014/main" id="{3C6B623D-A3E9-460F-9A5B-2F0FE253BF13}"/>
-              </a:ext>
-              <a:ext uri="{C183D7F6-B498-43B3-948B-1728B52AA6E4}">
-                <adec:decorative xmlns:adec="http://schemas.microsoft.com/office/drawing/2017/decorative" val="1"/>
-              </a:ext>
-            </a:extLst>
-          </p:cNvPr>
-          <p:cNvSpPr>
-            <a:spLocks noGrp="1" noRot="1" noChangeAspect="1" noMove="1" noResize="1" noEditPoints="1" noAdjustHandles="1" noChangeArrowheads="1" noChangeShapeType="1" noTextEdit="1"/>
-          </p:cNvSpPr>
-          <p:nvPr>
-            <p:extLst>
-              <p:ext uri="{386F3935-93C4-4BCD-93E2-E3B085C9AB24}">
-                <p16:designElem xmlns:p16="http://schemas.microsoft.com/office/powerpoint/2015/main" val="1"/>
-              </p:ext>
-            </p:extLst>
-          </p:nvPr>
-        </p:nvSpPr>
-        <p:spPr>
-          <a:xfrm>
-            <a:off x="0" y="0"/>
-            <a:ext cx="12192001" cy="6334316"/>
-          </a:xfrm>
-          <a:prstGeom prst="rect">
-            <a:avLst/>
-          </a:prstGeom>
-          <a:ln>
-            <a:noFill/>
-          </a:ln>
-        </p:spPr>
-        <p:style>
-          <a:lnRef idx="2">
-            <a:schemeClr val="accent1">
-              <a:shade val="50000"/>
-            </a:schemeClr>
-          </a:lnRef>
-          <a:fillRef idx="1">
-            <a:schemeClr val="accent1"/>
-          </a:fillRef>
-          <a:effectRef idx="0">
-            <a:schemeClr val="accent1"/>
-          </a:effectRef>
-          <a:fontRef idx="minor">
-            <a:schemeClr val="lt1"/>
-          </a:fontRef>
-        </p:style>
-        <p:txBody>
-          <a:bodyPr rtlCol="0" anchor="ctr"/>
-          <a:lstStyle/>
-          <a:p>
-            <a:pPr algn="ctr"/>
-            <a:endParaRPr lang="en-US"/>
-          </a:p>
-        </p:txBody>
-      </p:sp>
-      <p:sp>
-        <p:nvSpPr>
-          <p:cNvPr id="6" name="Textfeld 5">
-            <a:extLst>
-              <a:ext uri="{FF2B5EF4-FFF2-40B4-BE49-F238E27FC236}">
-                <a16:creationId xmlns:a16="http://schemas.microsoft.com/office/drawing/2014/main" id="{B5CA747A-9BD1-4903-BFF4-BB97C4FC885A}"/>
-              </a:ext>
-            </a:extLst>
-          </p:cNvPr>
-          <p:cNvSpPr txBox="1"/>
-          <p:nvPr/>
-        </p:nvSpPr>
-        <p:spPr>
-          <a:xfrm>
-            <a:off x="734425" y="5658623"/>
-            <a:ext cx="10821986" cy="548938"/>
-          </a:xfrm>
-          <a:prstGeom prst="rect">
-            <a:avLst/>
-          </a:prstGeom>
-        </p:spPr>
-        <p:txBody>
-          <a:bodyPr vert="horz" lIns="91440" tIns="45720" rIns="91440" bIns="45720" rtlCol="0" anchor="b">
-            <a:normAutofit fontScale="85000" lnSpcReduction="20000"/>
-          </a:bodyPr>
-          <a:lstStyle/>
-          <a:p>
-            <a:pPr defTabSz="914400">
-              <a:lnSpc>
-                <a:spcPct val="85000"/>
-              </a:lnSpc>
-              <a:spcBef>
-                <a:spcPct val="0"/>
-              </a:spcBef>
-              <a:spcAft>
-                <a:spcPts val="600"/>
-              </a:spcAft>
-            </a:pPr>
-            <a:r>
-              <a:rPr lang="en-US" sz="4700" spc="-50" dirty="0">
-                <a:solidFill>
-                  <a:schemeClr val="tx1">
-                    <a:lumMod val="85000"/>
-                    <a:lumOff val="15000"/>
-                  </a:schemeClr>
-                </a:solidFill>
-                <a:latin typeface="+mj-lt"/>
-                <a:ea typeface="+mj-ea"/>
-                <a:cs typeface="+mj-cs"/>
-              </a:rPr>
-              <a:t>n = training sample size, p = feature set size</a:t>
-            </a:r>
-          </a:p>
-        </p:txBody>
-      </p:sp>
-      <p:pic>
-        <p:nvPicPr>
-          <p:cNvPr id="5" name="Grafik 4">
-            <a:extLst>
-              <a:ext uri="{FF2B5EF4-FFF2-40B4-BE49-F238E27FC236}">
-                <a16:creationId xmlns:a16="http://schemas.microsoft.com/office/drawing/2014/main" id="{37C8A9F7-FDD8-4A5C-AC5E-94DA1051C216}"/>
-              </a:ext>
-            </a:extLst>
-          </p:cNvPr>
-          <p:cNvPicPr>
-            <a:picLocks noChangeAspect="1"/>
-          </p:cNvPicPr>
-          <p:nvPr/>
-        </p:nvPicPr>
-        <p:blipFill rotWithShape="1">
           <a:blip r:embed="rId3">
             <a:extLst>
               <a:ext uri="{28A0092B-C50C-407E-A947-70E740481C1C}">
@@ -14277,6 +17852,74 @@
     <p:extLst>
       <p:ext uri="{BB962C8B-B14F-4D97-AF65-F5344CB8AC3E}">
         <p14:creationId xmlns:p14="http://schemas.microsoft.com/office/powerpoint/2010/main" val="3781924294"/>
+      </p:ext>
+    </p:extLst>
+  </p:cSld>
+  <p:clrMapOvr>
+    <a:masterClrMapping/>
+  </p:clrMapOvr>
+</p:sld>
+</file>
+
+<file path=ppt/slides/slide9.xml><?xml version="1.0" encoding="utf-8"?>
+<p:sld xmlns:a="http://schemas.openxmlformats.org/drawingml/2006/main" xmlns:r="http://schemas.openxmlformats.org/officeDocument/2006/relationships" xmlns:p="http://schemas.openxmlformats.org/presentationml/2006/main">
+  <p:cSld>
+    <p:bg>
+      <p:bgPr>
+        <a:solidFill>
+          <a:schemeClr val="bg1"/>
+        </a:solidFill>
+        <a:effectLst/>
+      </p:bgPr>
+    </p:bg>
+    <p:spTree>
+      <p:nvGrpSpPr>
+        <p:cNvPr id="1" name=""/>
+        <p:cNvGrpSpPr/>
+        <p:nvPr/>
+      </p:nvGrpSpPr>
+      <p:grpSpPr>
+        <a:xfrm>
+          <a:off x="0" y="0"/>
+          <a:ext cx="0" cy="0"/>
+          <a:chOff x="0" y="0"/>
+          <a:chExt cx="0" cy="0"/>
+        </a:xfrm>
+      </p:grpSpPr>
+      <p:pic>
+        <p:nvPicPr>
+          <p:cNvPr id="2" name="Grafik 1">
+            <a:extLst>
+              <a:ext uri="{FF2B5EF4-FFF2-40B4-BE49-F238E27FC236}">
+                <a16:creationId xmlns:a16="http://schemas.microsoft.com/office/drawing/2014/main" id="{DF9115CE-08F2-47FD-8F0D-485C679E4B00}"/>
+              </a:ext>
+            </a:extLst>
+          </p:cNvPr>
+          <p:cNvPicPr>
+            <a:picLocks noChangeAspect="1"/>
+          </p:cNvPicPr>
+          <p:nvPr/>
+        </p:nvPicPr>
+        <p:blipFill>
+          <a:blip r:embed="rId3"/>
+          <a:stretch>
+            <a:fillRect/>
+          </a:stretch>
+        </p:blipFill>
+        <p:spPr>
+          <a:xfrm>
+            <a:off x="2119445" y="643467"/>
+            <a:ext cx="7953109" cy="5050225"/>
+          </a:xfrm>
+          <a:prstGeom prst="rect">
+            <a:avLst/>
+          </a:prstGeom>
+        </p:spPr>
+      </p:pic>
+    </p:spTree>
+    <p:extLst>
+      <p:ext uri="{BB962C8B-B14F-4D97-AF65-F5344CB8AC3E}">
+        <p14:creationId xmlns:p14="http://schemas.microsoft.com/office/powerpoint/2010/main" val="7747474"/>
       </p:ext>
     </p:extLst>
   </p:cSld>
